--- a/Presentation_project5.pptx
+++ b/Presentation_project5.pptx
@@ -2,19 +2,20 @@
 <file path=ppt/presentation.xml><?xml version="1.0" encoding="utf-8"?>
 <p:presentation xmlns:a="http://schemas.openxmlformats.org/drawingml/2006/main" xmlns:r="http://schemas.openxmlformats.org/officeDocument/2006/relationships" xmlns:p="http://schemas.openxmlformats.org/presentationml/2006/main" saveSubsetFonts="1">
   <p:sldMasterIdLst>
-    <p:sldMasterId id="2147483648" r:id="rId1"/>
+    <p:sldMasterId id="2147483677" r:id="rId1"/>
   </p:sldMasterIdLst>
   <p:sldIdLst>
     <p:sldId id="256" r:id="rId2"/>
     <p:sldId id="257" r:id="rId3"/>
     <p:sldId id="258" r:id="rId4"/>
-    <p:sldId id="286" r:id="rId5"/>
+    <p:sldId id="289" r:id="rId5"/>
     <p:sldId id="288" r:id="rId6"/>
-    <p:sldId id="269" r:id="rId7"/>
-    <p:sldId id="283" r:id="rId8"/>
-    <p:sldId id="284" r:id="rId9"/>
-    <p:sldId id="282" r:id="rId10"/>
-    <p:sldId id="285" r:id="rId11"/>
+    <p:sldId id="290" r:id="rId7"/>
+    <p:sldId id="291" r:id="rId8"/>
+    <p:sldId id="292" r:id="rId9"/>
+    <p:sldId id="293" r:id="rId10"/>
+    <p:sldId id="282" r:id="rId11"/>
+    <p:sldId id="285" r:id="rId12"/>
   </p:sldIdLst>
   <p:sldSz cx="12192000" cy="6858000"/>
   <p:notesSz cx="6858000" cy="9144000"/>
@@ -22,7 +23,7 @@
     <a:defPPr>
       <a:defRPr lang="en-US"/>
     </a:defPPr>
-    <a:lvl1pPr marL="0" algn="l" defTabSz="914400" rtl="0" eaLnBrk="1" latinLnBrk="0" hangingPunct="1">
+    <a:lvl1pPr marL="0" algn="l" defTabSz="457200" rtl="0" eaLnBrk="1" latinLnBrk="0" hangingPunct="1">
       <a:defRPr sz="1800" kern="1200">
         <a:solidFill>
           <a:schemeClr val="tx1"/>
@@ -32,7 +33,7 @@
         <a:cs typeface="+mn-cs"/>
       </a:defRPr>
     </a:lvl1pPr>
-    <a:lvl2pPr marL="457200" algn="l" defTabSz="914400" rtl="0" eaLnBrk="1" latinLnBrk="0" hangingPunct="1">
+    <a:lvl2pPr marL="457200" algn="l" defTabSz="457200" rtl="0" eaLnBrk="1" latinLnBrk="0" hangingPunct="1">
       <a:defRPr sz="1800" kern="1200">
         <a:solidFill>
           <a:schemeClr val="tx1"/>
@@ -42,7 +43,7 @@
         <a:cs typeface="+mn-cs"/>
       </a:defRPr>
     </a:lvl2pPr>
-    <a:lvl3pPr marL="914400" algn="l" defTabSz="914400" rtl="0" eaLnBrk="1" latinLnBrk="0" hangingPunct="1">
+    <a:lvl3pPr marL="914400" algn="l" defTabSz="457200" rtl="0" eaLnBrk="1" latinLnBrk="0" hangingPunct="1">
       <a:defRPr sz="1800" kern="1200">
         <a:solidFill>
           <a:schemeClr val="tx1"/>
@@ -52,7 +53,7 @@
         <a:cs typeface="+mn-cs"/>
       </a:defRPr>
     </a:lvl3pPr>
-    <a:lvl4pPr marL="1371600" algn="l" defTabSz="914400" rtl="0" eaLnBrk="1" latinLnBrk="0" hangingPunct="1">
+    <a:lvl4pPr marL="1371600" algn="l" defTabSz="457200" rtl="0" eaLnBrk="1" latinLnBrk="0" hangingPunct="1">
       <a:defRPr sz="1800" kern="1200">
         <a:solidFill>
           <a:schemeClr val="tx1"/>
@@ -62,7 +63,7 @@
         <a:cs typeface="+mn-cs"/>
       </a:defRPr>
     </a:lvl4pPr>
-    <a:lvl5pPr marL="1828800" algn="l" defTabSz="914400" rtl="0" eaLnBrk="1" latinLnBrk="0" hangingPunct="1">
+    <a:lvl5pPr marL="1828800" algn="l" defTabSz="457200" rtl="0" eaLnBrk="1" latinLnBrk="0" hangingPunct="1">
       <a:defRPr sz="1800" kern="1200">
         <a:solidFill>
           <a:schemeClr val="tx1"/>
@@ -72,7 +73,7 @@
         <a:cs typeface="+mn-cs"/>
       </a:defRPr>
     </a:lvl5pPr>
-    <a:lvl6pPr marL="2286000" algn="l" defTabSz="914400" rtl="0" eaLnBrk="1" latinLnBrk="0" hangingPunct="1">
+    <a:lvl6pPr marL="2286000" algn="l" defTabSz="457200" rtl="0" eaLnBrk="1" latinLnBrk="0" hangingPunct="1">
       <a:defRPr sz="1800" kern="1200">
         <a:solidFill>
           <a:schemeClr val="tx1"/>
@@ -82,7 +83,7 @@
         <a:cs typeface="+mn-cs"/>
       </a:defRPr>
     </a:lvl6pPr>
-    <a:lvl7pPr marL="2743200" algn="l" defTabSz="914400" rtl="0" eaLnBrk="1" latinLnBrk="0" hangingPunct="1">
+    <a:lvl7pPr marL="2743200" algn="l" defTabSz="457200" rtl="0" eaLnBrk="1" latinLnBrk="0" hangingPunct="1">
       <a:defRPr sz="1800" kern="1200">
         <a:solidFill>
           <a:schemeClr val="tx1"/>
@@ -92,7 +93,7 @@
         <a:cs typeface="+mn-cs"/>
       </a:defRPr>
     </a:lvl7pPr>
-    <a:lvl8pPr marL="3200400" algn="l" defTabSz="914400" rtl="0" eaLnBrk="1" latinLnBrk="0" hangingPunct="1">
+    <a:lvl8pPr marL="3200400" algn="l" defTabSz="457200" rtl="0" eaLnBrk="1" latinLnBrk="0" hangingPunct="1">
       <a:defRPr sz="1800" kern="1200">
         <a:solidFill>
           <a:schemeClr val="tx1"/>
@@ -102,7 +103,7 @@
         <a:cs typeface="+mn-cs"/>
       </a:defRPr>
     </a:lvl8pPr>
-    <a:lvl9pPr marL="3657600" algn="l" defTabSz="914400" rtl="0" eaLnBrk="1" latinLnBrk="0" hangingPunct="1">
+    <a:lvl9pPr marL="3657600" algn="l" defTabSz="457200" rtl="0" eaLnBrk="1" latinLnBrk="0" hangingPunct="1">
       <a:defRPr sz="1800" kern="1200">
         <a:solidFill>
           <a:schemeClr val="tx1"/>
@@ -122,7 +123,7 @@
 </file>
 
 <file path=ppt/slideLayouts/slideLayout1.xml><?xml version="1.0" encoding="utf-8"?>
-<p:sldLayout xmlns:a="http://schemas.openxmlformats.org/drawingml/2006/main" xmlns:r="http://schemas.openxmlformats.org/officeDocument/2006/relationships" xmlns:p="http://schemas.openxmlformats.org/presentationml/2006/main" type="title" preserve="1">
+<p:sldLayout xmlns:a="http://schemas.openxmlformats.org/drawingml/2006/main" xmlns:r="http://schemas.openxmlformats.org/officeDocument/2006/relationships" xmlns:p="http://schemas.openxmlformats.org/presentationml/2006/main" showMasterSp="0" type="title" preserve="1">
   <p:cSld name="Title Slide">
     <p:spTree>
       <p:nvGrpSpPr>
@@ -140,13 +141,83 @@
       </p:grpSpPr>
       <p:sp>
         <p:nvSpPr>
-          <p:cNvPr id="2" name="Title 1">
-            <a:extLst>
-              <a:ext uri="{FF2B5EF4-FFF2-40B4-BE49-F238E27FC236}">
-                <a16:creationId xmlns:a16="http://schemas.microsoft.com/office/drawing/2014/main" id="{8DB11AE0-B120-41BF-BB19-E7D72D5C383E}"/>
-              </a:ext>
-            </a:extLst>
-          </p:cNvPr>
+          <p:cNvPr id="7" name="Rectangle 6"/>
+          <p:cNvSpPr/>
+          <p:nvPr/>
+        </p:nvSpPr>
+        <p:spPr>
+          <a:xfrm>
+            <a:off x="3175" y="6400800"/>
+            <a:ext cx="12188825" cy="457200"/>
+          </a:xfrm>
+          <a:prstGeom prst="rect">
+            <a:avLst/>
+          </a:prstGeom>
+          <a:solidFill>
+            <a:schemeClr val="accent2"/>
+          </a:solidFill>
+          <a:ln>
+            <a:noFill/>
+          </a:ln>
+        </p:spPr>
+        <p:style>
+          <a:lnRef idx="2">
+            <a:schemeClr val="accent1">
+              <a:shade val="50000"/>
+            </a:schemeClr>
+          </a:lnRef>
+          <a:fillRef idx="1">
+            <a:schemeClr val="accent1"/>
+          </a:fillRef>
+          <a:effectRef idx="0">
+            <a:schemeClr val="accent1"/>
+          </a:effectRef>
+          <a:fontRef idx="minor">
+            <a:schemeClr val="lt1"/>
+          </a:fontRef>
+        </p:style>
+      </p:sp>
+      <p:sp>
+        <p:nvSpPr>
+          <p:cNvPr id="8" name="Rectangle 7"/>
+          <p:cNvSpPr/>
+          <p:nvPr/>
+        </p:nvSpPr>
+        <p:spPr>
+          <a:xfrm>
+            <a:off x="15" y="6334316"/>
+            <a:ext cx="12188825" cy="64008"/>
+          </a:xfrm>
+          <a:prstGeom prst="rect">
+            <a:avLst/>
+          </a:prstGeom>
+          <a:solidFill>
+            <a:schemeClr val="accent1"/>
+          </a:solidFill>
+          <a:ln>
+            <a:noFill/>
+          </a:ln>
+        </p:spPr>
+        <p:style>
+          <a:lnRef idx="2">
+            <a:schemeClr val="accent1">
+              <a:shade val="50000"/>
+            </a:schemeClr>
+          </a:lnRef>
+          <a:fillRef idx="1">
+            <a:schemeClr val="accent1"/>
+          </a:fillRef>
+          <a:effectRef idx="0">
+            <a:schemeClr val="accent1"/>
+          </a:effectRef>
+          <a:fontRef idx="minor">
+            <a:schemeClr val="lt1"/>
+          </a:fontRef>
+        </p:style>
+      </p:sp>
+      <p:sp>
+        <p:nvSpPr>
+          <p:cNvPr id="2" name="Title 1"/>
           <p:cNvSpPr>
             <a:spLocks noGrp="1"/>
           </p:cNvSpPr>
@@ -156,15 +227,27 @@
         </p:nvSpPr>
         <p:spPr>
           <a:xfrm>
-            <a:off x="1524000" y="1122363"/>
-            <a:ext cx="9144000" cy="2387600"/>
-          </a:xfrm>
-        </p:spPr>
-        <p:txBody>
-          <a:bodyPr anchor="b"/>
+            <a:off x="1097280" y="758952"/>
+            <a:ext cx="10058400" cy="3566160"/>
+          </a:xfrm>
+        </p:spPr>
+        <p:txBody>
+          <a:bodyPr anchor="b">
+            <a:normAutofit/>
+          </a:bodyPr>
           <a:lstStyle>
-            <a:lvl1pPr algn="ctr">
-              <a:defRPr sz="6000"/>
+            <a:lvl1pPr algn="l">
+              <a:lnSpc>
+                <a:spcPct val="85000"/>
+              </a:lnSpc>
+              <a:defRPr sz="8000" spc="-50" baseline="0">
+                <a:solidFill>
+                  <a:schemeClr val="tx1">
+                    <a:lumMod val="85000"/>
+                    <a:lumOff val="15000"/>
+                  </a:schemeClr>
+                </a:solidFill>
+              </a:defRPr>
             </a:lvl1pPr>
           </a:lstStyle>
           <a:p>
@@ -172,18 +255,13 @@
               <a:rPr lang="en-US"/>
               <a:t>Click to edit Master title style</a:t>
             </a:r>
-          </a:p>
-        </p:txBody>
-      </p:sp>
-      <p:sp>
-        <p:nvSpPr>
-          <p:cNvPr id="3" name="Subtitle 2">
-            <a:extLst>
-              <a:ext uri="{FF2B5EF4-FFF2-40B4-BE49-F238E27FC236}">
-                <a16:creationId xmlns:a16="http://schemas.microsoft.com/office/drawing/2014/main" id="{0D4DFCB3-F987-40EA-BA6D-538E5406F3E6}"/>
-              </a:ext>
-            </a:extLst>
-          </p:cNvPr>
+            <a:endParaRPr lang="en-US" dirty="0"/>
+          </a:p>
+        </p:txBody>
+      </p:sp>
+      <p:sp>
+        <p:nvSpPr>
+          <p:cNvPr id="3" name="Subtitle 2"/>
           <p:cNvSpPr>
             <a:spLocks noGrp="1"/>
           </p:cNvSpPr>
@@ -193,48 +271,55 @@
         </p:nvSpPr>
         <p:spPr>
           <a:xfrm>
-            <a:off x="1524000" y="3602038"/>
-            <a:ext cx="9144000" cy="1655762"/>
-          </a:xfrm>
-        </p:spPr>
-        <p:txBody>
-          <a:bodyPr/>
+            <a:off x="1100051" y="4455620"/>
+            <a:ext cx="10058400" cy="1143000"/>
+          </a:xfrm>
+        </p:spPr>
+        <p:txBody>
+          <a:bodyPr lIns="91440" rIns="91440">
+            <a:normAutofit/>
+          </a:bodyPr>
           <a:lstStyle>
-            <a:lvl1pPr marL="0" indent="0" algn="ctr">
+            <a:lvl1pPr marL="0" indent="0" algn="l">
               <a:buNone/>
-              <a:defRPr sz="2400"/>
+              <a:defRPr sz="2400" cap="all" spc="200" baseline="0">
+                <a:solidFill>
+                  <a:schemeClr val="tx2"/>
+                </a:solidFill>
+                <a:latin typeface="+mj-lt"/>
+              </a:defRPr>
             </a:lvl1pPr>
             <a:lvl2pPr marL="457200" indent="0" algn="ctr">
               <a:buNone/>
-              <a:defRPr sz="2000"/>
+              <a:defRPr sz="2400"/>
             </a:lvl2pPr>
             <a:lvl3pPr marL="914400" indent="0" algn="ctr">
               <a:buNone/>
-              <a:defRPr sz="1800"/>
+              <a:defRPr sz="2400"/>
             </a:lvl3pPr>
             <a:lvl4pPr marL="1371600" indent="0" algn="ctr">
               <a:buNone/>
-              <a:defRPr sz="1600"/>
+              <a:defRPr sz="2000"/>
             </a:lvl4pPr>
             <a:lvl5pPr marL="1828800" indent="0" algn="ctr">
               <a:buNone/>
-              <a:defRPr sz="1600"/>
+              <a:defRPr sz="2000"/>
             </a:lvl5pPr>
             <a:lvl6pPr marL="2286000" indent="0" algn="ctr">
               <a:buNone/>
-              <a:defRPr sz="1600"/>
+              <a:defRPr sz="2000"/>
             </a:lvl6pPr>
             <a:lvl7pPr marL="2743200" indent="0" algn="ctr">
               <a:buNone/>
-              <a:defRPr sz="1600"/>
+              <a:defRPr sz="2000"/>
             </a:lvl7pPr>
             <a:lvl8pPr marL="3200400" indent="0" algn="ctr">
               <a:buNone/>
-              <a:defRPr sz="1600"/>
+              <a:defRPr sz="2000"/>
             </a:lvl8pPr>
             <a:lvl9pPr marL="3657600" indent="0" algn="ctr">
               <a:buNone/>
-              <a:defRPr sz="1600"/>
+              <a:defRPr sz="2000"/>
             </a:lvl9pPr>
           </a:lstStyle>
           <a:p>
@@ -242,18 +327,13 @@
               <a:rPr lang="en-US"/>
               <a:t>Click to edit Master subtitle style</a:t>
             </a:r>
-          </a:p>
-        </p:txBody>
-      </p:sp>
-      <p:sp>
-        <p:nvSpPr>
-          <p:cNvPr id="4" name="Date Placeholder 3">
-            <a:extLst>
-              <a:ext uri="{FF2B5EF4-FFF2-40B4-BE49-F238E27FC236}">
-                <a16:creationId xmlns:a16="http://schemas.microsoft.com/office/drawing/2014/main" id="{798FE97C-F20F-4783-8C79-DA086484874F}"/>
-              </a:ext>
-            </a:extLst>
-          </p:cNvPr>
+            <a:endParaRPr lang="en-US" dirty="0"/>
+          </a:p>
+        </p:txBody>
+      </p:sp>
+      <p:sp>
+        <p:nvSpPr>
+          <p:cNvPr id="4" name="Date Placeholder 3"/>
           <p:cNvSpPr>
             <a:spLocks noGrp="1"/>
           </p:cNvSpPr>
@@ -268,7 +348,7 @@
           <a:p>
             <a:fld id="{5ADCAF40-A17B-4AB4-99A9-34899C3DDED5}" type="datetimeFigureOut">
               <a:rPr lang="en-US" smtClean="0"/>
-              <a:t>5/28/2022</a:t>
+              <a:t>6/7/2022</a:t>
             </a:fld>
             <a:endParaRPr lang="en-US"/>
           </a:p>
@@ -276,13 +356,7 @@
       </p:sp>
       <p:sp>
         <p:nvSpPr>
-          <p:cNvPr id="5" name="Footer Placeholder 4">
-            <a:extLst>
-              <a:ext uri="{FF2B5EF4-FFF2-40B4-BE49-F238E27FC236}">
-                <a16:creationId xmlns:a16="http://schemas.microsoft.com/office/drawing/2014/main" id="{8AFEA691-7144-4496-AA65-41FD8ED2B69C}"/>
-              </a:ext>
-            </a:extLst>
-          </p:cNvPr>
+          <p:cNvPr id="5" name="Footer Placeholder 4"/>
           <p:cNvSpPr>
             <a:spLocks noGrp="1"/>
           </p:cNvSpPr>
@@ -301,13 +375,7 @@
       </p:sp>
       <p:sp>
         <p:nvSpPr>
-          <p:cNvPr id="6" name="Slide Number Placeholder 5">
-            <a:extLst>
-              <a:ext uri="{FF2B5EF4-FFF2-40B4-BE49-F238E27FC236}">
-                <a16:creationId xmlns:a16="http://schemas.microsoft.com/office/drawing/2014/main" id="{882CBCD1-F4D3-43DA-8876-BC7903A33FAD}"/>
-              </a:ext>
-            </a:extLst>
-          </p:cNvPr>
+          <p:cNvPr id="6" name="Slide Number Placeholder 5"/>
           <p:cNvSpPr>
             <a:spLocks noGrp="1"/>
           </p:cNvSpPr>
@@ -328,10 +396,48 @@
           </a:p>
         </p:txBody>
       </p:sp>
+      <p:cxnSp>
+        <p:nvCxnSpPr>
+          <p:cNvPr id="9" name="Straight Connector 8"/>
+          <p:cNvCxnSpPr/>
+          <p:nvPr/>
+        </p:nvCxnSpPr>
+        <p:spPr>
+          <a:xfrm>
+            <a:off x="1207658" y="4343400"/>
+            <a:ext cx="9875520" cy="0"/>
+          </a:xfrm>
+          <a:prstGeom prst="line">
+            <a:avLst/>
+          </a:prstGeom>
+          <a:ln w="6350">
+            <a:solidFill>
+              <a:schemeClr val="tx1">
+                <a:lumMod val="50000"/>
+                <a:lumOff val="50000"/>
+              </a:schemeClr>
+            </a:solidFill>
+          </a:ln>
+        </p:spPr>
+        <p:style>
+          <a:lnRef idx="1">
+            <a:schemeClr val="accent1"/>
+          </a:lnRef>
+          <a:fillRef idx="0">
+            <a:schemeClr val="accent1"/>
+          </a:fillRef>
+          <a:effectRef idx="0">
+            <a:schemeClr val="accent1"/>
+          </a:effectRef>
+          <a:fontRef idx="minor">
+            <a:schemeClr val="tx1"/>
+          </a:fontRef>
+        </p:style>
+      </p:cxnSp>
     </p:spTree>
     <p:extLst>
       <p:ext uri="{BB962C8B-B14F-4D97-AF65-F5344CB8AC3E}">
-        <p14:creationId xmlns:p14="http://schemas.microsoft.com/office/powerpoint/2010/main" val="1284266314"/>
+        <p14:creationId xmlns:p14="http://schemas.microsoft.com/office/powerpoint/2010/main" val="1020899677"/>
       </p:ext>
     </p:extLst>
   </p:cSld>
@@ -360,13 +466,7 @@
       </p:grpSpPr>
       <p:sp>
         <p:nvSpPr>
-          <p:cNvPr id="2" name="Title 1">
-            <a:extLst>
-              <a:ext uri="{FF2B5EF4-FFF2-40B4-BE49-F238E27FC236}">
-                <a16:creationId xmlns:a16="http://schemas.microsoft.com/office/drawing/2014/main" id="{90CBE017-30CD-4C42-8D42-164571BE2EFB}"/>
-              </a:ext>
-            </a:extLst>
-          </p:cNvPr>
+          <p:cNvPr id="2" name="Title 1"/>
           <p:cNvSpPr>
             <a:spLocks noGrp="1"/>
           </p:cNvSpPr>
@@ -383,18 +483,13 @@
               <a:rPr lang="en-US"/>
               <a:t>Click to edit Master title style</a:t>
             </a:r>
-          </a:p>
-        </p:txBody>
-      </p:sp>
-      <p:sp>
-        <p:nvSpPr>
-          <p:cNvPr id="3" name="Vertical Text Placeholder 2">
-            <a:extLst>
-              <a:ext uri="{FF2B5EF4-FFF2-40B4-BE49-F238E27FC236}">
-                <a16:creationId xmlns:a16="http://schemas.microsoft.com/office/drawing/2014/main" id="{E7BA21DB-3836-4E84-932A-AFF7CAF31511}"/>
-              </a:ext>
-            </a:extLst>
-          </p:cNvPr>
+            <a:endParaRPr lang="en-US" dirty="0"/>
+          </a:p>
+        </p:txBody>
+      </p:sp>
+      <p:sp>
+        <p:nvSpPr>
+          <p:cNvPr id="3" name="Vertical Text Placeholder 2"/>
           <p:cNvSpPr>
             <a:spLocks noGrp="1"/>
           </p:cNvSpPr>
@@ -404,7 +499,7 @@
         </p:nvSpPr>
         <p:spPr/>
         <p:txBody>
-          <a:bodyPr vert="eaVert"/>
+          <a:bodyPr vert="eaVert" lIns="45720" tIns="0" rIns="45720" bIns="0"/>
           <a:lstStyle/>
           <a:p>
             <a:pPr lvl="0"/>
@@ -440,18 +535,13 @@
               <a:rPr lang="en-US"/>
               <a:t>Fifth level</a:t>
             </a:r>
-          </a:p>
-        </p:txBody>
-      </p:sp>
-      <p:sp>
-        <p:nvSpPr>
-          <p:cNvPr id="4" name="Date Placeholder 3">
-            <a:extLst>
-              <a:ext uri="{FF2B5EF4-FFF2-40B4-BE49-F238E27FC236}">
-                <a16:creationId xmlns:a16="http://schemas.microsoft.com/office/drawing/2014/main" id="{E9A049ED-FDEA-4D6A-A0A5-6B22A1E3243A}"/>
-              </a:ext>
-            </a:extLst>
-          </p:cNvPr>
+            <a:endParaRPr lang="en-US" dirty="0"/>
+          </a:p>
+        </p:txBody>
+      </p:sp>
+      <p:sp>
+        <p:nvSpPr>
+          <p:cNvPr id="4" name="Date Placeholder 3"/>
           <p:cNvSpPr>
             <a:spLocks noGrp="1"/>
           </p:cNvSpPr>
@@ -466,7 +556,7 @@
           <a:p>
             <a:fld id="{5ADCAF40-A17B-4AB4-99A9-34899C3DDED5}" type="datetimeFigureOut">
               <a:rPr lang="en-US" smtClean="0"/>
-              <a:t>5/28/2022</a:t>
+              <a:t>6/7/2022</a:t>
             </a:fld>
             <a:endParaRPr lang="en-US"/>
           </a:p>
@@ -474,13 +564,7 @@
       </p:sp>
       <p:sp>
         <p:nvSpPr>
-          <p:cNvPr id="5" name="Footer Placeholder 4">
-            <a:extLst>
-              <a:ext uri="{FF2B5EF4-FFF2-40B4-BE49-F238E27FC236}">
-                <a16:creationId xmlns:a16="http://schemas.microsoft.com/office/drawing/2014/main" id="{5428026A-21F6-4898-9EF2-DE81FC8EDACA}"/>
-              </a:ext>
-            </a:extLst>
-          </p:cNvPr>
+          <p:cNvPr id="5" name="Footer Placeholder 4"/>
           <p:cNvSpPr>
             <a:spLocks noGrp="1"/>
           </p:cNvSpPr>
@@ -499,13 +583,7 @@
       </p:sp>
       <p:sp>
         <p:nvSpPr>
-          <p:cNvPr id="6" name="Slide Number Placeholder 5">
-            <a:extLst>
-              <a:ext uri="{FF2B5EF4-FFF2-40B4-BE49-F238E27FC236}">
-                <a16:creationId xmlns:a16="http://schemas.microsoft.com/office/drawing/2014/main" id="{69E9EABB-54D0-4B1C-8BE6-A8DBA7F3BB08}"/>
-              </a:ext>
-            </a:extLst>
-          </p:cNvPr>
+          <p:cNvPr id="6" name="Slide Number Placeholder 5"/>
           <p:cNvSpPr>
             <a:spLocks noGrp="1"/>
           </p:cNvSpPr>
@@ -529,7 +607,7 @@
     </p:spTree>
     <p:extLst>
       <p:ext uri="{BB962C8B-B14F-4D97-AF65-F5344CB8AC3E}">
-        <p14:creationId xmlns:p14="http://schemas.microsoft.com/office/powerpoint/2010/main" val="2792213152"/>
+        <p14:creationId xmlns:p14="http://schemas.microsoft.com/office/powerpoint/2010/main" val="4277883035"/>
       </p:ext>
     </p:extLst>
   </p:cSld>
@@ -540,7 +618,7 @@
 </file>
 
 <file path=ppt/slideLayouts/slideLayout11.xml><?xml version="1.0" encoding="utf-8"?>
-<p:sldLayout xmlns:a="http://schemas.openxmlformats.org/drawingml/2006/main" xmlns:r="http://schemas.openxmlformats.org/officeDocument/2006/relationships" xmlns:p="http://schemas.openxmlformats.org/presentationml/2006/main" type="vertTitleAndTx" preserve="1">
+<p:sldLayout xmlns:a="http://schemas.openxmlformats.org/drawingml/2006/main" xmlns:r="http://schemas.openxmlformats.org/officeDocument/2006/relationships" xmlns:p="http://schemas.openxmlformats.org/presentationml/2006/main" showMasterSp="0" type="vertTitleAndTx" preserve="1">
   <p:cSld name="Vertical Title and Text">
     <p:spTree>
       <p:nvGrpSpPr>
@@ -558,13 +636,83 @@
       </p:grpSpPr>
       <p:sp>
         <p:nvSpPr>
-          <p:cNvPr id="2" name="Vertical Title 1">
-            <a:extLst>
-              <a:ext uri="{FF2B5EF4-FFF2-40B4-BE49-F238E27FC236}">
-                <a16:creationId xmlns:a16="http://schemas.microsoft.com/office/drawing/2014/main" id="{C89A466F-CDCD-4C61-8B22-21E59325F3A9}"/>
-              </a:ext>
-            </a:extLst>
-          </p:cNvPr>
+          <p:cNvPr id="7" name="Rectangle 6"/>
+          <p:cNvSpPr/>
+          <p:nvPr/>
+        </p:nvSpPr>
+        <p:spPr>
+          <a:xfrm>
+            <a:off x="3175" y="6400800"/>
+            <a:ext cx="12188825" cy="457200"/>
+          </a:xfrm>
+          <a:prstGeom prst="rect">
+            <a:avLst/>
+          </a:prstGeom>
+          <a:solidFill>
+            <a:schemeClr val="accent2"/>
+          </a:solidFill>
+          <a:ln>
+            <a:noFill/>
+          </a:ln>
+        </p:spPr>
+        <p:style>
+          <a:lnRef idx="2">
+            <a:schemeClr val="accent1">
+              <a:shade val="50000"/>
+            </a:schemeClr>
+          </a:lnRef>
+          <a:fillRef idx="1">
+            <a:schemeClr val="accent1"/>
+          </a:fillRef>
+          <a:effectRef idx="0">
+            <a:schemeClr val="accent1"/>
+          </a:effectRef>
+          <a:fontRef idx="minor">
+            <a:schemeClr val="lt1"/>
+          </a:fontRef>
+        </p:style>
+      </p:sp>
+      <p:sp>
+        <p:nvSpPr>
+          <p:cNvPr id="8" name="Rectangle 7"/>
+          <p:cNvSpPr/>
+          <p:nvPr/>
+        </p:nvSpPr>
+        <p:spPr>
+          <a:xfrm>
+            <a:off x="15" y="6334316"/>
+            <a:ext cx="12188825" cy="64008"/>
+          </a:xfrm>
+          <a:prstGeom prst="rect">
+            <a:avLst/>
+          </a:prstGeom>
+          <a:solidFill>
+            <a:schemeClr val="accent1"/>
+          </a:solidFill>
+          <a:ln>
+            <a:noFill/>
+          </a:ln>
+        </p:spPr>
+        <p:style>
+          <a:lnRef idx="2">
+            <a:schemeClr val="accent1">
+              <a:shade val="50000"/>
+            </a:schemeClr>
+          </a:lnRef>
+          <a:fillRef idx="1">
+            <a:schemeClr val="accent1"/>
+          </a:fillRef>
+          <a:effectRef idx="0">
+            <a:schemeClr val="accent1"/>
+          </a:effectRef>
+          <a:fontRef idx="minor">
+            <a:schemeClr val="lt1"/>
+          </a:fontRef>
+        </p:style>
+      </p:sp>
+      <p:sp>
+        <p:nvSpPr>
+          <p:cNvPr id="2" name="Vertical Title 1"/>
           <p:cNvSpPr>
             <a:spLocks noGrp="1"/>
           </p:cNvSpPr>
@@ -574,8 +722,8 @@
         </p:nvSpPr>
         <p:spPr>
           <a:xfrm>
-            <a:off x="8724900" y="365125"/>
-            <a:ext cx="2628900" cy="5811838"/>
+            <a:off x="8724900" y="414778"/>
+            <a:ext cx="2628900" cy="5757421"/>
           </a:xfrm>
         </p:spPr>
         <p:txBody>
@@ -586,18 +734,13 @@
               <a:rPr lang="en-US"/>
               <a:t>Click to edit Master title style</a:t>
             </a:r>
-          </a:p>
-        </p:txBody>
-      </p:sp>
-      <p:sp>
-        <p:nvSpPr>
-          <p:cNvPr id="3" name="Vertical Text Placeholder 2">
-            <a:extLst>
-              <a:ext uri="{FF2B5EF4-FFF2-40B4-BE49-F238E27FC236}">
-                <a16:creationId xmlns:a16="http://schemas.microsoft.com/office/drawing/2014/main" id="{9F514CEF-EB55-41EB-A0B5-1D04026985E1}"/>
-              </a:ext>
-            </a:extLst>
-          </p:cNvPr>
+            <a:endParaRPr lang="en-US" dirty="0"/>
+          </a:p>
+        </p:txBody>
+      </p:sp>
+      <p:sp>
+        <p:nvSpPr>
+          <p:cNvPr id="3" name="Vertical Text Placeholder 2"/>
           <p:cNvSpPr>
             <a:spLocks noGrp="1"/>
           </p:cNvSpPr>
@@ -607,12 +750,12 @@
         </p:nvSpPr>
         <p:spPr>
           <a:xfrm>
-            <a:off x="838200" y="365125"/>
-            <a:ext cx="7734300" cy="5811838"/>
-          </a:xfrm>
-        </p:spPr>
-        <p:txBody>
-          <a:bodyPr vert="eaVert"/>
+            <a:off x="838200" y="414778"/>
+            <a:ext cx="7734300" cy="5757422"/>
+          </a:xfrm>
+        </p:spPr>
+        <p:txBody>
+          <a:bodyPr vert="eaVert" lIns="45720" tIns="0" rIns="45720" bIns="0"/>
           <a:lstStyle/>
           <a:p>
             <a:pPr lvl="0"/>
@@ -648,18 +791,13 @@
               <a:rPr lang="en-US"/>
               <a:t>Fifth level</a:t>
             </a:r>
-          </a:p>
-        </p:txBody>
-      </p:sp>
-      <p:sp>
-        <p:nvSpPr>
-          <p:cNvPr id="4" name="Date Placeholder 3">
-            <a:extLst>
-              <a:ext uri="{FF2B5EF4-FFF2-40B4-BE49-F238E27FC236}">
-                <a16:creationId xmlns:a16="http://schemas.microsoft.com/office/drawing/2014/main" id="{ED01C462-C437-46E8-B1CE-8E37A8CF4BB1}"/>
-              </a:ext>
-            </a:extLst>
-          </p:cNvPr>
+            <a:endParaRPr lang="en-US" dirty="0"/>
+          </a:p>
+        </p:txBody>
+      </p:sp>
+      <p:sp>
+        <p:nvSpPr>
+          <p:cNvPr id="4" name="Date Placeholder 3"/>
           <p:cNvSpPr>
             <a:spLocks noGrp="1"/>
           </p:cNvSpPr>
@@ -674,7 +812,7 @@
           <a:p>
             <a:fld id="{5ADCAF40-A17B-4AB4-99A9-34899C3DDED5}" type="datetimeFigureOut">
               <a:rPr lang="en-US" smtClean="0"/>
-              <a:t>5/28/2022</a:t>
+              <a:t>6/7/2022</a:t>
             </a:fld>
             <a:endParaRPr lang="en-US"/>
           </a:p>
@@ -682,13 +820,7 @@
       </p:sp>
       <p:sp>
         <p:nvSpPr>
-          <p:cNvPr id="5" name="Footer Placeholder 4">
-            <a:extLst>
-              <a:ext uri="{FF2B5EF4-FFF2-40B4-BE49-F238E27FC236}">
-                <a16:creationId xmlns:a16="http://schemas.microsoft.com/office/drawing/2014/main" id="{2074FBB2-257E-4FB9-8266-65DF2BB31C58}"/>
-              </a:ext>
-            </a:extLst>
-          </p:cNvPr>
+          <p:cNvPr id="5" name="Footer Placeholder 4"/>
           <p:cNvSpPr>
             <a:spLocks noGrp="1"/>
           </p:cNvSpPr>
@@ -707,13 +839,7 @@
       </p:sp>
       <p:sp>
         <p:nvSpPr>
-          <p:cNvPr id="6" name="Slide Number Placeholder 5">
-            <a:extLst>
-              <a:ext uri="{FF2B5EF4-FFF2-40B4-BE49-F238E27FC236}">
-                <a16:creationId xmlns:a16="http://schemas.microsoft.com/office/drawing/2014/main" id="{2A3ED463-AEB7-49CE-AA9D-10DBF5D53F37}"/>
-              </a:ext>
-            </a:extLst>
-          </p:cNvPr>
+          <p:cNvPr id="6" name="Slide Number Placeholder 5"/>
           <p:cNvSpPr>
             <a:spLocks noGrp="1"/>
           </p:cNvSpPr>
@@ -737,7 +863,7 @@
     </p:spTree>
     <p:extLst>
       <p:ext uri="{BB962C8B-B14F-4D97-AF65-F5344CB8AC3E}">
-        <p14:creationId xmlns:p14="http://schemas.microsoft.com/office/powerpoint/2010/main" val="3359083514"/>
+        <p14:creationId xmlns:p14="http://schemas.microsoft.com/office/powerpoint/2010/main" val="3096480407"/>
       </p:ext>
     </p:extLst>
   </p:cSld>
@@ -766,18 +892,39 @@
       </p:grpSpPr>
       <p:sp>
         <p:nvSpPr>
-          <p:cNvPr id="2" name="Title 1">
-            <a:extLst>
-              <a:ext uri="{FF2B5EF4-FFF2-40B4-BE49-F238E27FC236}">
-                <a16:creationId xmlns:a16="http://schemas.microsoft.com/office/drawing/2014/main" id="{6AE7B8D1-1FC1-42E3-8CED-523AFE31D7FB}"/>
-              </a:ext>
-            </a:extLst>
-          </p:cNvPr>
+          <p:cNvPr id="2" name="Title 1"/>
           <p:cNvSpPr>
             <a:spLocks noGrp="1"/>
           </p:cNvSpPr>
           <p:nvPr>
             <p:ph type="title"/>
+          </p:nvPr>
+        </p:nvSpPr>
+        <p:spPr/>
+        <p:txBody>
+          <a:bodyPr/>
+          <a:lstStyle>
+            <a:lvl1pPr marL="0">
+              <a:defRPr/>
+            </a:lvl1pPr>
+          </a:lstStyle>
+          <a:p>
+            <a:r>
+              <a:rPr lang="en-US"/>
+              <a:t>Click to edit Master title style</a:t>
+            </a:r>
+            <a:endParaRPr lang="en-US" dirty="0"/>
+          </a:p>
+        </p:txBody>
+      </p:sp>
+      <p:sp>
+        <p:nvSpPr>
+          <p:cNvPr id="3" name="Content Placeholder 2"/>
+          <p:cNvSpPr>
+            <a:spLocks noGrp="1"/>
+          </p:cNvSpPr>
+          <p:nvPr>
+            <p:ph idx="1"/>
           </p:nvPr>
         </p:nvSpPr>
         <p:spPr/>
@@ -785,27 +932,51 @@
           <a:bodyPr/>
           <a:lstStyle/>
           <a:p>
+            <a:pPr lvl="0"/>
             <a:r>
               <a:rPr lang="en-US"/>
-              <a:t>Click to edit Master title style</a:t>
-            </a:r>
-          </a:p>
-        </p:txBody>
-      </p:sp>
-      <p:sp>
-        <p:nvSpPr>
-          <p:cNvPr id="3" name="Content Placeholder 2">
-            <a:extLst>
-              <a:ext uri="{FF2B5EF4-FFF2-40B4-BE49-F238E27FC236}">
-                <a16:creationId xmlns:a16="http://schemas.microsoft.com/office/drawing/2014/main" id="{251BF28E-009C-4B17-A174-6E66FAB417F3}"/>
-              </a:ext>
-            </a:extLst>
-          </p:cNvPr>
-          <p:cNvSpPr>
-            <a:spLocks noGrp="1"/>
-          </p:cNvSpPr>
-          <p:nvPr>
-            <p:ph idx="1"/>
+              <a:t>Click to edit Master text styles</a:t>
+            </a:r>
+          </a:p>
+          <a:p>
+            <a:pPr lvl="1"/>
+            <a:r>
+              <a:rPr lang="en-US"/>
+              <a:t>Second level</a:t>
+            </a:r>
+          </a:p>
+          <a:p>
+            <a:pPr lvl="2"/>
+            <a:r>
+              <a:rPr lang="en-US"/>
+              <a:t>Third level</a:t>
+            </a:r>
+          </a:p>
+          <a:p>
+            <a:pPr lvl="3"/>
+            <a:r>
+              <a:rPr lang="en-US"/>
+              <a:t>Fourth level</a:t>
+            </a:r>
+          </a:p>
+          <a:p>
+            <a:pPr lvl="4"/>
+            <a:r>
+              <a:rPr lang="en-US"/>
+              <a:t>Fifth level</a:t>
+            </a:r>
+            <a:endParaRPr lang="en-US" dirty="0"/>
+          </a:p>
+        </p:txBody>
+      </p:sp>
+      <p:sp>
+        <p:nvSpPr>
+          <p:cNvPr id="4" name="Date Placeholder 3"/>
+          <p:cNvSpPr>
+            <a:spLocks noGrp="1"/>
+          </p:cNvSpPr>
+          <p:nvPr>
+            <p:ph type="dt" sz="half" idx="10"/>
           </p:nvPr>
         </p:nvSpPr>
         <p:spPr/>
@@ -813,56 +984,22 @@
           <a:bodyPr/>
           <a:lstStyle/>
           <a:p>
-            <a:pPr lvl="0"/>
-            <a:r>
-              <a:rPr lang="en-US"/>
-              <a:t>Click to edit Master text styles</a:t>
-            </a:r>
-          </a:p>
-          <a:p>
-            <a:pPr lvl="1"/>
-            <a:r>
-              <a:rPr lang="en-US"/>
-              <a:t>Second level</a:t>
-            </a:r>
-          </a:p>
-          <a:p>
-            <a:pPr lvl="2"/>
-            <a:r>
-              <a:rPr lang="en-US"/>
-              <a:t>Third level</a:t>
-            </a:r>
-          </a:p>
-          <a:p>
-            <a:pPr lvl="3"/>
-            <a:r>
-              <a:rPr lang="en-US"/>
-              <a:t>Fourth level</a:t>
-            </a:r>
-          </a:p>
-          <a:p>
-            <a:pPr lvl="4"/>
-            <a:r>
-              <a:rPr lang="en-US"/>
-              <a:t>Fifth level</a:t>
-            </a:r>
-          </a:p>
-        </p:txBody>
-      </p:sp>
-      <p:sp>
-        <p:nvSpPr>
-          <p:cNvPr id="4" name="Date Placeholder 3">
-            <a:extLst>
-              <a:ext uri="{FF2B5EF4-FFF2-40B4-BE49-F238E27FC236}">
-                <a16:creationId xmlns:a16="http://schemas.microsoft.com/office/drawing/2014/main" id="{04B87B51-D31D-4C02-805B-21F3FBDAA1A5}"/>
-              </a:ext>
-            </a:extLst>
-          </p:cNvPr>
-          <p:cNvSpPr>
-            <a:spLocks noGrp="1"/>
-          </p:cNvSpPr>
-          <p:nvPr>
-            <p:ph type="dt" sz="half" idx="10"/>
+            <a:fld id="{5ADCAF40-A17B-4AB4-99A9-34899C3DDED5}" type="datetimeFigureOut">
+              <a:rPr lang="en-US" smtClean="0"/>
+              <a:t>6/7/2022</a:t>
+            </a:fld>
+            <a:endParaRPr lang="en-US"/>
+          </a:p>
+        </p:txBody>
+      </p:sp>
+      <p:sp>
+        <p:nvSpPr>
+          <p:cNvPr id="5" name="Footer Placeholder 4"/>
+          <p:cNvSpPr>
+            <a:spLocks noGrp="1"/>
+          </p:cNvSpPr>
+          <p:nvPr>
+            <p:ph type="ftr" sz="quarter" idx="11"/>
           </p:nvPr>
         </p:nvSpPr>
         <p:spPr/>
@@ -870,48 +1007,13 @@
           <a:bodyPr/>
           <a:lstStyle/>
           <a:p>
-            <a:fld id="{5ADCAF40-A17B-4AB4-99A9-34899C3DDED5}" type="datetimeFigureOut">
-              <a:rPr lang="en-US" smtClean="0"/>
-              <a:t>5/28/2022</a:t>
-            </a:fld>
             <a:endParaRPr lang="en-US"/>
           </a:p>
         </p:txBody>
       </p:sp>
       <p:sp>
         <p:nvSpPr>
-          <p:cNvPr id="5" name="Footer Placeholder 4">
-            <a:extLst>
-              <a:ext uri="{FF2B5EF4-FFF2-40B4-BE49-F238E27FC236}">
-                <a16:creationId xmlns:a16="http://schemas.microsoft.com/office/drawing/2014/main" id="{D0BD8787-FBEA-40D4-B5BD-E480012FA207}"/>
-              </a:ext>
-            </a:extLst>
-          </p:cNvPr>
-          <p:cNvSpPr>
-            <a:spLocks noGrp="1"/>
-          </p:cNvSpPr>
-          <p:nvPr>
-            <p:ph type="ftr" sz="quarter" idx="11"/>
-          </p:nvPr>
-        </p:nvSpPr>
-        <p:spPr/>
-        <p:txBody>
-          <a:bodyPr/>
-          <a:lstStyle/>
-          <a:p>
-            <a:endParaRPr lang="en-US"/>
-          </a:p>
-        </p:txBody>
-      </p:sp>
-      <p:sp>
-        <p:nvSpPr>
-          <p:cNvPr id="6" name="Slide Number Placeholder 5">
-            <a:extLst>
-              <a:ext uri="{FF2B5EF4-FFF2-40B4-BE49-F238E27FC236}">
-                <a16:creationId xmlns:a16="http://schemas.microsoft.com/office/drawing/2014/main" id="{EE82FBD0-90FF-4B88-8F29-C513346919B2}"/>
-              </a:ext>
-            </a:extLst>
-          </p:cNvPr>
+          <p:cNvPr id="6" name="Slide Number Placeholder 5"/>
           <p:cNvSpPr>
             <a:spLocks noGrp="1"/>
           </p:cNvSpPr>
@@ -935,7 +1037,7 @@
     </p:spTree>
     <p:extLst>
       <p:ext uri="{BB962C8B-B14F-4D97-AF65-F5344CB8AC3E}">
-        <p14:creationId xmlns:p14="http://schemas.microsoft.com/office/powerpoint/2010/main" val="1430500119"/>
+        <p14:creationId xmlns:p14="http://schemas.microsoft.com/office/powerpoint/2010/main" val="4161388846"/>
       </p:ext>
     </p:extLst>
   </p:cSld>
@@ -946,8 +1048,16 @@
 </file>
 
 <file path=ppt/slideLayouts/slideLayout3.xml><?xml version="1.0" encoding="utf-8"?>
-<p:sldLayout xmlns:a="http://schemas.openxmlformats.org/drawingml/2006/main" xmlns:r="http://schemas.openxmlformats.org/officeDocument/2006/relationships" xmlns:p="http://schemas.openxmlformats.org/presentationml/2006/main" type="secHead" preserve="1">
+<p:sldLayout xmlns:a="http://schemas.openxmlformats.org/drawingml/2006/main" xmlns:r="http://schemas.openxmlformats.org/officeDocument/2006/relationships" xmlns:p="http://schemas.openxmlformats.org/presentationml/2006/main" showMasterSp="0" type="secHead" preserve="1">
   <p:cSld name="Section Header">
+    <p:bg>
+      <p:bgPr>
+        <a:solidFill>
+          <a:schemeClr val="bg1"/>
+        </a:solidFill>
+        <a:effectLst/>
+      </p:bgPr>
+    </p:bg>
     <p:spTree>
       <p:nvGrpSpPr>
         <p:cNvPr id="1" name=""/>
@@ -964,13 +1074,83 @@
       </p:grpSpPr>
       <p:sp>
         <p:nvSpPr>
-          <p:cNvPr id="2" name="Title 1">
-            <a:extLst>
-              <a:ext uri="{FF2B5EF4-FFF2-40B4-BE49-F238E27FC236}">
-                <a16:creationId xmlns:a16="http://schemas.microsoft.com/office/drawing/2014/main" id="{370E4C6E-60BE-4A7B-A95A-73482BAF2FB8}"/>
-              </a:ext>
-            </a:extLst>
-          </p:cNvPr>
+          <p:cNvPr id="7" name="Rectangle 6"/>
+          <p:cNvSpPr/>
+          <p:nvPr/>
+        </p:nvSpPr>
+        <p:spPr>
+          <a:xfrm>
+            <a:off x="3175" y="6400800"/>
+            <a:ext cx="12188825" cy="457200"/>
+          </a:xfrm>
+          <a:prstGeom prst="rect">
+            <a:avLst/>
+          </a:prstGeom>
+          <a:solidFill>
+            <a:schemeClr val="accent2"/>
+          </a:solidFill>
+          <a:ln>
+            <a:noFill/>
+          </a:ln>
+        </p:spPr>
+        <p:style>
+          <a:lnRef idx="2">
+            <a:schemeClr val="accent1">
+              <a:shade val="50000"/>
+            </a:schemeClr>
+          </a:lnRef>
+          <a:fillRef idx="1">
+            <a:schemeClr val="accent1"/>
+          </a:fillRef>
+          <a:effectRef idx="0">
+            <a:schemeClr val="accent1"/>
+          </a:effectRef>
+          <a:fontRef idx="minor">
+            <a:schemeClr val="lt1"/>
+          </a:fontRef>
+        </p:style>
+      </p:sp>
+      <p:sp>
+        <p:nvSpPr>
+          <p:cNvPr id="8" name="Rectangle 7"/>
+          <p:cNvSpPr/>
+          <p:nvPr/>
+        </p:nvSpPr>
+        <p:spPr>
+          <a:xfrm>
+            <a:off x="15" y="6334316"/>
+            <a:ext cx="12188825" cy="64008"/>
+          </a:xfrm>
+          <a:prstGeom prst="rect">
+            <a:avLst/>
+          </a:prstGeom>
+          <a:solidFill>
+            <a:schemeClr val="accent1"/>
+          </a:solidFill>
+          <a:ln>
+            <a:noFill/>
+          </a:ln>
+        </p:spPr>
+        <p:style>
+          <a:lnRef idx="2">
+            <a:schemeClr val="accent1">
+              <a:shade val="50000"/>
+            </a:schemeClr>
+          </a:lnRef>
+          <a:fillRef idx="1">
+            <a:schemeClr val="accent1"/>
+          </a:fillRef>
+          <a:effectRef idx="0">
+            <a:schemeClr val="accent1"/>
+          </a:effectRef>
+          <a:fontRef idx="minor">
+            <a:schemeClr val="lt1"/>
+          </a:fontRef>
+        </p:style>
+      </p:sp>
+      <p:sp>
+        <p:nvSpPr>
+          <p:cNvPr id="2" name="Title 1"/>
           <p:cNvSpPr>
             <a:spLocks noGrp="1"/>
           </p:cNvSpPr>
@@ -980,15 +1160,27 @@
         </p:nvSpPr>
         <p:spPr>
           <a:xfrm>
-            <a:off x="831850" y="1709738"/>
-            <a:ext cx="10515600" cy="2852737"/>
-          </a:xfrm>
-        </p:spPr>
-        <p:txBody>
-          <a:bodyPr anchor="b"/>
+            <a:off x="1097280" y="758952"/>
+            <a:ext cx="10058400" cy="3566160"/>
+          </a:xfrm>
+        </p:spPr>
+        <p:txBody>
+          <a:bodyPr anchor="b" anchorCtr="0">
+            <a:normAutofit/>
+          </a:bodyPr>
           <a:lstStyle>
             <a:lvl1pPr>
-              <a:defRPr sz="6000"/>
+              <a:lnSpc>
+                <a:spcPct val="85000"/>
+              </a:lnSpc>
+              <a:defRPr sz="8000" b="0">
+                <a:solidFill>
+                  <a:schemeClr val="tx1">
+                    <a:lumMod val="85000"/>
+                    <a:lumOff val="15000"/>
+                  </a:schemeClr>
+                </a:solidFill>
+              </a:defRPr>
             </a:lvl1pPr>
           </a:lstStyle>
           <a:p>
@@ -996,18 +1188,13 @@
               <a:rPr lang="en-US"/>
               <a:t>Click to edit Master title style</a:t>
             </a:r>
-          </a:p>
-        </p:txBody>
-      </p:sp>
-      <p:sp>
-        <p:nvSpPr>
-          <p:cNvPr id="3" name="Text Placeholder 2">
-            <a:extLst>
-              <a:ext uri="{FF2B5EF4-FFF2-40B4-BE49-F238E27FC236}">
-                <a16:creationId xmlns:a16="http://schemas.microsoft.com/office/drawing/2014/main" id="{10C58379-251B-4FAB-BE7E-2BD837D88965}"/>
-              </a:ext>
-            </a:extLst>
-          </p:cNvPr>
+            <a:endParaRPr lang="en-US" dirty="0"/>
+          </a:p>
+        </p:txBody>
+      </p:sp>
+      <p:sp>
+        <p:nvSpPr>
+          <p:cNvPr id="3" name="Text Placeholder 2"/>
           <p:cNvSpPr>
             <a:spLocks noGrp="1"/>
           </p:cNvSpPr>
@@ -1017,26 +1204,27 @@
         </p:nvSpPr>
         <p:spPr>
           <a:xfrm>
-            <a:off x="831850" y="4589463"/>
-            <a:ext cx="10515600" cy="1500187"/>
-          </a:xfrm>
-        </p:spPr>
-        <p:txBody>
-          <a:bodyPr/>
+            <a:off x="1097280" y="4453128"/>
+            <a:ext cx="10058400" cy="1143000"/>
+          </a:xfrm>
+        </p:spPr>
+        <p:txBody>
+          <a:bodyPr lIns="91440" rIns="91440" anchor="t" anchorCtr="0">
+            <a:normAutofit/>
+          </a:bodyPr>
           <a:lstStyle>
             <a:lvl1pPr marL="0" indent="0">
               <a:buNone/>
-              <a:defRPr sz="2400">
-                <a:solidFill>
-                  <a:schemeClr val="tx1">
-                    <a:tint val="75000"/>
-                  </a:schemeClr>
-                </a:solidFill>
+              <a:defRPr sz="2400" cap="all" spc="200" baseline="0">
+                <a:solidFill>
+                  <a:schemeClr val="tx2"/>
+                </a:solidFill>
+                <a:latin typeface="+mj-lt"/>
               </a:defRPr>
             </a:lvl1pPr>
             <a:lvl2pPr marL="457200" indent="0">
               <a:buNone/>
-              <a:defRPr sz="2000">
+              <a:defRPr sz="1800">
                 <a:solidFill>
                   <a:schemeClr val="tx1">
                     <a:tint val="75000"/>
@@ -1046,7 +1234,7 @@
             </a:lvl2pPr>
             <a:lvl3pPr marL="914400" indent="0">
               <a:buNone/>
-              <a:defRPr sz="1800">
+              <a:defRPr sz="1600">
                 <a:solidFill>
                   <a:schemeClr val="tx1">
                     <a:tint val="75000"/>
@@ -1056,7 +1244,7 @@
             </a:lvl3pPr>
             <a:lvl4pPr marL="1371600" indent="0">
               <a:buNone/>
-              <a:defRPr sz="1600">
+              <a:defRPr sz="1400">
                 <a:solidFill>
                   <a:schemeClr val="tx1">
                     <a:tint val="75000"/>
@@ -1066,7 +1254,7 @@
             </a:lvl4pPr>
             <a:lvl5pPr marL="1828800" indent="0">
               <a:buNone/>
-              <a:defRPr sz="1600">
+              <a:defRPr sz="1400">
                 <a:solidFill>
                   <a:schemeClr val="tx1">
                     <a:tint val="75000"/>
@@ -1076,7 +1264,7 @@
             </a:lvl5pPr>
             <a:lvl6pPr marL="2286000" indent="0">
               <a:buNone/>
-              <a:defRPr sz="1600">
+              <a:defRPr sz="1400">
                 <a:solidFill>
                   <a:schemeClr val="tx1">
                     <a:tint val="75000"/>
@@ -1086,7 +1274,7 @@
             </a:lvl6pPr>
             <a:lvl7pPr marL="2743200" indent="0">
               <a:buNone/>
-              <a:defRPr sz="1600">
+              <a:defRPr sz="1400">
                 <a:solidFill>
                   <a:schemeClr val="tx1">
                     <a:tint val="75000"/>
@@ -1096,7 +1284,7 @@
             </a:lvl7pPr>
             <a:lvl8pPr marL="3200400" indent="0">
               <a:buNone/>
-              <a:defRPr sz="1600">
+              <a:defRPr sz="1400">
                 <a:solidFill>
                   <a:schemeClr val="tx1">
                     <a:tint val="75000"/>
@@ -1106,7 +1294,7 @@
             </a:lvl8pPr>
             <a:lvl9pPr marL="3657600" indent="0">
               <a:buNone/>
-              <a:defRPr sz="1600">
+              <a:defRPr sz="1400">
                 <a:solidFill>
                   <a:schemeClr val="tx1">
                     <a:tint val="75000"/>
@@ -1126,13 +1314,7 @@
       </p:sp>
       <p:sp>
         <p:nvSpPr>
-          <p:cNvPr id="4" name="Date Placeholder 3">
-            <a:extLst>
-              <a:ext uri="{FF2B5EF4-FFF2-40B4-BE49-F238E27FC236}">
-                <a16:creationId xmlns:a16="http://schemas.microsoft.com/office/drawing/2014/main" id="{8EDF843C-762C-4C57-904F-878A9108B700}"/>
-              </a:ext>
-            </a:extLst>
-          </p:cNvPr>
+          <p:cNvPr id="4" name="Date Placeholder 3"/>
           <p:cNvSpPr>
             <a:spLocks noGrp="1"/>
           </p:cNvSpPr>
@@ -1147,7 +1329,7 @@
           <a:p>
             <a:fld id="{5ADCAF40-A17B-4AB4-99A9-34899C3DDED5}" type="datetimeFigureOut">
               <a:rPr lang="en-US" smtClean="0"/>
-              <a:t>5/28/2022</a:t>
+              <a:t>6/7/2022</a:t>
             </a:fld>
             <a:endParaRPr lang="en-US"/>
           </a:p>
@@ -1155,13 +1337,7 @@
       </p:sp>
       <p:sp>
         <p:nvSpPr>
-          <p:cNvPr id="5" name="Footer Placeholder 4">
-            <a:extLst>
-              <a:ext uri="{FF2B5EF4-FFF2-40B4-BE49-F238E27FC236}">
-                <a16:creationId xmlns:a16="http://schemas.microsoft.com/office/drawing/2014/main" id="{FF83A579-C65A-4EC4-8FDC-C83CE5F7C934}"/>
-              </a:ext>
-            </a:extLst>
-          </p:cNvPr>
+          <p:cNvPr id="5" name="Footer Placeholder 4"/>
           <p:cNvSpPr>
             <a:spLocks noGrp="1"/>
           </p:cNvSpPr>
@@ -1180,13 +1356,7 @@
       </p:sp>
       <p:sp>
         <p:nvSpPr>
-          <p:cNvPr id="6" name="Slide Number Placeholder 5">
-            <a:extLst>
-              <a:ext uri="{FF2B5EF4-FFF2-40B4-BE49-F238E27FC236}">
-                <a16:creationId xmlns:a16="http://schemas.microsoft.com/office/drawing/2014/main" id="{17E7F346-39E9-4BF5-BA50-891023D724D6}"/>
-              </a:ext>
-            </a:extLst>
-          </p:cNvPr>
+          <p:cNvPr id="6" name="Slide Number Placeholder 5"/>
           <p:cNvSpPr>
             <a:spLocks noGrp="1"/>
           </p:cNvSpPr>
@@ -1207,10 +1377,48 @@
           </a:p>
         </p:txBody>
       </p:sp>
+      <p:cxnSp>
+        <p:nvCxnSpPr>
+          <p:cNvPr id="9" name="Straight Connector 8"/>
+          <p:cNvCxnSpPr/>
+          <p:nvPr/>
+        </p:nvCxnSpPr>
+        <p:spPr>
+          <a:xfrm>
+            <a:off x="1207658" y="4343400"/>
+            <a:ext cx="9875520" cy="0"/>
+          </a:xfrm>
+          <a:prstGeom prst="line">
+            <a:avLst/>
+          </a:prstGeom>
+          <a:ln w="6350">
+            <a:solidFill>
+              <a:schemeClr val="tx1">
+                <a:lumMod val="50000"/>
+                <a:lumOff val="50000"/>
+              </a:schemeClr>
+            </a:solidFill>
+          </a:ln>
+        </p:spPr>
+        <p:style>
+          <a:lnRef idx="1">
+            <a:schemeClr val="accent1"/>
+          </a:lnRef>
+          <a:fillRef idx="0">
+            <a:schemeClr val="accent1"/>
+          </a:fillRef>
+          <a:effectRef idx="0">
+            <a:schemeClr val="accent1"/>
+          </a:effectRef>
+          <a:fontRef idx="minor">
+            <a:schemeClr val="tx1"/>
+          </a:fontRef>
+        </p:style>
+      </p:cxnSp>
     </p:spTree>
     <p:extLst>
       <p:ext uri="{BB962C8B-B14F-4D97-AF65-F5344CB8AC3E}">
-        <p14:creationId xmlns:p14="http://schemas.microsoft.com/office/powerpoint/2010/main" val="1010151540"/>
+        <p14:creationId xmlns:p14="http://schemas.microsoft.com/office/powerpoint/2010/main" val="513178341"/>
       </p:ext>
     </p:extLst>
   </p:cSld>
@@ -1239,13 +1447,7 @@
       </p:grpSpPr>
       <p:sp>
         <p:nvSpPr>
-          <p:cNvPr id="2" name="Title 1">
-            <a:extLst>
-              <a:ext uri="{FF2B5EF4-FFF2-40B4-BE49-F238E27FC236}">
-                <a16:creationId xmlns:a16="http://schemas.microsoft.com/office/drawing/2014/main" id="{81C02720-1312-4AAA-A116-FF9AE23CAB11}"/>
-              </a:ext>
-            </a:extLst>
-          </p:cNvPr>
+          <p:cNvPr id="8" name="Title 7"/>
           <p:cNvSpPr>
             <a:spLocks noGrp="1"/>
           </p:cNvSpPr>
@@ -1253,7 +1455,12 @@
             <p:ph type="title"/>
           </p:nvPr>
         </p:nvSpPr>
-        <p:spPr/>
+        <p:spPr>
+          <a:xfrm>
+            <a:off x="1097280" y="286603"/>
+            <a:ext cx="10058400" cy="1450757"/>
+          </a:xfrm>
+        </p:spPr>
         <p:txBody>
           <a:bodyPr/>
           <a:lstStyle/>
@@ -1262,18 +1469,13 @@
               <a:rPr lang="en-US"/>
               <a:t>Click to edit Master title style</a:t>
             </a:r>
-          </a:p>
-        </p:txBody>
-      </p:sp>
-      <p:sp>
-        <p:nvSpPr>
-          <p:cNvPr id="3" name="Content Placeholder 2">
-            <a:extLst>
-              <a:ext uri="{FF2B5EF4-FFF2-40B4-BE49-F238E27FC236}">
-                <a16:creationId xmlns:a16="http://schemas.microsoft.com/office/drawing/2014/main" id="{77CB95CE-B117-4E38-A00D-05CD7A36ECF1}"/>
-              </a:ext>
-            </a:extLst>
-          </p:cNvPr>
+            <a:endParaRPr lang="en-US" dirty="0"/>
+          </a:p>
+        </p:txBody>
+      </p:sp>
+      <p:sp>
+        <p:nvSpPr>
+          <p:cNvPr id="3" name="Content Placeholder 2"/>
           <p:cNvSpPr>
             <a:spLocks noGrp="1"/>
           </p:cNvSpPr>
@@ -1283,8 +1485,8 @@
         </p:nvSpPr>
         <p:spPr>
           <a:xfrm>
-            <a:off x="838200" y="1825625"/>
-            <a:ext cx="5181600" cy="4351338"/>
+            <a:off x="1097279" y="1845734"/>
+            <a:ext cx="4937760" cy="4023360"/>
           </a:xfrm>
         </p:spPr>
         <p:txBody>
@@ -1324,18 +1526,13 @@
               <a:rPr lang="en-US"/>
               <a:t>Fifth level</a:t>
             </a:r>
-          </a:p>
-        </p:txBody>
-      </p:sp>
-      <p:sp>
-        <p:nvSpPr>
-          <p:cNvPr id="4" name="Content Placeholder 3">
-            <a:extLst>
-              <a:ext uri="{FF2B5EF4-FFF2-40B4-BE49-F238E27FC236}">
-                <a16:creationId xmlns:a16="http://schemas.microsoft.com/office/drawing/2014/main" id="{651AE79B-1EF0-4344-82A4-1CE671F9566F}"/>
-              </a:ext>
-            </a:extLst>
-          </p:cNvPr>
+            <a:endParaRPr lang="en-US" dirty="0"/>
+          </a:p>
+        </p:txBody>
+      </p:sp>
+      <p:sp>
+        <p:nvSpPr>
+          <p:cNvPr id="4" name="Content Placeholder 3"/>
           <p:cNvSpPr>
             <a:spLocks noGrp="1"/>
           </p:cNvSpPr>
@@ -1345,8 +1542,8 @@
         </p:nvSpPr>
         <p:spPr>
           <a:xfrm>
-            <a:off x="6172200" y="1825625"/>
-            <a:ext cx="5181600" cy="4351338"/>
+            <a:off x="6217920" y="1845735"/>
+            <a:ext cx="4937760" cy="4023360"/>
           </a:xfrm>
         </p:spPr>
         <p:txBody>
@@ -1386,18 +1583,13 @@
               <a:rPr lang="en-US"/>
               <a:t>Fifth level</a:t>
             </a:r>
-          </a:p>
-        </p:txBody>
-      </p:sp>
-      <p:sp>
-        <p:nvSpPr>
-          <p:cNvPr id="5" name="Date Placeholder 4">
-            <a:extLst>
-              <a:ext uri="{FF2B5EF4-FFF2-40B4-BE49-F238E27FC236}">
-                <a16:creationId xmlns:a16="http://schemas.microsoft.com/office/drawing/2014/main" id="{1489DE75-30A7-4844-9293-7A988305C724}"/>
-              </a:ext>
-            </a:extLst>
-          </p:cNvPr>
+            <a:endParaRPr lang="en-US" dirty="0"/>
+          </a:p>
+        </p:txBody>
+      </p:sp>
+      <p:sp>
+        <p:nvSpPr>
+          <p:cNvPr id="5" name="Date Placeholder 4"/>
           <p:cNvSpPr>
             <a:spLocks noGrp="1"/>
           </p:cNvSpPr>
@@ -1412,7 +1604,7 @@
           <a:p>
             <a:fld id="{5ADCAF40-A17B-4AB4-99A9-34899C3DDED5}" type="datetimeFigureOut">
               <a:rPr lang="en-US" smtClean="0"/>
-              <a:t>5/28/2022</a:t>
+              <a:t>6/7/2022</a:t>
             </a:fld>
             <a:endParaRPr lang="en-US"/>
           </a:p>
@@ -1420,13 +1612,7 @@
       </p:sp>
       <p:sp>
         <p:nvSpPr>
-          <p:cNvPr id="6" name="Footer Placeholder 5">
-            <a:extLst>
-              <a:ext uri="{FF2B5EF4-FFF2-40B4-BE49-F238E27FC236}">
-                <a16:creationId xmlns:a16="http://schemas.microsoft.com/office/drawing/2014/main" id="{CDAADB95-C389-4383-B5EF-16DDFD9D4009}"/>
-              </a:ext>
-            </a:extLst>
-          </p:cNvPr>
+          <p:cNvPr id="6" name="Footer Placeholder 5"/>
           <p:cNvSpPr>
             <a:spLocks noGrp="1"/>
           </p:cNvSpPr>
@@ -1445,13 +1631,7 @@
       </p:sp>
       <p:sp>
         <p:nvSpPr>
-          <p:cNvPr id="7" name="Slide Number Placeholder 6">
-            <a:extLst>
-              <a:ext uri="{FF2B5EF4-FFF2-40B4-BE49-F238E27FC236}">
-                <a16:creationId xmlns:a16="http://schemas.microsoft.com/office/drawing/2014/main" id="{47575A2C-3FFE-49DD-96CA-2CB7B5007D01}"/>
-              </a:ext>
-            </a:extLst>
-          </p:cNvPr>
+          <p:cNvPr id="7" name="Slide Number Placeholder 6"/>
           <p:cNvSpPr>
             <a:spLocks noGrp="1"/>
           </p:cNvSpPr>
@@ -1475,7 +1655,7 @@
     </p:spTree>
     <p:extLst>
       <p:ext uri="{BB962C8B-B14F-4D97-AF65-F5344CB8AC3E}">
-        <p14:creationId xmlns:p14="http://schemas.microsoft.com/office/powerpoint/2010/main" val="4266966894"/>
+        <p14:creationId xmlns:p14="http://schemas.microsoft.com/office/powerpoint/2010/main" val="54136856"/>
       </p:ext>
     </p:extLst>
   </p:cSld>
@@ -1504,13 +1684,7 @@
       </p:grpSpPr>
       <p:sp>
         <p:nvSpPr>
-          <p:cNvPr id="2" name="Title 1">
-            <a:extLst>
-              <a:ext uri="{FF2B5EF4-FFF2-40B4-BE49-F238E27FC236}">
-                <a16:creationId xmlns:a16="http://schemas.microsoft.com/office/drawing/2014/main" id="{03D63498-6347-425C-8910-0C5B89755983}"/>
-              </a:ext>
-            </a:extLst>
-          </p:cNvPr>
+          <p:cNvPr id="10" name="Title 9"/>
           <p:cNvSpPr>
             <a:spLocks noGrp="1"/>
           </p:cNvSpPr>
@@ -1520,8 +1694,8 @@
         </p:nvSpPr>
         <p:spPr>
           <a:xfrm>
-            <a:off x="839788" y="365125"/>
-            <a:ext cx="10515600" cy="1325563"/>
+            <a:off x="1097280" y="286603"/>
+            <a:ext cx="10058400" cy="1450757"/>
           </a:xfrm>
         </p:spPr>
         <p:txBody>
@@ -1532,18 +1706,13 @@
               <a:rPr lang="en-US"/>
               <a:t>Click to edit Master title style</a:t>
             </a:r>
-          </a:p>
-        </p:txBody>
-      </p:sp>
-      <p:sp>
-        <p:nvSpPr>
-          <p:cNvPr id="3" name="Text Placeholder 2">
-            <a:extLst>
-              <a:ext uri="{FF2B5EF4-FFF2-40B4-BE49-F238E27FC236}">
-                <a16:creationId xmlns:a16="http://schemas.microsoft.com/office/drawing/2014/main" id="{F6A8D0C6-06EA-4ADF-B214-C81334D4326F}"/>
-              </a:ext>
-            </a:extLst>
-          </p:cNvPr>
+            <a:endParaRPr lang="en-US" dirty="0"/>
+          </a:p>
+        </p:txBody>
+      </p:sp>
+      <p:sp>
+        <p:nvSpPr>
+          <p:cNvPr id="3" name="Text Placeholder 2"/>
           <p:cNvSpPr>
             <a:spLocks noGrp="1"/>
           </p:cNvSpPr>
@@ -1553,16 +1722,22 @@
         </p:nvSpPr>
         <p:spPr>
           <a:xfrm>
-            <a:off x="839788" y="1681163"/>
-            <a:ext cx="5157787" cy="823912"/>
-          </a:xfrm>
-        </p:spPr>
-        <p:txBody>
-          <a:bodyPr anchor="b"/>
+            <a:off x="1097280" y="1846052"/>
+            <a:ext cx="4937760" cy="736282"/>
+          </a:xfrm>
+        </p:spPr>
+        <p:txBody>
+          <a:bodyPr lIns="91440" rIns="91440" anchor="ctr">
+            <a:normAutofit/>
+          </a:bodyPr>
           <a:lstStyle>
             <a:lvl1pPr marL="0" indent="0">
               <a:buNone/>
-              <a:defRPr sz="2400" b="1"/>
+              <a:defRPr sz="2000" b="0" cap="all" baseline="0">
+                <a:solidFill>
+                  <a:schemeClr val="tx2"/>
+                </a:solidFill>
+              </a:defRPr>
             </a:lvl1pPr>
             <a:lvl2pPr marL="457200" indent="0">
               <a:buNone/>
@@ -1608,13 +1783,7 @@
       </p:sp>
       <p:sp>
         <p:nvSpPr>
-          <p:cNvPr id="4" name="Content Placeholder 3">
-            <a:extLst>
-              <a:ext uri="{FF2B5EF4-FFF2-40B4-BE49-F238E27FC236}">
-                <a16:creationId xmlns:a16="http://schemas.microsoft.com/office/drawing/2014/main" id="{E11BA26B-697F-419A-A546-1D7D9DF24E4E}"/>
-              </a:ext>
-            </a:extLst>
-          </p:cNvPr>
+          <p:cNvPr id="4" name="Content Placeholder 3"/>
           <p:cNvSpPr>
             <a:spLocks noGrp="1"/>
           </p:cNvSpPr>
@@ -1624,8 +1793,8 @@
         </p:nvSpPr>
         <p:spPr>
           <a:xfrm>
-            <a:off x="839788" y="2505075"/>
-            <a:ext cx="5157787" cy="3684588"/>
+            <a:off x="1097280" y="2582334"/>
+            <a:ext cx="4937760" cy="3378200"/>
           </a:xfrm>
         </p:spPr>
         <p:txBody>
@@ -1665,18 +1834,13 @@
               <a:rPr lang="en-US"/>
               <a:t>Fifth level</a:t>
             </a:r>
-          </a:p>
-        </p:txBody>
-      </p:sp>
-      <p:sp>
-        <p:nvSpPr>
-          <p:cNvPr id="5" name="Text Placeholder 4">
-            <a:extLst>
-              <a:ext uri="{FF2B5EF4-FFF2-40B4-BE49-F238E27FC236}">
-                <a16:creationId xmlns:a16="http://schemas.microsoft.com/office/drawing/2014/main" id="{2C240DBA-77B2-4243-B45C-506E530822CF}"/>
-              </a:ext>
-            </a:extLst>
-          </p:cNvPr>
+            <a:endParaRPr lang="en-US" dirty="0"/>
+          </a:p>
+        </p:txBody>
+      </p:sp>
+      <p:sp>
+        <p:nvSpPr>
+          <p:cNvPr id="5" name="Text Placeholder 4"/>
           <p:cNvSpPr>
             <a:spLocks noGrp="1"/>
           </p:cNvSpPr>
@@ -1686,16 +1850,22 @@
         </p:nvSpPr>
         <p:spPr>
           <a:xfrm>
-            <a:off x="6172200" y="1681163"/>
-            <a:ext cx="5183188" cy="823912"/>
-          </a:xfrm>
-        </p:spPr>
-        <p:txBody>
-          <a:bodyPr anchor="b"/>
+            <a:off x="6217920" y="1846052"/>
+            <a:ext cx="4937760" cy="736282"/>
+          </a:xfrm>
+        </p:spPr>
+        <p:txBody>
+          <a:bodyPr lIns="91440" rIns="91440" anchor="ctr">
+            <a:normAutofit/>
+          </a:bodyPr>
           <a:lstStyle>
             <a:lvl1pPr marL="0" indent="0">
               <a:buNone/>
-              <a:defRPr sz="2400" b="1"/>
+              <a:defRPr sz="2000" b="0" cap="all" baseline="0">
+                <a:solidFill>
+                  <a:schemeClr val="tx2"/>
+                </a:solidFill>
+              </a:defRPr>
             </a:lvl1pPr>
             <a:lvl2pPr marL="457200" indent="0">
               <a:buNone/>
@@ -1741,13 +1911,7 @@
       </p:sp>
       <p:sp>
         <p:nvSpPr>
-          <p:cNvPr id="6" name="Content Placeholder 5">
-            <a:extLst>
-              <a:ext uri="{FF2B5EF4-FFF2-40B4-BE49-F238E27FC236}">
-                <a16:creationId xmlns:a16="http://schemas.microsoft.com/office/drawing/2014/main" id="{DB35D9E2-46D7-4F1C-B84E-C0E65F153AE0}"/>
-              </a:ext>
-            </a:extLst>
-          </p:cNvPr>
+          <p:cNvPr id="6" name="Content Placeholder 5"/>
           <p:cNvSpPr>
             <a:spLocks noGrp="1"/>
           </p:cNvSpPr>
@@ -1757,8 +1921,8 @@
         </p:nvSpPr>
         <p:spPr>
           <a:xfrm>
-            <a:off x="6172200" y="2505075"/>
-            <a:ext cx="5183188" cy="3684588"/>
+            <a:off x="6217920" y="2582334"/>
+            <a:ext cx="4937760" cy="3378200"/>
           </a:xfrm>
         </p:spPr>
         <p:txBody>
@@ -1798,18 +1962,13 @@
               <a:rPr lang="en-US"/>
               <a:t>Fifth level</a:t>
             </a:r>
-          </a:p>
-        </p:txBody>
-      </p:sp>
-      <p:sp>
-        <p:nvSpPr>
-          <p:cNvPr id="7" name="Date Placeholder 6">
-            <a:extLst>
-              <a:ext uri="{FF2B5EF4-FFF2-40B4-BE49-F238E27FC236}">
-                <a16:creationId xmlns:a16="http://schemas.microsoft.com/office/drawing/2014/main" id="{516B4FF3-2DEA-49FE-9173-0072EC998C48}"/>
-              </a:ext>
-            </a:extLst>
-          </p:cNvPr>
+            <a:endParaRPr lang="en-US" dirty="0"/>
+          </a:p>
+        </p:txBody>
+      </p:sp>
+      <p:sp>
+        <p:nvSpPr>
+          <p:cNvPr id="7" name="Date Placeholder 6"/>
           <p:cNvSpPr>
             <a:spLocks noGrp="1"/>
           </p:cNvSpPr>
@@ -1824,7 +1983,7 @@
           <a:p>
             <a:fld id="{5ADCAF40-A17B-4AB4-99A9-34899C3DDED5}" type="datetimeFigureOut">
               <a:rPr lang="en-US" smtClean="0"/>
-              <a:t>5/28/2022</a:t>
+              <a:t>6/7/2022</a:t>
             </a:fld>
             <a:endParaRPr lang="en-US"/>
           </a:p>
@@ -1832,13 +1991,7 @@
       </p:sp>
       <p:sp>
         <p:nvSpPr>
-          <p:cNvPr id="8" name="Footer Placeholder 7">
-            <a:extLst>
-              <a:ext uri="{FF2B5EF4-FFF2-40B4-BE49-F238E27FC236}">
-                <a16:creationId xmlns:a16="http://schemas.microsoft.com/office/drawing/2014/main" id="{1D9F5E46-EF9B-4CCC-ADA7-C34841E44E20}"/>
-              </a:ext>
-            </a:extLst>
-          </p:cNvPr>
+          <p:cNvPr id="8" name="Footer Placeholder 7"/>
           <p:cNvSpPr>
             <a:spLocks noGrp="1"/>
           </p:cNvSpPr>
@@ -1857,13 +2010,7 @@
       </p:sp>
       <p:sp>
         <p:nvSpPr>
-          <p:cNvPr id="9" name="Slide Number Placeholder 8">
-            <a:extLst>
-              <a:ext uri="{FF2B5EF4-FFF2-40B4-BE49-F238E27FC236}">
-                <a16:creationId xmlns:a16="http://schemas.microsoft.com/office/drawing/2014/main" id="{4895AA5E-AE18-494A-B464-4EEC050A5213}"/>
-              </a:ext>
-            </a:extLst>
-          </p:cNvPr>
+          <p:cNvPr id="9" name="Slide Number Placeholder 8"/>
           <p:cNvSpPr>
             <a:spLocks noGrp="1"/>
           </p:cNvSpPr>
@@ -1887,7 +2034,7 @@
     </p:spTree>
     <p:extLst>
       <p:ext uri="{BB962C8B-B14F-4D97-AF65-F5344CB8AC3E}">
-        <p14:creationId xmlns:p14="http://schemas.microsoft.com/office/powerpoint/2010/main" val="2384955572"/>
+        <p14:creationId xmlns:p14="http://schemas.microsoft.com/office/powerpoint/2010/main" val="797057284"/>
       </p:ext>
     </p:extLst>
   </p:cSld>
@@ -1916,13 +2063,7 @@
       </p:grpSpPr>
       <p:sp>
         <p:nvSpPr>
-          <p:cNvPr id="2" name="Title 1">
-            <a:extLst>
-              <a:ext uri="{FF2B5EF4-FFF2-40B4-BE49-F238E27FC236}">
-                <a16:creationId xmlns:a16="http://schemas.microsoft.com/office/drawing/2014/main" id="{D67993E6-0231-4277-9E78-7BBEF67662F6}"/>
-              </a:ext>
-            </a:extLst>
-          </p:cNvPr>
+          <p:cNvPr id="2" name="Title 1"/>
           <p:cNvSpPr>
             <a:spLocks noGrp="1"/>
           </p:cNvSpPr>
@@ -1939,18 +2080,13 @@
               <a:rPr lang="en-US"/>
               <a:t>Click to edit Master title style</a:t>
             </a:r>
-          </a:p>
-        </p:txBody>
-      </p:sp>
-      <p:sp>
-        <p:nvSpPr>
-          <p:cNvPr id="3" name="Date Placeholder 2">
-            <a:extLst>
-              <a:ext uri="{FF2B5EF4-FFF2-40B4-BE49-F238E27FC236}">
-                <a16:creationId xmlns:a16="http://schemas.microsoft.com/office/drawing/2014/main" id="{AFA55B93-7E87-480B-9F84-C212C84A91CF}"/>
-              </a:ext>
-            </a:extLst>
-          </p:cNvPr>
+            <a:endParaRPr lang="en-US" dirty="0"/>
+          </a:p>
+        </p:txBody>
+      </p:sp>
+      <p:sp>
+        <p:nvSpPr>
+          <p:cNvPr id="3" name="Date Placeholder 2"/>
           <p:cNvSpPr>
             <a:spLocks noGrp="1"/>
           </p:cNvSpPr>
@@ -1965,7 +2101,7 @@
           <a:p>
             <a:fld id="{5ADCAF40-A17B-4AB4-99A9-34899C3DDED5}" type="datetimeFigureOut">
               <a:rPr lang="en-US" smtClean="0"/>
-              <a:t>5/28/2022</a:t>
+              <a:t>6/7/2022</a:t>
             </a:fld>
             <a:endParaRPr lang="en-US"/>
           </a:p>
@@ -1973,13 +2109,7 @@
       </p:sp>
       <p:sp>
         <p:nvSpPr>
-          <p:cNvPr id="4" name="Footer Placeholder 3">
-            <a:extLst>
-              <a:ext uri="{FF2B5EF4-FFF2-40B4-BE49-F238E27FC236}">
-                <a16:creationId xmlns:a16="http://schemas.microsoft.com/office/drawing/2014/main" id="{BFCD866C-2C4E-4962-8E20-7D159313820C}"/>
-              </a:ext>
-            </a:extLst>
-          </p:cNvPr>
+          <p:cNvPr id="4" name="Footer Placeholder 3"/>
           <p:cNvSpPr>
             <a:spLocks noGrp="1"/>
           </p:cNvSpPr>
@@ -1998,13 +2128,7 @@
       </p:sp>
       <p:sp>
         <p:nvSpPr>
-          <p:cNvPr id="5" name="Slide Number Placeholder 4">
-            <a:extLst>
-              <a:ext uri="{FF2B5EF4-FFF2-40B4-BE49-F238E27FC236}">
-                <a16:creationId xmlns:a16="http://schemas.microsoft.com/office/drawing/2014/main" id="{4A5A40B9-1640-4DFD-BEB1-39C4766B7CA2}"/>
-              </a:ext>
-            </a:extLst>
-          </p:cNvPr>
+          <p:cNvPr id="5" name="Slide Number Placeholder 4"/>
           <p:cNvSpPr>
             <a:spLocks noGrp="1"/>
           </p:cNvSpPr>
@@ -2028,7 +2152,7 @@
     </p:spTree>
     <p:extLst>
       <p:ext uri="{BB962C8B-B14F-4D97-AF65-F5344CB8AC3E}">
-        <p14:creationId xmlns:p14="http://schemas.microsoft.com/office/powerpoint/2010/main" val="3865700428"/>
+        <p14:creationId xmlns:p14="http://schemas.microsoft.com/office/powerpoint/2010/main" val="511687056"/>
       </p:ext>
     </p:extLst>
   </p:cSld>
@@ -2039,7 +2163,7 @@
 </file>
 
 <file path=ppt/slideLayouts/slideLayout7.xml><?xml version="1.0" encoding="utf-8"?>
-<p:sldLayout xmlns:a="http://schemas.openxmlformats.org/drawingml/2006/main" xmlns:r="http://schemas.openxmlformats.org/officeDocument/2006/relationships" xmlns:p="http://schemas.openxmlformats.org/presentationml/2006/main" type="blank" preserve="1">
+<p:sldLayout xmlns:a="http://schemas.openxmlformats.org/drawingml/2006/main" xmlns:r="http://schemas.openxmlformats.org/officeDocument/2006/relationships" xmlns:p="http://schemas.openxmlformats.org/presentationml/2006/main" showMasterSp="0" type="blank" preserve="1">
   <p:cSld name="Blank">
     <p:spTree>
       <p:nvGrpSpPr>
@@ -2057,13 +2181,83 @@
       </p:grpSpPr>
       <p:sp>
         <p:nvSpPr>
-          <p:cNvPr id="2" name="Date Placeholder 1">
-            <a:extLst>
-              <a:ext uri="{FF2B5EF4-FFF2-40B4-BE49-F238E27FC236}">
-                <a16:creationId xmlns:a16="http://schemas.microsoft.com/office/drawing/2014/main" id="{00A9BD45-861A-4CD7-B107-8FB2B13A7B14}"/>
-              </a:ext>
-            </a:extLst>
-          </p:cNvPr>
+          <p:cNvPr id="5" name="Rectangle 4"/>
+          <p:cNvSpPr/>
+          <p:nvPr/>
+        </p:nvSpPr>
+        <p:spPr>
+          <a:xfrm>
+            <a:off x="3175" y="6400800"/>
+            <a:ext cx="12188825" cy="457200"/>
+          </a:xfrm>
+          <a:prstGeom prst="rect">
+            <a:avLst/>
+          </a:prstGeom>
+          <a:solidFill>
+            <a:schemeClr val="accent2"/>
+          </a:solidFill>
+          <a:ln>
+            <a:noFill/>
+          </a:ln>
+        </p:spPr>
+        <p:style>
+          <a:lnRef idx="2">
+            <a:schemeClr val="accent1">
+              <a:shade val="50000"/>
+            </a:schemeClr>
+          </a:lnRef>
+          <a:fillRef idx="1">
+            <a:schemeClr val="accent1"/>
+          </a:fillRef>
+          <a:effectRef idx="0">
+            <a:schemeClr val="accent1"/>
+          </a:effectRef>
+          <a:fontRef idx="minor">
+            <a:schemeClr val="lt1"/>
+          </a:fontRef>
+        </p:style>
+      </p:sp>
+      <p:sp>
+        <p:nvSpPr>
+          <p:cNvPr id="6" name="Rectangle 5"/>
+          <p:cNvSpPr/>
+          <p:nvPr/>
+        </p:nvSpPr>
+        <p:spPr>
+          <a:xfrm>
+            <a:off x="15" y="6334316"/>
+            <a:ext cx="12188825" cy="64008"/>
+          </a:xfrm>
+          <a:prstGeom prst="rect">
+            <a:avLst/>
+          </a:prstGeom>
+          <a:solidFill>
+            <a:schemeClr val="accent1"/>
+          </a:solidFill>
+          <a:ln>
+            <a:noFill/>
+          </a:ln>
+        </p:spPr>
+        <p:style>
+          <a:lnRef idx="2">
+            <a:schemeClr val="accent1">
+              <a:shade val="50000"/>
+            </a:schemeClr>
+          </a:lnRef>
+          <a:fillRef idx="1">
+            <a:schemeClr val="accent1"/>
+          </a:fillRef>
+          <a:effectRef idx="0">
+            <a:schemeClr val="accent1"/>
+          </a:effectRef>
+          <a:fontRef idx="minor">
+            <a:schemeClr val="lt1"/>
+          </a:fontRef>
+        </p:style>
+      </p:sp>
+      <p:sp>
+        <p:nvSpPr>
+          <p:cNvPr id="7" name="Date Placeholder 6"/>
           <p:cNvSpPr>
             <a:spLocks noGrp="1"/>
           </p:cNvSpPr>
@@ -2078,7 +2272,7 @@
           <a:p>
             <a:fld id="{5ADCAF40-A17B-4AB4-99A9-34899C3DDED5}" type="datetimeFigureOut">
               <a:rPr lang="en-US" smtClean="0"/>
-              <a:t>5/28/2022</a:t>
+              <a:t>6/7/2022</a:t>
             </a:fld>
             <a:endParaRPr lang="en-US"/>
           </a:p>
@@ -2086,13 +2280,7 @@
       </p:sp>
       <p:sp>
         <p:nvSpPr>
-          <p:cNvPr id="3" name="Footer Placeholder 2">
-            <a:extLst>
-              <a:ext uri="{FF2B5EF4-FFF2-40B4-BE49-F238E27FC236}">
-                <a16:creationId xmlns:a16="http://schemas.microsoft.com/office/drawing/2014/main" id="{023F3294-B103-4473-A69F-5642CCB64FCA}"/>
-              </a:ext>
-            </a:extLst>
-          </p:cNvPr>
+          <p:cNvPr id="8" name="Footer Placeholder 7"/>
           <p:cNvSpPr>
             <a:spLocks noGrp="1"/>
           </p:cNvSpPr>
@@ -2103,7 +2291,15 @@
         <p:spPr/>
         <p:txBody>
           <a:bodyPr/>
-          <a:lstStyle/>
+          <a:lstStyle>
+            <a:lvl1pPr>
+              <a:defRPr>
+                <a:solidFill>
+                  <a:srgbClr val="FFFFFF"/>
+                </a:solidFill>
+              </a:defRPr>
+            </a:lvl1pPr>
+          </a:lstStyle>
           <a:p>
             <a:endParaRPr lang="en-US"/>
           </a:p>
@@ -2111,13 +2307,7 @@
       </p:sp>
       <p:sp>
         <p:nvSpPr>
-          <p:cNvPr id="4" name="Slide Number Placeholder 3">
-            <a:extLst>
-              <a:ext uri="{FF2B5EF4-FFF2-40B4-BE49-F238E27FC236}">
-                <a16:creationId xmlns:a16="http://schemas.microsoft.com/office/drawing/2014/main" id="{EBAD74B2-59A8-4203-8DB2-812BD37C96C7}"/>
-              </a:ext>
-            </a:extLst>
-          </p:cNvPr>
+          <p:cNvPr id="9" name="Slide Number Placeholder 8"/>
           <p:cNvSpPr>
             <a:spLocks noGrp="1"/>
           </p:cNvSpPr>
@@ -2141,7 +2331,7 @@
     </p:spTree>
     <p:extLst>
       <p:ext uri="{BB962C8B-B14F-4D97-AF65-F5344CB8AC3E}">
-        <p14:creationId xmlns:p14="http://schemas.microsoft.com/office/powerpoint/2010/main" val="984159221"/>
+        <p14:creationId xmlns:p14="http://schemas.microsoft.com/office/powerpoint/2010/main" val="4098010695"/>
       </p:ext>
     </p:extLst>
   </p:cSld>
@@ -2152,7 +2342,7 @@
 </file>
 
 <file path=ppt/slideLayouts/slideLayout8.xml><?xml version="1.0" encoding="utf-8"?>
-<p:sldLayout xmlns:a="http://schemas.openxmlformats.org/drawingml/2006/main" xmlns:r="http://schemas.openxmlformats.org/officeDocument/2006/relationships" xmlns:p="http://schemas.openxmlformats.org/presentationml/2006/main" type="objTx" preserve="1">
+<p:sldLayout xmlns:a="http://schemas.openxmlformats.org/drawingml/2006/main" xmlns:r="http://schemas.openxmlformats.org/officeDocument/2006/relationships" xmlns:p="http://schemas.openxmlformats.org/presentationml/2006/main" showMasterSp="0" type="objTx" preserve="1">
   <p:cSld name="Content with Caption">
     <p:spTree>
       <p:nvGrpSpPr>
@@ -2170,13 +2360,83 @@
       </p:grpSpPr>
       <p:sp>
         <p:nvSpPr>
-          <p:cNvPr id="2" name="Title 1">
-            <a:extLst>
-              <a:ext uri="{FF2B5EF4-FFF2-40B4-BE49-F238E27FC236}">
-                <a16:creationId xmlns:a16="http://schemas.microsoft.com/office/drawing/2014/main" id="{94F49933-57CB-4E32-8D6D-FC2812B4A66B}"/>
-              </a:ext>
-            </a:extLst>
-          </p:cNvPr>
+          <p:cNvPr id="8" name="Rectangle 7"/>
+          <p:cNvSpPr/>
+          <p:nvPr/>
+        </p:nvSpPr>
+        <p:spPr>
+          <a:xfrm>
+            <a:off x="16" y="0"/>
+            <a:ext cx="4050791" cy="6858000"/>
+          </a:xfrm>
+          <a:prstGeom prst="rect">
+            <a:avLst/>
+          </a:prstGeom>
+          <a:solidFill>
+            <a:schemeClr val="accent2"/>
+          </a:solidFill>
+          <a:ln>
+            <a:noFill/>
+          </a:ln>
+        </p:spPr>
+        <p:style>
+          <a:lnRef idx="2">
+            <a:schemeClr val="accent1">
+              <a:shade val="50000"/>
+            </a:schemeClr>
+          </a:lnRef>
+          <a:fillRef idx="1">
+            <a:schemeClr val="accent1"/>
+          </a:fillRef>
+          <a:effectRef idx="0">
+            <a:schemeClr val="accent1"/>
+          </a:effectRef>
+          <a:fontRef idx="minor">
+            <a:schemeClr val="lt1"/>
+          </a:fontRef>
+        </p:style>
+      </p:sp>
+      <p:sp>
+        <p:nvSpPr>
+          <p:cNvPr id="9" name="Rectangle 8"/>
+          <p:cNvSpPr/>
+          <p:nvPr/>
+        </p:nvSpPr>
+        <p:spPr>
+          <a:xfrm>
+            <a:off x="4040071" y="0"/>
+            <a:ext cx="64008" cy="6858000"/>
+          </a:xfrm>
+          <a:prstGeom prst="rect">
+            <a:avLst/>
+          </a:prstGeom>
+          <a:solidFill>
+            <a:schemeClr val="accent1"/>
+          </a:solidFill>
+          <a:ln>
+            <a:noFill/>
+          </a:ln>
+        </p:spPr>
+        <p:style>
+          <a:lnRef idx="2">
+            <a:schemeClr val="accent1">
+              <a:shade val="50000"/>
+            </a:schemeClr>
+          </a:lnRef>
+          <a:fillRef idx="1">
+            <a:schemeClr val="accent1"/>
+          </a:fillRef>
+          <a:effectRef idx="0">
+            <a:schemeClr val="accent1"/>
+          </a:effectRef>
+          <a:fontRef idx="minor">
+            <a:schemeClr val="lt1"/>
+          </a:fontRef>
+        </p:style>
+      </p:sp>
+      <p:sp>
+        <p:nvSpPr>
+          <p:cNvPr id="2" name="Title 1"/>
           <p:cNvSpPr>
             <a:spLocks noGrp="1"/>
           </p:cNvSpPr>
@@ -2186,15 +2446,21 @@
         </p:nvSpPr>
         <p:spPr>
           <a:xfrm>
-            <a:off x="839788" y="457200"/>
-            <a:ext cx="3932237" cy="1600200"/>
-          </a:xfrm>
-        </p:spPr>
-        <p:txBody>
-          <a:bodyPr anchor="b"/>
+            <a:off x="457200" y="594359"/>
+            <a:ext cx="3200400" cy="2286000"/>
+          </a:xfrm>
+        </p:spPr>
+        <p:txBody>
+          <a:bodyPr anchor="b">
+            <a:normAutofit/>
+          </a:bodyPr>
           <a:lstStyle>
             <a:lvl1pPr>
-              <a:defRPr sz="3200"/>
+              <a:defRPr sz="3600" b="0">
+                <a:solidFill>
+                  <a:srgbClr val="FFFFFF"/>
+                </a:solidFill>
+              </a:defRPr>
             </a:lvl1pPr>
           </a:lstStyle>
           <a:p>
@@ -2202,18 +2468,13 @@
               <a:rPr lang="en-US"/>
               <a:t>Click to edit Master title style</a:t>
             </a:r>
-          </a:p>
-        </p:txBody>
-      </p:sp>
-      <p:sp>
-        <p:nvSpPr>
-          <p:cNvPr id="3" name="Content Placeholder 2">
-            <a:extLst>
-              <a:ext uri="{FF2B5EF4-FFF2-40B4-BE49-F238E27FC236}">
-                <a16:creationId xmlns:a16="http://schemas.microsoft.com/office/drawing/2014/main" id="{FE8EE3FF-761E-483A-BAA9-EAB00497AADE}"/>
-              </a:ext>
-            </a:extLst>
-          </p:cNvPr>
+            <a:endParaRPr lang="en-US" dirty="0"/>
+          </a:p>
+        </p:txBody>
+      </p:sp>
+      <p:sp>
+        <p:nvSpPr>
+          <p:cNvPr id="3" name="Content Placeholder 2"/>
           <p:cNvSpPr>
             <a:spLocks noGrp="1"/>
           </p:cNvSpPr>
@@ -2223,223 +2484,208 @@
         </p:nvSpPr>
         <p:spPr>
           <a:xfrm>
-            <a:off x="5183188" y="987425"/>
-            <a:ext cx="6172200" cy="4873625"/>
-          </a:xfrm>
-        </p:spPr>
+            <a:off x="4800600" y="731520"/>
+            <a:ext cx="6492240" cy="5257800"/>
+          </a:xfrm>
+        </p:spPr>
+        <p:txBody>
+          <a:bodyPr/>
+          <a:lstStyle/>
+          <a:p>
+            <a:pPr lvl="0"/>
+            <a:r>
+              <a:rPr lang="en-US"/>
+              <a:t>Click to edit Master text styles</a:t>
+            </a:r>
+          </a:p>
+          <a:p>
+            <a:pPr lvl="1"/>
+            <a:r>
+              <a:rPr lang="en-US"/>
+              <a:t>Second level</a:t>
+            </a:r>
+          </a:p>
+          <a:p>
+            <a:pPr lvl="2"/>
+            <a:r>
+              <a:rPr lang="en-US"/>
+              <a:t>Third level</a:t>
+            </a:r>
+          </a:p>
+          <a:p>
+            <a:pPr lvl="3"/>
+            <a:r>
+              <a:rPr lang="en-US"/>
+              <a:t>Fourth level</a:t>
+            </a:r>
+          </a:p>
+          <a:p>
+            <a:pPr lvl="4"/>
+            <a:r>
+              <a:rPr lang="en-US"/>
+              <a:t>Fifth level</a:t>
+            </a:r>
+            <a:endParaRPr lang="en-US" dirty="0"/>
+          </a:p>
+        </p:txBody>
+      </p:sp>
+      <p:sp>
+        <p:nvSpPr>
+          <p:cNvPr id="4" name="Text Placeholder 3"/>
+          <p:cNvSpPr>
+            <a:spLocks noGrp="1"/>
+          </p:cNvSpPr>
+          <p:nvPr>
+            <p:ph type="body" sz="half" idx="2"/>
+          </p:nvPr>
+        </p:nvSpPr>
+        <p:spPr>
+          <a:xfrm>
+            <a:off x="457200" y="2926080"/>
+            <a:ext cx="3200400" cy="3379124"/>
+          </a:xfrm>
+        </p:spPr>
+        <p:txBody>
+          <a:bodyPr lIns="91440" rIns="91440">
+            <a:normAutofit/>
+          </a:bodyPr>
+          <a:lstStyle>
+            <a:lvl1pPr marL="0" indent="0">
+              <a:buNone/>
+              <a:defRPr sz="1500">
+                <a:solidFill>
+                  <a:srgbClr val="FFFFFF"/>
+                </a:solidFill>
+              </a:defRPr>
+            </a:lvl1pPr>
+            <a:lvl2pPr marL="457200" indent="0">
+              <a:buNone/>
+              <a:defRPr sz="1200"/>
+            </a:lvl2pPr>
+            <a:lvl3pPr marL="914400" indent="0">
+              <a:buNone/>
+              <a:defRPr sz="1000"/>
+            </a:lvl3pPr>
+            <a:lvl4pPr marL="1371600" indent="0">
+              <a:buNone/>
+              <a:defRPr sz="900"/>
+            </a:lvl4pPr>
+            <a:lvl5pPr marL="1828800" indent="0">
+              <a:buNone/>
+              <a:defRPr sz="900"/>
+            </a:lvl5pPr>
+            <a:lvl6pPr marL="2286000" indent="0">
+              <a:buNone/>
+              <a:defRPr sz="900"/>
+            </a:lvl6pPr>
+            <a:lvl7pPr marL="2743200" indent="0">
+              <a:buNone/>
+              <a:defRPr sz="900"/>
+            </a:lvl7pPr>
+            <a:lvl8pPr marL="3200400" indent="0">
+              <a:buNone/>
+              <a:defRPr sz="900"/>
+            </a:lvl8pPr>
+            <a:lvl9pPr marL="3657600" indent="0">
+              <a:buNone/>
+              <a:defRPr sz="900"/>
+            </a:lvl9pPr>
+          </a:lstStyle>
+          <a:p>
+            <a:pPr lvl="0"/>
+            <a:r>
+              <a:rPr lang="en-US"/>
+              <a:t>Click to edit Master text styles</a:t>
+            </a:r>
+          </a:p>
+        </p:txBody>
+      </p:sp>
+      <p:sp>
+        <p:nvSpPr>
+          <p:cNvPr id="5" name="Date Placeholder 4"/>
+          <p:cNvSpPr>
+            <a:spLocks noGrp="1"/>
+          </p:cNvSpPr>
+          <p:nvPr>
+            <p:ph type="dt" sz="half" idx="10"/>
+          </p:nvPr>
+        </p:nvSpPr>
+        <p:spPr>
+          <a:xfrm>
+            <a:off x="465512" y="6459785"/>
+            <a:ext cx="2618510" cy="365125"/>
+          </a:xfrm>
+        </p:spPr>
+        <p:txBody>
+          <a:bodyPr/>
+          <a:lstStyle>
+            <a:lvl1pPr algn="l">
+              <a:defRPr/>
+            </a:lvl1pPr>
+          </a:lstStyle>
+          <a:p>
+            <a:fld id="{5ADCAF40-A17B-4AB4-99A9-34899C3DDED5}" type="datetimeFigureOut">
+              <a:rPr lang="en-US" smtClean="0"/>
+              <a:t>6/7/2022</a:t>
+            </a:fld>
+            <a:endParaRPr lang="en-US"/>
+          </a:p>
+        </p:txBody>
+      </p:sp>
+      <p:sp>
+        <p:nvSpPr>
+          <p:cNvPr id="6" name="Footer Placeholder 5"/>
+          <p:cNvSpPr>
+            <a:spLocks noGrp="1"/>
+          </p:cNvSpPr>
+          <p:nvPr>
+            <p:ph type="ftr" sz="quarter" idx="11"/>
+          </p:nvPr>
+        </p:nvSpPr>
+        <p:spPr>
+          <a:xfrm>
+            <a:off x="4800600" y="6459785"/>
+            <a:ext cx="4648200" cy="365125"/>
+          </a:xfrm>
+        </p:spPr>
+        <p:txBody>
+          <a:bodyPr/>
+          <a:lstStyle>
+            <a:lvl1pPr algn="l">
+              <a:defRPr>
+                <a:solidFill>
+                  <a:schemeClr val="tx2"/>
+                </a:solidFill>
+              </a:defRPr>
+            </a:lvl1pPr>
+          </a:lstStyle>
+          <a:p>
+            <a:endParaRPr lang="en-US"/>
+          </a:p>
+        </p:txBody>
+      </p:sp>
+      <p:sp>
+        <p:nvSpPr>
+          <p:cNvPr id="7" name="Slide Number Placeholder 6"/>
+          <p:cNvSpPr>
+            <a:spLocks noGrp="1"/>
+          </p:cNvSpPr>
+          <p:nvPr>
+            <p:ph type="sldNum" sz="quarter" idx="12"/>
+          </p:nvPr>
+        </p:nvSpPr>
+        <p:spPr/>
         <p:txBody>
           <a:bodyPr/>
           <a:lstStyle>
             <a:lvl1pPr>
-              <a:defRPr sz="3200"/>
+              <a:defRPr>
+                <a:solidFill>
+                  <a:schemeClr val="tx2"/>
+                </a:solidFill>
+              </a:defRPr>
             </a:lvl1pPr>
-            <a:lvl2pPr>
-              <a:defRPr sz="2800"/>
-            </a:lvl2pPr>
-            <a:lvl3pPr>
-              <a:defRPr sz="2400"/>
-            </a:lvl3pPr>
-            <a:lvl4pPr>
-              <a:defRPr sz="2000"/>
-            </a:lvl4pPr>
-            <a:lvl5pPr>
-              <a:defRPr sz="2000"/>
-            </a:lvl5pPr>
-            <a:lvl6pPr>
-              <a:defRPr sz="2000"/>
-            </a:lvl6pPr>
-            <a:lvl7pPr>
-              <a:defRPr sz="2000"/>
-            </a:lvl7pPr>
-            <a:lvl8pPr>
-              <a:defRPr sz="2000"/>
-            </a:lvl8pPr>
-            <a:lvl9pPr>
-              <a:defRPr sz="2000"/>
-            </a:lvl9pPr>
           </a:lstStyle>
-          <a:p>
-            <a:pPr lvl="0"/>
-            <a:r>
-              <a:rPr lang="en-US"/>
-              <a:t>Click to edit Master text styles</a:t>
-            </a:r>
-          </a:p>
-          <a:p>
-            <a:pPr lvl="1"/>
-            <a:r>
-              <a:rPr lang="en-US"/>
-              <a:t>Second level</a:t>
-            </a:r>
-          </a:p>
-          <a:p>
-            <a:pPr lvl="2"/>
-            <a:r>
-              <a:rPr lang="en-US"/>
-              <a:t>Third level</a:t>
-            </a:r>
-          </a:p>
-          <a:p>
-            <a:pPr lvl="3"/>
-            <a:r>
-              <a:rPr lang="en-US"/>
-              <a:t>Fourth level</a:t>
-            </a:r>
-          </a:p>
-          <a:p>
-            <a:pPr lvl="4"/>
-            <a:r>
-              <a:rPr lang="en-US"/>
-              <a:t>Fifth level</a:t>
-            </a:r>
-          </a:p>
-        </p:txBody>
-      </p:sp>
-      <p:sp>
-        <p:nvSpPr>
-          <p:cNvPr id="4" name="Text Placeholder 3">
-            <a:extLst>
-              <a:ext uri="{FF2B5EF4-FFF2-40B4-BE49-F238E27FC236}">
-                <a16:creationId xmlns:a16="http://schemas.microsoft.com/office/drawing/2014/main" id="{80B2A7C5-96FA-4B4F-AE4B-B1E32CEAD278}"/>
-              </a:ext>
-            </a:extLst>
-          </p:cNvPr>
-          <p:cNvSpPr>
-            <a:spLocks noGrp="1"/>
-          </p:cNvSpPr>
-          <p:nvPr>
-            <p:ph type="body" sz="half" idx="2"/>
-          </p:nvPr>
-        </p:nvSpPr>
-        <p:spPr>
-          <a:xfrm>
-            <a:off x="839788" y="2057400"/>
-            <a:ext cx="3932237" cy="3811588"/>
-          </a:xfrm>
-        </p:spPr>
-        <p:txBody>
-          <a:bodyPr/>
-          <a:lstStyle>
-            <a:lvl1pPr marL="0" indent="0">
-              <a:buNone/>
-              <a:defRPr sz="1600"/>
-            </a:lvl1pPr>
-            <a:lvl2pPr marL="457200" indent="0">
-              <a:buNone/>
-              <a:defRPr sz="1400"/>
-            </a:lvl2pPr>
-            <a:lvl3pPr marL="914400" indent="0">
-              <a:buNone/>
-              <a:defRPr sz="1200"/>
-            </a:lvl3pPr>
-            <a:lvl4pPr marL="1371600" indent="0">
-              <a:buNone/>
-              <a:defRPr sz="1000"/>
-            </a:lvl4pPr>
-            <a:lvl5pPr marL="1828800" indent="0">
-              <a:buNone/>
-              <a:defRPr sz="1000"/>
-            </a:lvl5pPr>
-            <a:lvl6pPr marL="2286000" indent="0">
-              <a:buNone/>
-              <a:defRPr sz="1000"/>
-            </a:lvl6pPr>
-            <a:lvl7pPr marL="2743200" indent="0">
-              <a:buNone/>
-              <a:defRPr sz="1000"/>
-            </a:lvl7pPr>
-            <a:lvl8pPr marL="3200400" indent="0">
-              <a:buNone/>
-              <a:defRPr sz="1000"/>
-            </a:lvl8pPr>
-            <a:lvl9pPr marL="3657600" indent="0">
-              <a:buNone/>
-              <a:defRPr sz="1000"/>
-            </a:lvl9pPr>
-          </a:lstStyle>
-          <a:p>
-            <a:pPr lvl="0"/>
-            <a:r>
-              <a:rPr lang="en-US"/>
-              <a:t>Click to edit Master text styles</a:t>
-            </a:r>
-          </a:p>
-        </p:txBody>
-      </p:sp>
-      <p:sp>
-        <p:nvSpPr>
-          <p:cNvPr id="5" name="Date Placeholder 4">
-            <a:extLst>
-              <a:ext uri="{FF2B5EF4-FFF2-40B4-BE49-F238E27FC236}">
-                <a16:creationId xmlns:a16="http://schemas.microsoft.com/office/drawing/2014/main" id="{82E60B39-836D-419B-933E-224E1694DEB2}"/>
-              </a:ext>
-            </a:extLst>
-          </p:cNvPr>
-          <p:cNvSpPr>
-            <a:spLocks noGrp="1"/>
-          </p:cNvSpPr>
-          <p:nvPr>
-            <p:ph type="dt" sz="half" idx="10"/>
-          </p:nvPr>
-        </p:nvSpPr>
-        <p:spPr/>
-        <p:txBody>
-          <a:bodyPr/>
-          <a:lstStyle/>
-          <a:p>
-            <a:fld id="{5ADCAF40-A17B-4AB4-99A9-34899C3DDED5}" type="datetimeFigureOut">
-              <a:rPr lang="en-US" smtClean="0"/>
-              <a:t>5/28/2022</a:t>
-            </a:fld>
-            <a:endParaRPr lang="en-US"/>
-          </a:p>
-        </p:txBody>
-      </p:sp>
-      <p:sp>
-        <p:nvSpPr>
-          <p:cNvPr id="6" name="Footer Placeholder 5">
-            <a:extLst>
-              <a:ext uri="{FF2B5EF4-FFF2-40B4-BE49-F238E27FC236}">
-                <a16:creationId xmlns:a16="http://schemas.microsoft.com/office/drawing/2014/main" id="{9D54C338-3209-481E-8B57-54D1CB18637E}"/>
-              </a:ext>
-            </a:extLst>
-          </p:cNvPr>
-          <p:cNvSpPr>
-            <a:spLocks noGrp="1"/>
-          </p:cNvSpPr>
-          <p:nvPr>
-            <p:ph type="ftr" sz="quarter" idx="11"/>
-          </p:nvPr>
-        </p:nvSpPr>
-        <p:spPr/>
-        <p:txBody>
-          <a:bodyPr/>
-          <a:lstStyle/>
-          <a:p>
-            <a:endParaRPr lang="en-US"/>
-          </a:p>
-        </p:txBody>
-      </p:sp>
-      <p:sp>
-        <p:nvSpPr>
-          <p:cNvPr id="7" name="Slide Number Placeholder 6">
-            <a:extLst>
-              <a:ext uri="{FF2B5EF4-FFF2-40B4-BE49-F238E27FC236}">
-                <a16:creationId xmlns:a16="http://schemas.microsoft.com/office/drawing/2014/main" id="{6C0BFD42-5234-424E-B1AF-36911558F93D}"/>
-              </a:ext>
-            </a:extLst>
-          </p:cNvPr>
-          <p:cNvSpPr>
-            <a:spLocks noGrp="1"/>
-          </p:cNvSpPr>
-          <p:nvPr>
-            <p:ph type="sldNum" sz="quarter" idx="12"/>
-          </p:nvPr>
-        </p:nvSpPr>
-        <p:spPr/>
-        <p:txBody>
-          <a:bodyPr/>
-          <a:lstStyle/>
           <a:p>
             <a:fld id="{62ACADC4-759D-4BDA-80B1-2D211EF5CE15}" type="slidenum">
               <a:rPr lang="en-US" smtClean="0"/>
@@ -2452,7 +2698,7 @@
     </p:spTree>
     <p:extLst>
       <p:ext uri="{BB962C8B-B14F-4D97-AF65-F5344CB8AC3E}">
-        <p14:creationId xmlns:p14="http://schemas.microsoft.com/office/powerpoint/2010/main" val="2707861296"/>
+        <p14:creationId xmlns:p14="http://schemas.microsoft.com/office/powerpoint/2010/main" val="1632826441"/>
       </p:ext>
     </p:extLst>
   </p:cSld>
@@ -2463,7 +2709,7 @@
 </file>
 
 <file path=ppt/slideLayouts/slideLayout9.xml><?xml version="1.0" encoding="utf-8"?>
-<p:sldLayout xmlns:a="http://schemas.openxmlformats.org/drawingml/2006/main" xmlns:r="http://schemas.openxmlformats.org/officeDocument/2006/relationships" xmlns:p="http://schemas.openxmlformats.org/presentationml/2006/main" type="picTx" preserve="1">
+<p:sldLayout xmlns:a="http://schemas.openxmlformats.org/drawingml/2006/main" xmlns:r="http://schemas.openxmlformats.org/officeDocument/2006/relationships" xmlns:p="http://schemas.openxmlformats.org/presentationml/2006/main" showMasterSp="0" type="picTx" preserve="1">
   <p:cSld name="Picture with Caption">
     <p:spTree>
       <p:nvGrpSpPr>
@@ -2481,13 +2727,83 @@
       </p:grpSpPr>
       <p:sp>
         <p:nvSpPr>
-          <p:cNvPr id="2" name="Title 1">
-            <a:extLst>
-              <a:ext uri="{FF2B5EF4-FFF2-40B4-BE49-F238E27FC236}">
-                <a16:creationId xmlns:a16="http://schemas.microsoft.com/office/drawing/2014/main" id="{E88BAAD9-F2A2-4548-B5E3-BA5B942DDA0E}"/>
-              </a:ext>
-            </a:extLst>
-          </p:cNvPr>
+          <p:cNvPr id="8" name="Rectangle 7"/>
+          <p:cNvSpPr/>
+          <p:nvPr/>
+        </p:nvSpPr>
+        <p:spPr>
+          <a:xfrm>
+            <a:off x="0" y="4953000"/>
+            <a:ext cx="12188825" cy="1905000"/>
+          </a:xfrm>
+          <a:prstGeom prst="rect">
+            <a:avLst/>
+          </a:prstGeom>
+          <a:solidFill>
+            <a:schemeClr val="accent2"/>
+          </a:solidFill>
+          <a:ln>
+            <a:noFill/>
+          </a:ln>
+        </p:spPr>
+        <p:style>
+          <a:lnRef idx="2">
+            <a:schemeClr val="accent1">
+              <a:shade val="50000"/>
+            </a:schemeClr>
+          </a:lnRef>
+          <a:fillRef idx="1">
+            <a:schemeClr val="accent1"/>
+          </a:fillRef>
+          <a:effectRef idx="0">
+            <a:schemeClr val="accent1"/>
+          </a:effectRef>
+          <a:fontRef idx="minor">
+            <a:schemeClr val="lt1"/>
+          </a:fontRef>
+        </p:style>
+      </p:sp>
+      <p:sp>
+        <p:nvSpPr>
+          <p:cNvPr id="9" name="Rectangle 8"/>
+          <p:cNvSpPr/>
+          <p:nvPr/>
+        </p:nvSpPr>
+        <p:spPr>
+          <a:xfrm>
+            <a:off x="15" y="4915076"/>
+            <a:ext cx="12188825" cy="64008"/>
+          </a:xfrm>
+          <a:prstGeom prst="rect">
+            <a:avLst/>
+          </a:prstGeom>
+          <a:solidFill>
+            <a:schemeClr val="accent1"/>
+          </a:solidFill>
+          <a:ln>
+            <a:noFill/>
+          </a:ln>
+        </p:spPr>
+        <p:style>
+          <a:lnRef idx="2">
+            <a:schemeClr val="accent1">
+              <a:shade val="50000"/>
+            </a:schemeClr>
+          </a:lnRef>
+          <a:fillRef idx="1">
+            <a:schemeClr val="accent1"/>
+          </a:fillRef>
+          <a:effectRef idx="0">
+            <a:schemeClr val="accent1"/>
+          </a:effectRef>
+          <a:fontRef idx="minor">
+            <a:schemeClr val="lt1"/>
+          </a:fontRef>
+        </p:style>
+      </p:sp>
+      <p:sp>
+        <p:nvSpPr>
+          <p:cNvPr id="2" name="Title 1"/>
           <p:cNvSpPr>
             <a:spLocks noGrp="1"/>
           </p:cNvSpPr>
@@ -2497,15 +2813,21 @@
         </p:nvSpPr>
         <p:spPr>
           <a:xfrm>
-            <a:off x="839788" y="457200"/>
-            <a:ext cx="3932237" cy="1600200"/>
-          </a:xfrm>
-        </p:spPr>
-        <p:txBody>
-          <a:bodyPr anchor="b"/>
+            <a:off x="1097280" y="5074920"/>
+            <a:ext cx="10113264" cy="822960"/>
+          </a:xfrm>
+        </p:spPr>
+        <p:txBody>
+          <a:bodyPr lIns="91440" tIns="0" rIns="91440" bIns="0" anchor="b">
+            <a:noAutofit/>
+          </a:bodyPr>
           <a:lstStyle>
             <a:lvl1pPr>
-              <a:defRPr sz="3200"/>
+              <a:defRPr sz="3600" b="0">
+                <a:solidFill>
+                  <a:srgbClr val="FFFFFF"/>
+                </a:solidFill>
+              </a:defRPr>
             </a:lvl1pPr>
           </a:lstStyle>
           <a:p>
@@ -2513,20 +2835,15 @@
               <a:rPr lang="en-US"/>
               <a:t>Click to edit Master title style</a:t>
             </a:r>
-          </a:p>
-        </p:txBody>
-      </p:sp>
-      <p:sp>
-        <p:nvSpPr>
-          <p:cNvPr id="3" name="Picture Placeholder 2">
-            <a:extLst>
-              <a:ext uri="{FF2B5EF4-FFF2-40B4-BE49-F238E27FC236}">
-                <a16:creationId xmlns:a16="http://schemas.microsoft.com/office/drawing/2014/main" id="{00E549BE-9ABB-4905-8A49-DC4802EFD79E}"/>
-              </a:ext>
-            </a:extLst>
-          </p:cNvPr>
-          <p:cNvSpPr>
-            <a:spLocks noGrp="1"/>
+            <a:endParaRPr lang="en-US" dirty="0"/>
+          </a:p>
+        </p:txBody>
+      </p:sp>
+      <p:sp>
+        <p:nvSpPr>
+          <p:cNvPr id="3" name="Picture Placeholder 2"/>
+          <p:cNvSpPr>
+            <a:spLocks noGrp="1" noChangeAspect="1"/>
           </p:cNvSpPr>
           <p:nvPr>
             <p:ph type="pic" idx="1"/>
@@ -2534,16 +2851,26 @@
         </p:nvSpPr>
         <p:spPr>
           <a:xfrm>
-            <a:off x="5183188" y="987425"/>
-            <a:ext cx="6172200" cy="4873625"/>
-          </a:xfrm>
-        </p:spPr>
-        <p:txBody>
-          <a:bodyPr/>
+            <a:off x="15" y="0"/>
+            <a:ext cx="12191985" cy="4915076"/>
+          </a:xfrm>
+          <a:blipFill>
+            <a:blip r:embed="rId2"/>
+            <a:stretch>
+              <a:fillRect/>
+            </a:stretch>
+          </a:blipFill>
+        </p:spPr>
+        <p:txBody>
+          <a:bodyPr lIns="457200" tIns="457200" anchor="t"/>
           <a:lstStyle>
             <a:lvl1pPr marL="0" indent="0">
               <a:buNone/>
-              <a:defRPr sz="3200"/>
+              <a:defRPr sz="3200">
+                <a:solidFill>
+                  <a:schemeClr val="bg1"/>
+                </a:solidFill>
+              </a:defRPr>
             </a:lvl1pPr>
             <a:lvl2pPr marL="457200" indent="0">
               <a:buNone/>
@@ -2579,19 +2906,17 @@
             </a:lvl9pPr>
           </a:lstStyle>
           <a:p>
-            <a:endParaRPr lang="en-US"/>
-          </a:p>
-        </p:txBody>
-      </p:sp>
-      <p:sp>
-        <p:nvSpPr>
-          <p:cNvPr id="4" name="Text Placeholder 3">
-            <a:extLst>
-              <a:ext uri="{FF2B5EF4-FFF2-40B4-BE49-F238E27FC236}">
-                <a16:creationId xmlns:a16="http://schemas.microsoft.com/office/drawing/2014/main" id="{C7305C10-6D7C-497A-A627-36F5AC429933}"/>
-              </a:ext>
-            </a:extLst>
-          </p:cNvPr>
+            <a:r>
+              <a:rPr lang="en-US"/>
+              <a:t>Click icon to add picture</a:t>
+            </a:r>
+            <a:endParaRPr lang="en-US" dirty="0"/>
+          </a:p>
+        </p:txBody>
+      </p:sp>
+      <p:sp>
+        <p:nvSpPr>
+          <p:cNvPr id="4" name="Text Placeholder 3"/>
           <p:cNvSpPr>
             <a:spLocks noGrp="1"/>
           </p:cNvSpPr>
@@ -2601,48 +2926,60 @@
         </p:nvSpPr>
         <p:spPr>
           <a:xfrm>
-            <a:off x="839788" y="2057400"/>
-            <a:ext cx="3932237" cy="3811588"/>
-          </a:xfrm>
-        </p:spPr>
-        <p:txBody>
-          <a:bodyPr/>
+            <a:off x="1097280" y="5907023"/>
+            <a:ext cx="10113264" cy="594360"/>
+          </a:xfrm>
+        </p:spPr>
+        <p:txBody>
+          <a:bodyPr lIns="91440" tIns="0" rIns="91440" bIns="0">
+            <a:normAutofit/>
+          </a:bodyPr>
           <a:lstStyle>
             <a:lvl1pPr marL="0" indent="0">
+              <a:spcBef>
+                <a:spcPts val="0"/>
+              </a:spcBef>
+              <a:spcAft>
+                <a:spcPts val="600"/>
+              </a:spcAft>
               <a:buNone/>
-              <a:defRPr sz="1600"/>
+              <a:defRPr sz="1500">
+                <a:solidFill>
+                  <a:srgbClr val="FFFFFF"/>
+                </a:solidFill>
+              </a:defRPr>
             </a:lvl1pPr>
             <a:lvl2pPr marL="457200" indent="0">
               <a:buNone/>
-              <a:defRPr sz="1400"/>
+              <a:defRPr sz="1200"/>
             </a:lvl2pPr>
             <a:lvl3pPr marL="914400" indent="0">
               <a:buNone/>
-              <a:defRPr sz="1200"/>
+              <a:defRPr sz="1000"/>
             </a:lvl3pPr>
             <a:lvl4pPr marL="1371600" indent="0">
               <a:buNone/>
-              <a:defRPr sz="1000"/>
+              <a:defRPr sz="900"/>
             </a:lvl4pPr>
             <a:lvl5pPr marL="1828800" indent="0">
               <a:buNone/>
-              <a:defRPr sz="1000"/>
+              <a:defRPr sz="900"/>
             </a:lvl5pPr>
             <a:lvl6pPr marL="2286000" indent="0">
               <a:buNone/>
-              <a:defRPr sz="1000"/>
+              <a:defRPr sz="900"/>
             </a:lvl6pPr>
             <a:lvl7pPr marL="2743200" indent="0">
               <a:buNone/>
-              <a:defRPr sz="1000"/>
+              <a:defRPr sz="900"/>
             </a:lvl7pPr>
             <a:lvl8pPr marL="3200400" indent="0">
               <a:buNone/>
-              <a:defRPr sz="1000"/>
+              <a:defRPr sz="900"/>
             </a:lvl8pPr>
             <a:lvl9pPr marL="3657600" indent="0">
               <a:buNone/>
-              <a:defRPr sz="1000"/>
+              <a:defRPr sz="900"/>
             </a:lvl9pPr>
           </a:lstStyle>
           <a:p>
@@ -2656,13 +2993,7 @@
       </p:sp>
       <p:sp>
         <p:nvSpPr>
-          <p:cNvPr id="5" name="Date Placeholder 4">
-            <a:extLst>
-              <a:ext uri="{FF2B5EF4-FFF2-40B4-BE49-F238E27FC236}">
-                <a16:creationId xmlns:a16="http://schemas.microsoft.com/office/drawing/2014/main" id="{C4FC9279-B97C-426C-91A7-7E2AB5D20618}"/>
-              </a:ext>
-            </a:extLst>
-          </p:cNvPr>
+          <p:cNvPr id="5" name="Date Placeholder 4"/>
           <p:cNvSpPr>
             <a:spLocks noGrp="1"/>
           </p:cNvSpPr>
@@ -2677,7 +3008,7 @@
           <a:p>
             <a:fld id="{5ADCAF40-A17B-4AB4-99A9-34899C3DDED5}" type="datetimeFigureOut">
               <a:rPr lang="en-US" smtClean="0"/>
-              <a:t>5/28/2022</a:t>
+              <a:t>6/7/2022</a:t>
             </a:fld>
             <a:endParaRPr lang="en-US"/>
           </a:p>
@@ -2685,13 +3016,7 @@
       </p:sp>
       <p:sp>
         <p:nvSpPr>
-          <p:cNvPr id="6" name="Footer Placeholder 5">
-            <a:extLst>
-              <a:ext uri="{FF2B5EF4-FFF2-40B4-BE49-F238E27FC236}">
-                <a16:creationId xmlns:a16="http://schemas.microsoft.com/office/drawing/2014/main" id="{B1BC30A2-0E7E-4E47-9AA0-C422B7EC9F4D}"/>
-              </a:ext>
-            </a:extLst>
-          </p:cNvPr>
+          <p:cNvPr id="6" name="Footer Placeholder 5"/>
           <p:cNvSpPr>
             <a:spLocks noGrp="1"/>
           </p:cNvSpPr>
@@ -2710,13 +3035,7 @@
       </p:sp>
       <p:sp>
         <p:nvSpPr>
-          <p:cNvPr id="7" name="Slide Number Placeholder 6">
-            <a:extLst>
-              <a:ext uri="{FF2B5EF4-FFF2-40B4-BE49-F238E27FC236}">
-                <a16:creationId xmlns:a16="http://schemas.microsoft.com/office/drawing/2014/main" id="{6FF47C58-7A49-4683-8149-1A195EE113ED}"/>
-              </a:ext>
-            </a:extLst>
-          </p:cNvPr>
+          <p:cNvPr id="7" name="Slide Number Placeholder 6"/>
           <p:cNvSpPr>
             <a:spLocks noGrp="1"/>
           </p:cNvSpPr>
@@ -2740,7 +3059,7 @@
     </p:spTree>
     <p:extLst>
       <p:ext uri="{BB962C8B-B14F-4D97-AF65-F5344CB8AC3E}">
-        <p14:creationId xmlns:p14="http://schemas.microsoft.com/office/powerpoint/2010/main" val="2614783943"/>
+        <p14:creationId xmlns:p14="http://schemas.microsoft.com/office/powerpoint/2010/main" val="1285564038"/>
       </p:ext>
     </p:extLst>
   </p:cSld>
@@ -2774,31 +3093,101 @@
       </p:grpSpPr>
       <p:sp>
         <p:nvSpPr>
-          <p:cNvPr id="2" name="Title Placeholder 1">
-            <a:extLst>
-              <a:ext uri="{FF2B5EF4-FFF2-40B4-BE49-F238E27FC236}">
-                <a16:creationId xmlns:a16="http://schemas.microsoft.com/office/drawing/2014/main" id="{A2BD481A-C994-4823-98F9-97102FC4F52C}"/>
-              </a:ext>
-            </a:extLst>
-          </p:cNvPr>
-          <p:cNvSpPr>
-            <a:spLocks noGrp="1"/>
-          </p:cNvSpPr>
-          <p:nvPr>
-            <p:ph type="title"/>
-          </p:nvPr>
+          <p:cNvPr id="7" name="Rectangle 6"/>
+          <p:cNvSpPr/>
+          <p:nvPr/>
         </p:nvSpPr>
         <p:spPr>
           <a:xfrm>
-            <a:off x="838200" y="365125"/>
-            <a:ext cx="10515600" cy="1325563"/>
+            <a:off x="1" y="6400800"/>
+            <a:ext cx="12192000" cy="457200"/>
           </a:xfrm>
           <a:prstGeom prst="rect">
             <a:avLst/>
           </a:prstGeom>
-        </p:spPr>
-        <p:txBody>
-          <a:bodyPr vert="horz" lIns="91440" tIns="45720" rIns="91440" bIns="45720" rtlCol="0" anchor="ctr">
+          <a:solidFill>
+            <a:schemeClr val="accent2"/>
+          </a:solidFill>
+          <a:ln>
+            <a:noFill/>
+          </a:ln>
+        </p:spPr>
+        <p:style>
+          <a:lnRef idx="2">
+            <a:schemeClr val="accent1">
+              <a:shade val="50000"/>
+            </a:schemeClr>
+          </a:lnRef>
+          <a:fillRef idx="1">
+            <a:schemeClr val="accent1"/>
+          </a:fillRef>
+          <a:effectRef idx="0">
+            <a:schemeClr val="accent1"/>
+          </a:effectRef>
+          <a:fontRef idx="minor">
+            <a:schemeClr val="lt1"/>
+          </a:fontRef>
+        </p:style>
+      </p:sp>
+      <p:sp>
+        <p:nvSpPr>
+          <p:cNvPr id="9" name="Rectangle 8"/>
+          <p:cNvSpPr/>
+          <p:nvPr/>
+        </p:nvSpPr>
+        <p:spPr>
+          <a:xfrm>
+            <a:off x="0" y="6334316"/>
+            <a:ext cx="12192001" cy="65998"/>
+          </a:xfrm>
+          <a:prstGeom prst="rect">
+            <a:avLst/>
+          </a:prstGeom>
+          <a:solidFill>
+            <a:schemeClr val="accent1"/>
+          </a:solidFill>
+          <a:ln>
+            <a:noFill/>
+          </a:ln>
+        </p:spPr>
+        <p:style>
+          <a:lnRef idx="2">
+            <a:schemeClr val="accent1">
+              <a:shade val="50000"/>
+            </a:schemeClr>
+          </a:lnRef>
+          <a:fillRef idx="1">
+            <a:schemeClr val="accent1"/>
+          </a:fillRef>
+          <a:effectRef idx="0">
+            <a:schemeClr val="accent1"/>
+          </a:effectRef>
+          <a:fontRef idx="minor">
+            <a:schemeClr val="lt1"/>
+          </a:fontRef>
+        </p:style>
+      </p:sp>
+      <p:sp>
+        <p:nvSpPr>
+          <p:cNvPr id="2" name="Title Placeholder 1"/>
+          <p:cNvSpPr>
+            <a:spLocks noGrp="1"/>
+          </p:cNvSpPr>
+          <p:nvPr>
+            <p:ph type="title"/>
+          </p:nvPr>
+        </p:nvSpPr>
+        <p:spPr>
+          <a:xfrm>
+            <a:off x="1097280" y="286603"/>
+            <a:ext cx="10058400" cy="1450757"/>
+          </a:xfrm>
+          <a:prstGeom prst="rect">
+            <a:avLst/>
+          </a:prstGeom>
+        </p:spPr>
+        <p:txBody>
+          <a:bodyPr vert="horz" lIns="91440" tIns="45720" rIns="91440" bIns="45720" rtlCol="0" anchor="b">
             <a:normAutofit/>
           </a:bodyPr>
           <a:lstStyle/>
@@ -2807,18 +3196,13 @@
               <a:rPr lang="en-US"/>
               <a:t>Click to edit Master title style</a:t>
             </a:r>
-          </a:p>
-        </p:txBody>
-      </p:sp>
-      <p:sp>
-        <p:nvSpPr>
-          <p:cNvPr id="3" name="Text Placeholder 2">
-            <a:extLst>
-              <a:ext uri="{FF2B5EF4-FFF2-40B4-BE49-F238E27FC236}">
-                <a16:creationId xmlns:a16="http://schemas.microsoft.com/office/drawing/2014/main" id="{2EA7ED6B-5481-41C2-9617-5AD9EF220B84}"/>
-              </a:ext>
-            </a:extLst>
-          </p:cNvPr>
+            <a:endParaRPr lang="en-US" dirty="0"/>
+          </a:p>
+        </p:txBody>
+      </p:sp>
+      <p:sp>
+        <p:nvSpPr>
+          <p:cNvPr id="3" name="Text Placeholder 2"/>
           <p:cNvSpPr>
             <a:spLocks noGrp="1"/>
           </p:cNvSpPr>
@@ -2828,15 +3212,15 @@
         </p:nvSpPr>
         <p:spPr>
           <a:xfrm>
-            <a:off x="838200" y="1825625"/>
-            <a:ext cx="10515600" cy="4351338"/>
+            <a:off x="1097280" y="1845734"/>
+            <a:ext cx="10058400" cy="4023360"/>
           </a:xfrm>
           <a:prstGeom prst="rect">
             <a:avLst/>
           </a:prstGeom>
         </p:spPr>
         <p:txBody>
-          <a:bodyPr vert="horz" lIns="91440" tIns="45720" rIns="91440" bIns="45720" rtlCol="0">
+          <a:bodyPr vert="horz" lIns="0" tIns="45720" rIns="0" bIns="45720" rtlCol="0">
             <a:normAutofit/>
           </a:bodyPr>
           <a:lstStyle/>
@@ -2874,18 +3258,13 @@
               <a:rPr lang="en-US"/>
               <a:t>Fifth level</a:t>
             </a:r>
-          </a:p>
-        </p:txBody>
-      </p:sp>
-      <p:sp>
-        <p:nvSpPr>
-          <p:cNvPr id="4" name="Date Placeholder 3">
-            <a:extLst>
-              <a:ext uri="{FF2B5EF4-FFF2-40B4-BE49-F238E27FC236}">
-                <a16:creationId xmlns:a16="http://schemas.microsoft.com/office/drawing/2014/main" id="{67CE6EEE-AB10-4A73-970F-7E0EDCD5FFCE}"/>
-              </a:ext>
-            </a:extLst>
-          </p:cNvPr>
+            <a:endParaRPr lang="en-US" dirty="0"/>
+          </a:p>
+        </p:txBody>
+      </p:sp>
+      <p:sp>
+        <p:nvSpPr>
+          <p:cNvPr id="4" name="Date Placeholder 3"/>
           <p:cNvSpPr>
             <a:spLocks noGrp="1"/>
           </p:cNvSpPr>
@@ -2895,8 +3274,8 @@
         </p:nvSpPr>
         <p:spPr>
           <a:xfrm>
-            <a:off x="838200" y="6356350"/>
-            <a:ext cx="2743200" cy="365125"/>
+            <a:off x="1097280" y="6459785"/>
+            <a:ext cx="2472271" cy="365125"/>
           </a:xfrm>
           <a:prstGeom prst="rect">
             <a:avLst/>
@@ -2906,11 +3285,9 @@
           <a:bodyPr vert="horz" lIns="91440" tIns="45720" rIns="91440" bIns="45720" rtlCol="0" anchor="ctr"/>
           <a:lstStyle>
             <a:lvl1pPr algn="l">
-              <a:defRPr sz="1200">
-                <a:solidFill>
-                  <a:schemeClr val="tx1">
-                    <a:tint val="75000"/>
-                  </a:schemeClr>
+              <a:defRPr sz="900">
+                <a:solidFill>
+                  <a:srgbClr val="FFFFFF"/>
                 </a:solidFill>
               </a:defRPr>
             </a:lvl1pPr>
@@ -2918,7 +3295,7 @@
           <a:p>
             <a:fld id="{5ADCAF40-A17B-4AB4-99A9-34899C3DDED5}" type="datetimeFigureOut">
               <a:rPr lang="en-US" smtClean="0"/>
-              <a:t>5/28/2022</a:t>
+              <a:t>6/7/2022</a:t>
             </a:fld>
             <a:endParaRPr lang="en-US"/>
           </a:p>
@@ -2926,13 +3303,7 @@
       </p:sp>
       <p:sp>
         <p:nvSpPr>
-          <p:cNvPr id="5" name="Footer Placeholder 4">
-            <a:extLst>
-              <a:ext uri="{FF2B5EF4-FFF2-40B4-BE49-F238E27FC236}">
-                <a16:creationId xmlns:a16="http://schemas.microsoft.com/office/drawing/2014/main" id="{76FDA1FA-F5F2-4BCF-A98A-ECCBF94F1DFA}"/>
-              </a:ext>
-            </a:extLst>
-          </p:cNvPr>
+          <p:cNvPr id="5" name="Footer Placeholder 4"/>
           <p:cNvSpPr>
             <a:spLocks noGrp="1"/>
           </p:cNvSpPr>
@@ -2942,8 +3313,8 @@
         </p:nvSpPr>
         <p:spPr>
           <a:xfrm>
-            <a:off x="4038600" y="6356350"/>
-            <a:ext cx="4114800" cy="365125"/>
+            <a:off x="3686185" y="6459785"/>
+            <a:ext cx="4822804" cy="365125"/>
           </a:xfrm>
           <a:prstGeom prst="rect">
             <a:avLst/>
@@ -2953,11 +3324,9 @@
           <a:bodyPr vert="horz" lIns="91440" tIns="45720" rIns="91440" bIns="45720" rtlCol="0" anchor="ctr"/>
           <a:lstStyle>
             <a:lvl1pPr algn="ctr">
-              <a:defRPr sz="1200">
-                <a:solidFill>
-                  <a:schemeClr val="tx1">
-                    <a:tint val="75000"/>
-                  </a:schemeClr>
+              <a:defRPr sz="900" cap="all" baseline="0">
+                <a:solidFill>
+                  <a:srgbClr val="FFFFFF"/>
                 </a:solidFill>
               </a:defRPr>
             </a:lvl1pPr>
@@ -2969,13 +3338,7 @@
       </p:sp>
       <p:sp>
         <p:nvSpPr>
-          <p:cNvPr id="6" name="Slide Number Placeholder 5">
-            <a:extLst>
-              <a:ext uri="{FF2B5EF4-FFF2-40B4-BE49-F238E27FC236}">
-                <a16:creationId xmlns:a16="http://schemas.microsoft.com/office/drawing/2014/main" id="{FDCDB3D5-A506-4D4F-9CAB-1383F1FDB167}"/>
-              </a:ext>
-            </a:extLst>
-          </p:cNvPr>
+          <p:cNvPr id="6" name="Slide Number Placeholder 5"/>
           <p:cNvSpPr>
             <a:spLocks noGrp="1"/>
           </p:cNvSpPr>
@@ -2985,8 +3348,8 @@
         </p:nvSpPr>
         <p:spPr>
           <a:xfrm>
-            <a:off x="8610600" y="6356350"/>
-            <a:ext cx="2743200" cy="365125"/>
+            <a:off x="9900458" y="6459785"/>
+            <a:ext cx="1312025" cy="365125"/>
           </a:xfrm>
           <a:prstGeom prst="rect">
             <a:avLst/>
@@ -2996,11 +3359,9 @@
           <a:bodyPr vert="horz" lIns="91440" tIns="45720" rIns="91440" bIns="45720" rtlCol="0" anchor="ctr"/>
           <a:lstStyle>
             <a:lvl1pPr algn="r">
-              <a:defRPr sz="1200">
-                <a:solidFill>
-                  <a:schemeClr val="tx1">
-                    <a:tint val="75000"/>
-                  </a:schemeClr>
+              <a:defRPr sz="1050">
+                <a:solidFill>
+                  <a:srgbClr val="FFFFFF"/>
                 </a:solidFill>
               </a:defRPr>
             </a:lvl1pPr>
@@ -3014,40 +3375,81 @@
           </a:p>
         </p:txBody>
       </p:sp>
+      <p:cxnSp>
+        <p:nvCxnSpPr>
+          <p:cNvPr id="10" name="Straight Connector 9"/>
+          <p:cNvCxnSpPr/>
+          <p:nvPr/>
+        </p:nvCxnSpPr>
+        <p:spPr>
+          <a:xfrm>
+            <a:off x="1193532" y="1737845"/>
+            <a:ext cx="9966960" cy="0"/>
+          </a:xfrm>
+          <a:prstGeom prst="line">
+            <a:avLst/>
+          </a:prstGeom>
+          <a:ln w="6350">
+            <a:solidFill>
+              <a:schemeClr val="tx1">
+                <a:lumMod val="50000"/>
+                <a:lumOff val="50000"/>
+              </a:schemeClr>
+            </a:solidFill>
+          </a:ln>
+        </p:spPr>
+        <p:style>
+          <a:lnRef idx="1">
+            <a:schemeClr val="accent1"/>
+          </a:lnRef>
+          <a:fillRef idx="0">
+            <a:schemeClr val="accent1"/>
+          </a:fillRef>
+          <a:effectRef idx="0">
+            <a:schemeClr val="accent1"/>
+          </a:effectRef>
+          <a:fontRef idx="minor">
+            <a:schemeClr val="tx1"/>
+          </a:fontRef>
+        </p:style>
+      </p:cxnSp>
     </p:spTree>
     <p:extLst>
       <p:ext uri="{BB962C8B-B14F-4D97-AF65-F5344CB8AC3E}">
-        <p14:creationId xmlns:p14="http://schemas.microsoft.com/office/powerpoint/2010/main" val="66695712"/>
+        <p14:creationId xmlns:p14="http://schemas.microsoft.com/office/powerpoint/2010/main" val="3513760716"/>
       </p:ext>
     </p:extLst>
   </p:cSld>
   <p:clrMap bg1="lt1" tx1="dk1" bg2="lt2" tx2="dk2" accent1="accent1" accent2="accent2" accent3="accent3" accent4="accent4" accent5="accent5" accent6="accent6" hlink="hlink" folHlink="folHlink"/>
   <p:sldLayoutIdLst>
-    <p:sldLayoutId id="2147483649" r:id="rId1"/>
-    <p:sldLayoutId id="2147483650" r:id="rId2"/>
-    <p:sldLayoutId id="2147483651" r:id="rId3"/>
-    <p:sldLayoutId id="2147483652" r:id="rId4"/>
-    <p:sldLayoutId id="2147483653" r:id="rId5"/>
-    <p:sldLayoutId id="2147483654" r:id="rId6"/>
-    <p:sldLayoutId id="2147483655" r:id="rId7"/>
-    <p:sldLayoutId id="2147483656" r:id="rId8"/>
-    <p:sldLayoutId id="2147483657" r:id="rId9"/>
-    <p:sldLayoutId id="2147483658" r:id="rId10"/>
-    <p:sldLayoutId id="2147483659" r:id="rId11"/>
+    <p:sldLayoutId id="2147483678" r:id="rId1"/>
+    <p:sldLayoutId id="2147483679" r:id="rId2"/>
+    <p:sldLayoutId id="2147483680" r:id="rId3"/>
+    <p:sldLayoutId id="2147483681" r:id="rId4"/>
+    <p:sldLayoutId id="2147483682" r:id="rId5"/>
+    <p:sldLayoutId id="2147483683" r:id="rId6"/>
+    <p:sldLayoutId id="2147483684" r:id="rId7"/>
+    <p:sldLayoutId id="2147483685" r:id="rId8"/>
+    <p:sldLayoutId id="2147483686" r:id="rId9"/>
+    <p:sldLayoutId id="2147483687" r:id="rId10"/>
+    <p:sldLayoutId id="2147483688" r:id="rId11"/>
   </p:sldLayoutIdLst>
   <p:txStyles>
     <p:titleStyle>
       <a:lvl1pPr algn="l" defTabSz="914400" rtl="0" eaLnBrk="1" latinLnBrk="0" hangingPunct="1">
         <a:lnSpc>
-          <a:spcPct val="90000"/>
+          <a:spcPct val="85000"/>
         </a:lnSpc>
         <a:spcBef>
           <a:spcPct val="0"/>
         </a:spcBef>
         <a:buNone/>
-        <a:defRPr sz="4400" kern="1200">
+        <a:defRPr sz="4800" kern="1200" spc="-50" baseline="0">
           <a:solidFill>
-            <a:schemeClr val="tx1"/>
+            <a:schemeClr val="tx1">
+              <a:lumMod val="75000"/>
+              <a:lumOff val="25000"/>
+            </a:schemeClr>
           </a:solidFill>
           <a:latin typeface="+mj-lt"/>
           <a:ea typeface="+mj-ea"/>
@@ -3056,162 +3458,244 @@
       </a:lvl1pPr>
     </p:titleStyle>
     <p:bodyStyle>
-      <a:lvl1pPr marL="228600" indent="-228600" algn="l" defTabSz="914400" rtl="0" eaLnBrk="1" latinLnBrk="0" hangingPunct="1">
+      <a:lvl1pPr marL="91440" indent="-91440" algn="l" defTabSz="914400" rtl="0" eaLnBrk="1" latinLnBrk="0" hangingPunct="1">
         <a:lnSpc>
           <a:spcPct val="90000"/>
         </a:lnSpc>
         <a:spcBef>
-          <a:spcPts val="1000"/>
+          <a:spcPts val="1200"/>
         </a:spcBef>
-        <a:buFont typeface="Arial" panose="020B0604020202020204" pitchFamily="34" charset="0"/>
-        <a:buChar char="•"/>
-        <a:defRPr sz="2800" kern="1200">
+        <a:spcAft>
+          <a:spcPts val="200"/>
+        </a:spcAft>
+        <a:buClr>
+          <a:schemeClr val="accent1"/>
+        </a:buClr>
+        <a:buSzPct val="100000"/>
+        <a:buFont typeface="Calibri" panose="020F0502020204030204" pitchFamily="34" charset="0"/>
+        <a:buChar char=" "/>
+        <a:defRPr sz="2000" kern="1200">
           <a:solidFill>
-            <a:schemeClr val="tx1"/>
+            <a:schemeClr val="tx1">
+              <a:lumMod val="75000"/>
+              <a:lumOff val="25000"/>
+            </a:schemeClr>
           </a:solidFill>
           <a:latin typeface="+mn-lt"/>
           <a:ea typeface="+mn-ea"/>
           <a:cs typeface="+mn-cs"/>
         </a:defRPr>
       </a:lvl1pPr>
-      <a:lvl2pPr marL="685800" indent="-228600" algn="l" defTabSz="914400" rtl="0" eaLnBrk="1" latinLnBrk="0" hangingPunct="1">
+      <a:lvl2pPr marL="384048" indent="-182880" algn="l" defTabSz="914400" rtl="0" eaLnBrk="1" latinLnBrk="0" hangingPunct="1">
         <a:lnSpc>
           <a:spcPct val="90000"/>
         </a:lnSpc>
         <a:spcBef>
-          <a:spcPts val="500"/>
+          <a:spcPts val="200"/>
         </a:spcBef>
-        <a:buFont typeface="Arial" panose="020B0604020202020204" pitchFamily="34" charset="0"/>
-        <a:buChar char="•"/>
-        <a:defRPr sz="2400" kern="1200">
+        <a:spcAft>
+          <a:spcPts val="400"/>
+        </a:spcAft>
+        <a:buClr>
+          <a:schemeClr val="accent1"/>
+        </a:buClr>
+        <a:buFont typeface="Calibri" pitchFamily="34" charset="0"/>
+        <a:buChar char="◦"/>
+        <a:defRPr sz="1800" kern="1200">
           <a:solidFill>
-            <a:schemeClr val="tx1"/>
+            <a:schemeClr val="tx1">
+              <a:lumMod val="75000"/>
+              <a:lumOff val="25000"/>
+            </a:schemeClr>
           </a:solidFill>
           <a:latin typeface="+mn-lt"/>
           <a:ea typeface="+mn-ea"/>
           <a:cs typeface="+mn-cs"/>
         </a:defRPr>
       </a:lvl2pPr>
-      <a:lvl3pPr marL="1143000" indent="-228600" algn="l" defTabSz="914400" rtl="0" eaLnBrk="1" latinLnBrk="0" hangingPunct="1">
+      <a:lvl3pPr marL="566928" indent="-182880" algn="l" defTabSz="914400" rtl="0" eaLnBrk="1" latinLnBrk="0" hangingPunct="1">
         <a:lnSpc>
           <a:spcPct val="90000"/>
         </a:lnSpc>
         <a:spcBef>
-          <a:spcPts val="500"/>
+          <a:spcPts val="200"/>
         </a:spcBef>
-        <a:buFont typeface="Arial" panose="020B0604020202020204" pitchFamily="34" charset="0"/>
-        <a:buChar char="•"/>
-        <a:defRPr sz="2000" kern="1200">
+        <a:spcAft>
+          <a:spcPts val="400"/>
+        </a:spcAft>
+        <a:buClr>
+          <a:schemeClr val="accent1"/>
+        </a:buClr>
+        <a:buFont typeface="Calibri" pitchFamily="34" charset="0"/>
+        <a:buChar char="◦"/>
+        <a:defRPr sz="1400" kern="1200">
           <a:solidFill>
-            <a:schemeClr val="tx1"/>
+            <a:schemeClr val="tx1">
+              <a:lumMod val="75000"/>
+              <a:lumOff val="25000"/>
+            </a:schemeClr>
           </a:solidFill>
           <a:latin typeface="+mn-lt"/>
           <a:ea typeface="+mn-ea"/>
           <a:cs typeface="+mn-cs"/>
         </a:defRPr>
       </a:lvl3pPr>
-      <a:lvl4pPr marL="1600200" indent="-228600" algn="l" defTabSz="914400" rtl="0" eaLnBrk="1" latinLnBrk="0" hangingPunct="1">
+      <a:lvl4pPr marL="749808" indent="-182880" algn="l" defTabSz="914400" rtl="0" eaLnBrk="1" latinLnBrk="0" hangingPunct="1">
         <a:lnSpc>
           <a:spcPct val="90000"/>
         </a:lnSpc>
         <a:spcBef>
-          <a:spcPts val="500"/>
+          <a:spcPts val="200"/>
         </a:spcBef>
-        <a:buFont typeface="Arial" panose="020B0604020202020204" pitchFamily="34" charset="0"/>
-        <a:buChar char="•"/>
-        <a:defRPr sz="1800" kern="1200">
+        <a:spcAft>
+          <a:spcPts val="400"/>
+        </a:spcAft>
+        <a:buClr>
+          <a:schemeClr val="accent1"/>
+        </a:buClr>
+        <a:buFont typeface="Calibri" pitchFamily="34" charset="0"/>
+        <a:buChar char="◦"/>
+        <a:defRPr sz="1400" kern="1200">
           <a:solidFill>
-            <a:schemeClr val="tx1"/>
+            <a:schemeClr val="tx1">
+              <a:lumMod val="75000"/>
+              <a:lumOff val="25000"/>
+            </a:schemeClr>
           </a:solidFill>
           <a:latin typeface="+mn-lt"/>
           <a:ea typeface="+mn-ea"/>
           <a:cs typeface="+mn-cs"/>
         </a:defRPr>
       </a:lvl4pPr>
-      <a:lvl5pPr marL="2057400" indent="-228600" algn="l" defTabSz="914400" rtl="0" eaLnBrk="1" latinLnBrk="0" hangingPunct="1">
+      <a:lvl5pPr marL="932688" indent="-182880" algn="l" defTabSz="914400" rtl="0" eaLnBrk="1" latinLnBrk="0" hangingPunct="1">
         <a:lnSpc>
           <a:spcPct val="90000"/>
         </a:lnSpc>
         <a:spcBef>
-          <a:spcPts val="500"/>
+          <a:spcPts val="200"/>
         </a:spcBef>
-        <a:buFont typeface="Arial" panose="020B0604020202020204" pitchFamily="34" charset="0"/>
-        <a:buChar char="•"/>
-        <a:defRPr sz="1800" kern="1200">
+        <a:spcAft>
+          <a:spcPts val="400"/>
+        </a:spcAft>
+        <a:buClr>
+          <a:schemeClr val="accent1"/>
+        </a:buClr>
+        <a:buFont typeface="Calibri" pitchFamily="34" charset="0"/>
+        <a:buChar char="◦"/>
+        <a:defRPr sz="1400" kern="1200">
           <a:solidFill>
-            <a:schemeClr val="tx1"/>
+            <a:schemeClr val="tx1">
+              <a:lumMod val="75000"/>
+              <a:lumOff val="25000"/>
+            </a:schemeClr>
           </a:solidFill>
           <a:latin typeface="+mn-lt"/>
           <a:ea typeface="+mn-ea"/>
           <a:cs typeface="+mn-cs"/>
         </a:defRPr>
       </a:lvl5pPr>
-      <a:lvl6pPr marL="2514600" indent="-228600" algn="l" defTabSz="914400" rtl="0" eaLnBrk="1" latinLnBrk="0" hangingPunct="1">
+      <a:lvl6pPr marL="1100000" indent="-228600" algn="l" defTabSz="914400" rtl="0" eaLnBrk="1" latinLnBrk="0" hangingPunct="1">
         <a:lnSpc>
           <a:spcPct val="90000"/>
         </a:lnSpc>
         <a:spcBef>
-          <a:spcPts val="500"/>
+          <a:spcPts val="200"/>
         </a:spcBef>
-        <a:buFont typeface="Arial" panose="020B0604020202020204" pitchFamily="34" charset="0"/>
-        <a:buChar char="•"/>
-        <a:defRPr sz="1800" kern="1200">
+        <a:spcAft>
+          <a:spcPts val="400"/>
+        </a:spcAft>
+        <a:buClr>
+          <a:schemeClr val="accent1"/>
+        </a:buClr>
+        <a:buFont typeface="Calibri" pitchFamily="34" charset="0"/>
+        <a:buChar char="◦"/>
+        <a:defRPr sz="1400" kern="1200">
           <a:solidFill>
-            <a:schemeClr val="tx1"/>
+            <a:schemeClr val="tx1">
+              <a:lumMod val="75000"/>
+              <a:lumOff val="25000"/>
+            </a:schemeClr>
           </a:solidFill>
           <a:latin typeface="+mn-lt"/>
           <a:ea typeface="+mn-ea"/>
           <a:cs typeface="+mn-cs"/>
         </a:defRPr>
       </a:lvl6pPr>
-      <a:lvl7pPr marL="2971800" indent="-228600" algn="l" defTabSz="914400" rtl="0" eaLnBrk="1" latinLnBrk="0" hangingPunct="1">
+      <a:lvl7pPr marL="1300000" indent="-228600" algn="l" defTabSz="914400" rtl="0" eaLnBrk="1" latinLnBrk="0" hangingPunct="1">
         <a:lnSpc>
           <a:spcPct val="90000"/>
         </a:lnSpc>
         <a:spcBef>
-          <a:spcPts val="500"/>
+          <a:spcPts val="200"/>
         </a:spcBef>
-        <a:buFont typeface="Arial" panose="020B0604020202020204" pitchFamily="34" charset="0"/>
-        <a:buChar char="•"/>
-        <a:defRPr sz="1800" kern="1200">
+        <a:spcAft>
+          <a:spcPts val="400"/>
+        </a:spcAft>
+        <a:buClr>
+          <a:schemeClr val="accent1"/>
+        </a:buClr>
+        <a:buFont typeface="Calibri" pitchFamily="34" charset="0"/>
+        <a:buChar char="◦"/>
+        <a:defRPr sz="1400" kern="1200">
           <a:solidFill>
-            <a:schemeClr val="tx1"/>
+            <a:schemeClr val="tx1">
+              <a:lumMod val="75000"/>
+              <a:lumOff val="25000"/>
+            </a:schemeClr>
           </a:solidFill>
           <a:latin typeface="+mn-lt"/>
           <a:ea typeface="+mn-ea"/>
           <a:cs typeface="+mn-cs"/>
         </a:defRPr>
       </a:lvl7pPr>
-      <a:lvl8pPr marL="3429000" indent="-228600" algn="l" defTabSz="914400" rtl="0" eaLnBrk="1" latinLnBrk="0" hangingPunct="1">
+      <a:lvl8pPr marL="1500000" indent="-228600" algn="l" defTabSz="914400" rtl="0" eaLnBrk="1" latinLnBrk="0" hangingPunct="1">
         <a:lnSpc>
           <a:spcPct val="90000"/>
         </a:lnSpc>
         <a:spcBef>
-          <a:spcPts val="500"/>
+          <a:spcPts val="200"/>
         </a:spcBef>
-        <a:buFont typeface="Arial" panose="020B0604020202020204" pitchFamily="34" charset="0"/>
-        <a:buChar char="•"/>
-        <a:defRPr sz="1800" kern="1200">
+        <a:spcAft>
+          <a:spcPts val="400"/>
+        </a:spcAft>
+        <a:buClr>
+          <a:schemeClr val="accent1"/>
+        </a:buClr>
+        <a:buFont typeface="Calibri" pitchFamily="34" charset="0"/>
+        <a:buChar char="◦"/>
+        <a:defRPr sz="1400" kern="1200">
           <a:solidFill>
-            <a:schemeClr val="tx1"/>
+            <a:schemeClr val="tx1">
+              <a:lumMod val="75000"/>
+              <a:lumOff val="25000"/>
+            </a:schemeClr>
           </a:solidFill>
           <a:latin typeface="+mn-lt"/>
           <a:ea typeface="+mn-ea"/>
           <a:cs typeface="+mn-cs"/>
         </a:defRPr>
       </a:lvl8pPr>
-      <a:lvl9pPr marL="3886200" indent="-228600" algn="l" defTabSz="914400" rtl="0" eaLnBrk="1" latinLnBrk="0" hangingPunct="1">
+      <a:lvl9pPr marL="1700000" indent="-228600" algn="l" defTabSz="914400" rtl="0" eaLnBrk="1" latinLnBrk="0" hangingPunct="1">
         <a:lnSpc>
           <a:spcPct val="90000"/>
         </a:lnSpc>
         <a:spcBef>
-          <a:spcPts val="500"/>
+          <a:spcPts val="200"/>
         </a:spcBef>
-        <a:buFont typeface="Arial" panose="020B0604020202020204" pitchFamily="34" charset="0"/>
-        <a:buChar char="•"/>
-        <a:defRPr sz="1800" kern="1200">
+        <a:spcAft>
+          <a:spcPts val="400"/>
+        </a:spcAft>
+        <a:buClr>
+          <a:schemeClr val="accent1"/>
+        </a:buClr>
+        <a:buFont typeface="Calibri" pitchFamily="34" charset="0"/>
+        <a:buChar char="◦"/>
+        <a:defRPr sz="1400" kern="1200">
           <a:solidFill>
-            <a:schemeClr val="tx1"/>
+            <a:schemeClr val="tx1">
+              <a:lumMod val="75000"/>
+              <a:lumOff val="25000"/>
+            </a:schemeClr>
           </a:solidFill>
           <a:latin typeface="+mn-lt"/>
           <a:ea typeface="+mn-ea"/>
@@ -3432,6 +3916,152 @@
       </p:grpSpPr>
       <p:sp>
         <p:nvSpPr>
+          <p:cNvPr id="2" name="Title 1">
+            <a:extLst>
+              <a:ext uri="{FF2B5EF4-FFF2-40B4-BE49-F238E27FC236}">
+                <a16:creationId xmlns:a16="http://schemas.microsoft.com/office/drawing/2014/main" id="{695A89CF-45D1-44AF-BCFB-92DE6CFE1F2C}"/>
+              </a:ext>
+            </a:extLst>
+          </p:cNvPr>
+          <p:cNvSpPr>
+            <a:spLocks noGrp="1"/>
+          </p:cNvSpPr>
+          <p:nvPr>
+            <p:ph type="title"/>
+          </p:nvPr>
+        </p:nvSpPr>
+        <p:spPr>
+          <a:xfrm>
+            <a:off x="749424" y="365125"/>
+            <a:ext cx="10515600" cy="1325563"/>
+          </a:xfrm>
+        </p:spPr>
+        <p:txBody>
+          <a:bodyPr/>
+          <a:lstStyle/>
+          <a:p>
+            <a:r>
+              <a:rPr lang="en-US" dirty="0"/>
+              <a:t>Conclusion &amp; future work</a:t>
+            </a:r>
+          </a:p>
+        </p:txBody>
+      </p:sp>
+      <p:sp>
+        <p:nvSpPr>
+          <p:cNvPr id="3" name="Content Placeholder 2">
+            <a:extLst>
+              <a:ext uri="{FF2B5EF4-FFF2-40B4-BE49-F238E27FC236}">
+                <a16:creationId xmlns:a16="http://schemas.microsoft.com/office/drawing/2014/main" id="{0CC1F179-A32A-47D5-AD5E-8A6C69EA004D}"/>
+              </a:ext>
+            </a:extLst>
+          </p:cNvPr>
+          <p:cNvSpPr>
+            <a:spLocks noGrp="1"/>
+          </p:cNvSpPr>
+          <p:nvPr>
+            <p:ph idx="1"/>
+          </p:nvPr>
+        </p:nvSpPr>
+        <p:spPr>
+          <a:xfrm>
+            <a:off x="838200" y="1825625"/>
+            <a:ext cx="10426823" cy="4007004"/>
+          </a:xfrm>
+        </p:spPr>
+        <p:txBody>
+          <a:bodyPr>
+            <a:normAutofit/>
+          </a:bodyPr>
+          <a:lstStyle/>
+          <a:p>
+            <a:pPr>
+              <a:buFont typeface="Arial" panose="020B0604020202020204" pitchFamily="34" charset="0"/>
+              <a:buChar char="•"/>
+            </a:pPr>
+            <a:r>
+              <a:rPr lang="en-US" sz="3200" dirty="0"/>
+              <a:t> A content-based recommendation system was successfully developed</a:t>
+            </a:r>
+          </a:p>
+          <a:p>
+            <a:pPr lvl="1">
+              <a:buFont typeface="Arial" panose="020B0604020202020204" pitchFamily="34" charset="0"/>
+              <a:buChar char="•"/>
+            </a:pPr>
+            <a:r>
+              <a:rPr lang="en-US" sz="3000" dirty="0"/>
+              <a:t> </a:t>
+            </a:r>
+            <a:r>
+              <a:rPr lang="en-US" sz="2800" dirty="0"/>
+              <a:t>It could suggest existed titles if the input title is not existed</a:t>
+            </a:r>
+          </a:p>
+          <a:p>
+            <a:pPr lvl="1">
+              <a:buFont typeface="Arial" panose="020B0604020202020204" pitchFamily="34" charset="0"/>
+              <a:buChar char="•"/>
+            </a:pPr>
+            <a:r>
+              <a:rPr lang="en-US" sz="2800" dirty="0"/>
+              <a:t> It could suggest different numbers of titles in the rank of similarity</a:t>
+            </a:r>
+          </a:p>
+          <a:p>
+            <a:pPr>
+              <a:buFont typeface="Arial" panose="020B0604020202020204" pitchFamily="34" charset="0"/>
+              <a:buChar char="•"/>
+            </a:pPr>
+            <a:r>
+              <a:rPr lang="en-US" sz="3000" dirty="0"/>
+              <a:t> Future work</a:t>
+            </a:r>
+          </a:p>
+          <a:p>
+            <a:pPr lvl="1">
+              <a:buFont typeface="Arial" panose="020B0604020202020204" pitchFamily="34" charset="0"/>
+              <a:buChar char="•"/>
+            </a:pPr>
+            <a:r>
+              <a:rPr lang="en-US" sz="2800" dirty="0"/>
+              <a:t> With the accumulated records of user selection of shows, a collaborative filtering recommendation system could be developed with more accuracy</a:t>
+            </a:r>
+          </a:p>
+        </p:txBody>
+      </p:sp>
+    </p:spTree>
+    <p:extLst>
+      <p:ext uri="{BB962C8B-B14F-4D97-AF65-F5344CB8AC3E}">
+        <p14:creationId xmlns:p14="http://schemas.microsoft.com/office/powerpoint/2010/main" val="1919244734"/>
+      </p:ext>
+    </p:extLst>
+  </p:cSld>
+  <p:clrMapOvr>
+    <a:masterClrMapping/>
+  </p:clrMapOvr>
+</p:sld>
+</file>
+
+<file path=ppt/slides/slide11.xml><?xml version="1.0" encoding="utf-8"?>
+<p:sld xmlns:a="http://schemas.openxmlformats.org/drawingml/2006/main" xmlns:r="http://schemas.openxmlformats.org/officeDocument/2006/relationships" xmlns:p="http://schemas.openxmlformats.org/presentationml/2006/main">
+  <p:cSld>
+    <p:spTree>
+      <p:nvGrpSpPr>
+        <p:cNvPr id="1" name=""/>
+        <p:cNvGrpSpPr/>
+        <p:nvPr/>
+      </p:nvGrpSpPr>
+      <p:grpSpPr>
+        <a:xfrm>
+          <a:off x="0" y="0"/>
+          <a:ext cx="0" cy="0"/>
+          <a:chOff x="0" y="0"/>
+          <a:chExt cx="0" cy="0"/>
+        </a:xfrm>
+      </p:grpSpPr>
+      <p:sp>
+        <p:nvSpPr>
           <p:cNvPr id="4" name="TextBox 3">
             <a:extLst>
               <a:ext uri="{FF2B5EF4-FFF2-40B4-BE49-F238E27FC236}">
@@ -3444,7 +4074,7 @@
         </p:nvSpPr>
         <p:spPr>
           <a:xfrm>
-            <a:off x="3018408" y="2476870"/>
+            <a:off x="2735817" y="2902998"/>
             <a:ext cx="6720366" cy="830997"/>
           </a:xfrm>
           <a:prstGeom prst="rect">
@@ -3542,8 +4172,8 @@
         </p:nvSpPr>
         <p:spPr>
           <a:xfrm>
-            <a:off x="838200" y="1690689"/>
-            <a:ext cx="10515600" cy="2082322"/>
+            <a:off x="868680" y="1965895"/>
+            <a:ext cx="10515600" cy="2952333"/>
           </a:xfrm>
         </p:spPr>
         <p:txBody>
@@ -3552,22 +4182,53 @@
           </a:bodyPr>
           <a:lstStyle/>
           <a:p>
+            <a:pPr>
+              <a:buFont typeface="Arial" panose="020B0604020202020204" pitchFamily="34" charset="0"/>
+              <a:buChar char="•"/>
+            </a:pPr>
             <a:r>
               <a:rPr lang="en-US" altLang="zh-CN" sz="3600" dirty="0"/>
-              <a:t>Netflix shows dataset</a:t>
-            </a:r>
-            <a:endParaRPr lang="en-US" sz="3600" dirty="0"/>
-          </a:p>
-          <a:p>
+              <a:t> Netflix shows dataset</a:t>
+            </a:r>
+          </a:p>
+          <a:p>
+            <a:pPr>
+              <a:buFont typeface="Arial" panose="020B0604020202020204" pitchFamily="34" charset="0"/>
+              <a:buChar char="•"/>
+            </a:pPr>
             <a:r>
               <a:rPr lang="en-US" sz="3600" dirty="0"/>
-              <a:t>Netflix shows recommendation system</a:t>
-            </a:r>
-          </a:p>
-          <a:p>
+              <a:t> Netflix shows recommendation system</a:t>
+            </a:r>
+          </a:p>
+          <a:p>
+            <a:pPr lvl="2">
+              <a:buFont typeface="Arial" panose="020B0604020202020204" pitchFamily="34" charset="0"/>
+              <a:buChar char="•"/>
+            </a:pPr>
+            <a:r>
+              <a:rPr lang="en-US" sz="2800" dirty="0"/>
+              <a:t>Data exploration of individual features</a:t>
+            </a:r>
+          </a:p>
+          <a:p>
+            <a:pPr lvl="2">
+              <a:buFont typeface="Arial" panose="020B0604020202020204" pitchFamily="34" charset="0"/>
+              <a:buChar char="•"/>
+            </a:pPr>
+            <a:r>
+              <a:rPr lang="en-US" sz="2800" dirty="0"/>
+              <a:t>Content-based recommendation system</a:t>
+            </a:r>
+          </a:p>
+          <a:p>
+            <a:pPr>
+              <a:buFont typeface="Arial" panose="020B0604020202020204" pitchFamily="34" charset="0"/>
+              <a:buChar char="•"/>
+            </a:pPr>
             <a:r>
               <a:rPr lang="en-US" sz="3600" dirty="0"/>
-              <a:t>Conclusion</a:t>
+              <a:t> Conclusion &amp; future work</a:t>
             </a:r>
           </a:p>
         </p:txBody>
@@ -3650,42 +4311,143 @@
         </p:nvSpPr>
         <p:spPr>
           <a:xfrm>
-            <a:off x="838200" y="1387473"/>
-            <a:ext cx="6476999" cy="1693077"/>
+            <a:off x="1200803" y="1792845"/>
+            <a:ext cx="7801154" cy="3152017"/>
           </a:xfrm>
         </p:spPr>
         <p:txBody>
           <a:bodyPr>
-            <a:normAutofit lnSpcReduction="10000"/>
+            <a:normAutofit/>
           </a:bodyPr>
           <a:lstStyle/>
           <a:p>
-            <a:r>
-              <a:rPr lang="en-US" dirty="0"/>
-              <a:t>Data Source </a:t>
-            </a:r>
-          </a:p>
-          <a:p>
-            <a:pPr lvl="1"/>
-            <a:r>
-              <a:rPr lang="en-US" dirty="0"/>
-              <a:t>https://www.kaggle.com/datasets/shivamb/netflix-shows</a:t>
-            </a:r>
-          </a:p>
-          <a:p>
-            <a:r>
-              <a:rPr lang="en-US" dirty="0"/>
-              <a:t>Data Exploration</a:t>
+            <a:pPr>
+              <a:spcBef>
+                <a:spcPts val="0"/>
+              </a:spcBef>
+              <a:spcAft>
+                <a:spcPts val="0"/>
+              </a:spcAft>
+              <a:buFont typeface="Arial" panose="020B0604020202020204" pitchFamily="34" charset="0"/>
+              <a:buChar char="•"/>
+            </a:pPr>
+            <a:r>
+              <a:rPr lang="en-US" sz="2800" dirty="0"/>
+              <a:t> Data Source </a:t>
+            </a:r>
+          </a:p>
+          <a:p>
+            <a:pPr lvl="2">
+              <a:spcBef>
+                <a:spcPts val="0"/>
+              </a:spcBef>
+              <a:spcAft>
+                <a:spcPts val="0"/>
+              </a:spcAft>
+              <a:buFont typeface="Arial" panose="020B0604020202020204" pitchFamily="34" charset="0"/>
+              <a:buChar char="•"/>
+            </a:pPr>
+            <a:r>
+              <a:rPr lang="en-US" sz="2600" dirty="0"/>
+              <a:t>Downloaded from Kaggle.com</a:t>
+            </a:r>
+          </a:p>
+          <a:p>
+            <a:pPr lvl="2">
+              <a:spcBef>
+                <a:spcPts val="0"/>
+              </a:spcBef>
+              <a:spcAft>
+                <a:spcPts val="0"/>
+              </a:spcAft>
+              <a:buFont typeface="Arial" panose="020B0604020202020204" pitchFamily="34" charset="0"/>
+              <a:buChar char="•"/>
+            </a:pPr>
+            <a:r>
+              <a:rPr lang="en-US" sz="2600" dirty="0"/>
+              <a:t>Data Summary</a:t>
+            </a:r>
+          </a:p>
+          <a:p>
+            <a:pPr lvl="3">
+              <a:spcBef>
+                <a:spcPts val="0"/>
+              </a:spcBef>
+              <a:spcAft>
+                <a:spcPts val="0"/>
+              </a:spcAft>
+              <a:buFont typeface="Arial" panose="020B0604020202020204" pitchFamily="34" charset="0"/>
+              <a:buChar char="•"/>
+            </a:pPr>
+            <a:r>
+              <a:rPr lang="en-US" sz="2400" dirty="0"/>
+              <a:t>8807 records of shows</a:t>
+            </a:r>
+          </a:p>
+          <a:p>
+            <a:pPr lvl="3">
+              <a:spcBef>
+                <a:spcPts val="0"/>
+              </a:spcBef>
+              <a:spcAft>
+                <a:spcPts val="0"/>
+              </a:spcAft>
+              <a:buFont typeface="Arial" panose="020B0604020202020204" pitchFamily="34" charset="0"/>
+              <a:buChar char="•"/>
+            </a:pPr>
+            <a:r>
+              <a:rPr lang="en-US" sz="2400" dirty="0"/>
+              <a:t>Related features for recommendation:</a:t>
+            </a:r>
+          </a:p>
+          <a:p>
+            <a:pPr lvl="4">
+              <a:spcBef>
+                <a:spcPts val="0"/>
+              </a:spcBef>
+              <a:spcAft>
+                <a:spcPts val="0"/>
+              </a:spcAft>
+              <a:buFont typeface="Arial" panose="020B0604020202020204" pitchFamily="34" charset="0"/>
+              <a:buChar char="•"/>
+            </a:pPr>
+            <a:r>
+              <a:rPr lang="en-US" sz="2400" dirty="0"/>
+              <a:t>Director, cast, rating, </a:t>
+            </a:r>
+            <a:r>
+              <a:rPr lang="en-US" sz="2400" dirty="0" err="1"/>
+              <a:t>listed_in</a:t>
+            </a:r>
+            <a:r>
+              <a:rPr lang="en-US" sz="2400" dirty="0"/>
+              <a:t>, description, …</a:t>
+            </a:r>
+          </a:p>
+          <a:p>
+            <a:pPr lvl="3">
+              <a:spcBef>
+                <a:spcPts val="0"/>
+              </a:spcBef>
+              <a:spcAft>
+                <a:spcPts val="0"/>
+              </a:spcAft>
+              <a:buFont typeface="Arial" panose="020B0604020202020204" pitchFamily="34" charset="0"/>
+              <a:buChar char="•"/>
+            </a:pPr>
+            <a:r>
+              <a:rPr lang="en-US" sz="2400" dirty="0"/>
+              <a:t>More movies (6126) than TV shows (2664)</a:t>
             </a:r>
           </a:p>
         </p:txBody>
       </p:sp>
       <p:pic>
         <p:nvPicPr>
-          <p:cNvPr id="6" name="Picture 5" descr="Chart, pie chart&#10;&#10;Description automatically generated">
+          <p:cNvPr id="7" name="Picture 6" descr="Chart, pie chart&#10;&#10;Description automatically generated">
             <a:extLst>
               <a:ext uri="{FF2B5EF4-FFF2-40B4-BE49-F238E27FC236}">
-                <a16:creationId xmlns:a16="http://schemas.microsoft.com/office/drawing/2014/main" id="{CE3A2DC5-C4A5-C6FF-E8ED-9D52B777FCB3}"/>
+                <a16:creationId xmlns:a16="http://schemas.microsoft.com/office/drawing/2014/main" id="{A1F35DDB-D448-8A28-A201-DB27430E117F}"/>
               </a:ext>
             </a:extLst>
           </p:cNvPr>
@@ -3702,13 +4464,13 @@
               </a:ext>
             </a:extLst>
           </a:blip>
-          <a:srcRect l="3000" t="6369" r="2166" b="20699"/>
+          <a:srcRect l="18185" t="26094" r="2165" b="20699"/>
           <a:stretch/>
         </p:blipFill>
         <p:spPr>
           <a:xfrm>
-            <a:off x="7501632" y="1602285"/>
-            <a:ext cx="2585813" cy="1988598"/>
+            <a:off x="2205339" y="4533561"/>
+            <a:ext cx="2565646" cy="1713849"/>
           </a:xfrm>
           <a:prstGeom prst="rect">
             <a:avLst/>
@@ -3717,10 +4479,10 @@
       </p:pic>
       <p:pic>
         <p:nvPicPr>
-          <p:cNvPr id="9" name="Picture 8" descr="Chart, bar chart&#10;&#10;Description automatically generated">
+          <p:cNvPr id="8" name="Picture 7" descr="Chart, bar chart&#10;&#10;Description automatically generated">
             <a:extLst>
               <a:ext uri="{FF2B5EF4-FFF2-40B4-BE49-F238E27FC236}">
-                <a16:creationId xmlns:a16="http://schemas.microsoft.com/office/drawing/2014/main" id="{3DFD5AF4-FC01-3E65-42F5-72EB525E183A}"/>
+                <a16:creationId xmlns:a16="http://schemas.microsoft.com/office/drawing/2014/main" id="{3CD340E8-4CCD-9A77-D5D1-70D5EF33BC74}"/>
               </a:ext>
             </a:extLst>
           </p:cNvPr>
@@ -3737,43 +4499,13 @@
               </a:ext>
             </a:extLst>
           </a:blip>
-          <a:srcRect l="5673" t="5432" r="8465"/>
+          <a:srcRect l="5673" t="9319" r="8465"/>
           <a:stretch/>
         </p:blipFill>
         <p:spPr>
           <a:xfrm>
-            <a:off x="5226268" y="3590883"/>
-            <a:ext cx="5755409" cy="2641241"/>
-          </a:xfrm>
-          <a:prstGeom prst="rect">
-            <a:avLst/>
-          </a:prstGeom>
-        </p:spPr>
-      </p:pic>
-      <p:pic>
-        <p:nvPicPr>
-          <p:cNvPr id="12" name="Picture 11">
-            <a:extLst>
-              <a:ext uri="{FF2B5EF4-FFF2-40B4-BE49-F238E27FC236}">
-                <a16:creationId xmlns:a16="http://schemas.microsoft.com/office/drawing/2014/main" id="{1D0E9258-D16B-A2F2-2F03-D8EC82B4102F}"/>
-              </a:ext>
-            </a:extLst>
-          </p:cNvPr>
-          <p:cNvPicPr>
-            <a:picLocks noChangeAspect="1"/>
-          </p:cNvPicPr>
-          <p:nvPr/>
-        </p:nvPicPr>
-        <p:blipFill>
-          <a:blip r:embed="rId4"/>
-          <a:stretch>
-            <a:fillRect/>
-          </a:stretch>
-        </p:blipFill>
-        <p:spPr>
-          <a:xfrm>
-            <a:off x="1137759" y="2895537"/>
-            <a:ext cx="3824591" cy="3336587"/>
+            <a:off x="5283252" y="4459565"/>
+            <a:ext cx="4230972" cy="1861842"/>
           </a:xfrm>
           <a:prstGeom prst="rect">
             <a:avLst/>
@@ -3812,10 +4544,40 @@
       </p:grpSpPr>
       <p:sp>
         <p:nvSpPr>
+          <p:cNvPr id="2" name="Title 1">
+            <a:extLst>
+              <a:ext uri="{FF2B5EF4-FFF2-40B4-BE49-F238E27FC236}">
+                <a16:creationId xmlns:a16="http://schemas.microsoft.com/office/drawing/2014/main" id="{3EEABC5C-2CB9-46E0-9FCD-F3E594B602B9}"/>
+              </a:ext>
+            </a:extLst>
+          </p:cNvPr>
+          <p:cNvSpPr>
+            <a:spLocks noGrp="1"/>
+          </p:cNvSpPr>
+          <p:nvPr>
+            <p:ph type="title"/>
+          </p:nvPr>
+        </p:nvSpPr>
+        <p:spPr/>
+        <p:txBody>
+          <a:bodyPr>
+            <a:normAutofit/>
+          </a:bodyPr>
+          <a:lstStyle/>
+          <a:p>
+            <a:r>
+              <a:rPr lang="en-US" dirty="0"/>
+              <a:t>Netflix shows recommendation </a:t>
+            </a:r>
+          </a:p>
+        </p:txBody>
+      </p:sp>
+      <p:sp>
+        <p:nvSpPr>
           <p:cNvPr id="3" name="Content Placeholder 2">
             <a:extLst>
               <a:ext uri="{FF2B5EF4-FFF2-40B4-BE49-F238E27FC236}">
-                <a16:creationId xmlns:a16="http://schemas.microsoft.com/office/drawing/2014/main" id="{3B3DEF93-E7B7-DFA7-0E8A-29D60A85FFD5}"/>
+                <a16:creationId xmlns:a16="http://schemas.microsoft.com/office/drawing/2014/main" id="{93A47A69-2809-4CAB-AF37-EB483D3F61A7}"/>
               </a:ext>
             </a:extLst>
           </p:cNvPr>
@@ -3828,30 +4590,41 @@
         </p:nvSpPr>
         <p:spPr>
           <a:xfrm>
-            <a:off x="838200" y="1062142"/>
-            <a:ext cx="10515600" cy="4351338"/>
-          </a:xfrm>
-        </p:spPr>
-        <p:txBody>
-          <a:bodyPr/>
+            <a:off x="819063" y="1817584"/>
+            <a:ext cx="8147384" cy="517244"/>
+          </a:xfrm>
+        </p:spPr>
+        <p:txBody>
+          <a:bodyPr>
+            <a:normAutofit/>
+          </a:bodyPr>
           <a:lstStyle/>
           <a:p>
-            <a:r>
-              <a:rPr lang="en-US" dirty="0"/>
-              <a:t>Data Exploration (cont.): ratings</a:t>
-            </a:r>
-          </a:p>
-          <a:p>
-            <a:endParaRPr lang="en-US" dirty="0"/>
+            <a:pPr>
+              <a:buFont typeface="Arial" panose="020B0604020202020204" pitchFamily="34" charset="0"/>
+              <a:buChar char="•"/>
+            </a:pPr>
+            <a:r>
+              <a:rPr lang="en-US" sz="2800" dirty="0"/>
+              <a:t> Data Exploration of related features: ratings</a:t>
+            </a:r>
+            <a:endParaRPr lang="en-US" sz="2200" dirty="0"/>
+          </a:p>
+          <a:p>
+            <a:pPr lvl="1">
+              <a:buFont typeface="Courier New" panose="02070309020205020404" pitchFamily="49" charset="0"/>
+              <a:buChar char="o"/>
+            </a:pPr>
+            <a:endParaRPr lang="en-US" sz="2200" dirty="0"/>
           </a:p>
         </p:txBody>
       </p:sp>
       <p:pic>
         <p:nvPicPr>
-          <p:cNvPr id="5" name="Picture 4" descr="Chart, bar chart&#10;&#10;Description automatically generated">
+          <p:cNvPr id="7" name="Picture 6" descr="Chart, bar chart&#10;&#10;Description automatically generated">
             <a:extLst>
               <a:ext uri="{FF2B5EF4-FFF2-40B4-BE49-F238E27FC236}">
-                <a16:creationId xmlns:a16="http://schemas.microsoft.com/office/drawing/2014/main" id="{5579F190-DCF0-52EA-CE54-6B4D8C5B2442}"/>
+                <a16:creationId xmlns:a16="http://schemas.microsoft.com/office/drawing/2014/main" id="{743F7B80-4AF1-1E7A-E8EF-19A306CAD8E9}"/>
               </a:ext>
             </a:extLst>
           </p:cNvPr>
@@ -3873,8 +4646,8 @@
         </p:blipFill>
         <p:spPr>
           <a:xfrm>
-            <a:off x="1491448" y="1677876"/>
-            <a:ext cx="9072979" cy="3567408"/>
+            <a:off x="1308886" y="2334828"/>
+            <a:ext cx="9414429" cy="3701663"/>
           </a:xfrm>
           <a:prstGeom prst="rect">
             <a:avLst/>
@@ -3884,7 +4657,7 @@
     </p:spTree>
     <p:extLst>
       <p:ext uri="{BB962C8B-B14F-4D97-AF65-F5344CB8AC3E}">
-        <p14:creationId xmlns:p14="http://schemas.microsoft.com/office/powerpoint/2010/main" val="4205487156"/>
+        <p14:creationId xmlns:p14="http://schemas.microsoft.com/office/powerpoint/2010/main" val="368837215"/>
       </p:ext>
     </p:extLst>
   </p:cSld>
@@ -3911,42 +4684,6 @@
           <a:chExt cx="0" cy="0"/>
         </a:xfrm>
       </p:grpSpPr>
-      <p:sp>
-        <p:nvSpPr>
-          <p:cNvPr id="3" name="Content Placeholder 2">
-            <a:extLst>
-              <a:ext uri="{FF2B5EF4-FFF2-40B4-BE49-F238E27FC236}">
-                <a16:creationId xmlns:a16="http://schemas.microsoft.com/office/drawing/2014/main" id="{3B3DEF93-E7B7-DFA7-0E8A-29D60A85FFD5}"/>
-              </a:ext>
-            </a:extLst>
-          </p:cNvPr>
-          <p:cNvSpPr>
-            <a:spLocks noGrp="1"/>
-          </p:cNvSpPr>
-          <p:nvPr>
-            <p:ph idx="1"/>
-          </p:nvPr>
-        </p:nvSpPr>
-        <p:spPr>
-          <a:xfrm>
-            <a:off x="838200" y="1000003"/>
-            <a:ext cx="10515600" cy="4351338"/>
-          </a:xfrm>
-        </p:spPr>
-        <p:txBody>
-          <a:bodyPr/>
-          <a:lstStyle/>
-          <a:p>
-            <a:r>
-              <a:rPr lang="en-US" dirty="0"/>
-              <a:t>Data Exploration (cont.): description</a:t>
-            </a:r>
-          </a:p>
-          <a:p>
-            <a:endParaRPr lang="en-US" dirty="0"/>
-          </a:p>
-        </p:txBody>
-      </p:sp>
       <p:pic>
         <p:nvPicPr>
           <p:cNvPr id="6" name="Picture 5" descr="A picture containing text&#10;&#10;Description automatically generated">
@@ -3974,8 +4711,8 @@
         </p:blipFill>
         <p:spPr>
           <a:xfrm>
-            <a:off x="1828801" y="1535839"/>
-            <a:ext cx="7791302" cy="4065972"/>
+            <a:off x="2139519" y="2219605"/>
+            <a:ext cx="7603819" cy="3968132"/>
           </a:xfrm>
           <a:prstGeom prst="rect">
             <a:avLst/>
@@ -3984,40 +4721,333 @@
       </p:pic>
       <p:sp>
         <p:nvSpPr>
-          <p:cNvPr id="8" name="TextBox 7">
+          <p:cNvPr id="7" name="Title 1">
             <a:extLst>
               <a:ext uri="{FF2B5EF4-FFF2-40B4-BE49-F238E27FC236}">
-                <a16:creationId xmlns:a16="http://schemas.microsoft.com/office/drawing/2014/main" id="{DB0B5625-87DE-DD22-7072-1929ED5DCD78}"/>
+                <a16:creationId xmlns:a16="http://schemas.microsoft.com/office/drawing/2014/main" id="{B7DFA09D-0F65-FD05-B517-8C00D2AD55F7}"/>
               </a:ext>
             </a:extLst>
           </p:cNvPr>
-          <p:cNvSpPr txBox="1"/>
+          <p:cNvSpPr>
+            <a:spLocks noGrp="1"/>
+          </p:cNvSpPr>
+          <p:nvPr>
+            <p:ph type="title"/>
+          </p:nvPr>
+        </p:nvSpPr>
+        <p:spPr>
+          <a:xfrm>
+            <a:off x="1097280" y="286603"/>
+            <a:ext cx="10058400" cy="1450757"/>
+          </a:xfrm>
+        </p:spPr>
+        <p:txBody>
+          <a:bodyPr>
+            <a:normAutofit/>
+          </a:bodyPr>
+          <a:lstStyle/>
+          <a:p>
+            <a:r>
+              <a:rPr lang="en-US" dirty="0"/>
+              <a:t>Netflix shows recommendation </a:t>
+            </a:r>
+          </a:p>
+        </p:txBody>
+      </p:sp>
+      <p:sp>
+        <p:nvSpPr>
+          <p:cNvPr id="9" name="Content Placeholder 2">
+            <a:extLst>
+              <a:ext uri="{FF2B5EF4-FFF2-40B4-BE49-F238E27FC236}">
+                <a16:creationId xmlns:a16="http://schemas.microsoft.com/office/drawing/2014/main" id="{820AE9A2-EB51-80AA-B2C2-90A83F81A392}"/>
+              </a:ext>
+            </a:extLst>
+          </p:cNvPr>
+          <p:cNvSpPr txBox="1">
+            <a:spLocks/>
+          </p:cNvSpPr>
           <p:nvPr/>
         </p:nvSpPr>
         <p:spPr>
           <a:xfrm>
-            <a:off x="1680099" y="5751842"/>
-            <a:ext cx="6094520" cy="369332"/>
+            <a:off x="819062" y="1817583"/>
+            <a:ext cx="9399135" cy="588265"/>
           </a:xfrm>
           <a:prstGeom prst="rect">
             <a:avLst/>
           </a:prstGeom>
-          <a:noFill/>
-        </p:spPr>
-        <p:txBody>
-          <a:bodyPr wrap="square">
-            <a:spAutoFit/>
+        </p:spPr>
+        <p:txBody>
+          <a:bodyPr vert="horz" lIns="0" tIns="45720" rIns="0" bIns="45720" rtlCol="0">
+            <a:normAutofit/>
           </a:bodyPr>
-          <a:lstStyle/>
-          <a:p>
-            <a:pPr marL="285750" indent="-285750">
+          <a:lstStyle>
+            <a:lvl1pPr marL="91440" indent="-91440" algn="l" defTabSz="914400" rtl="0" eaLnBrk="1" latinLnBrk="0" hangingPunct="1">
+              <a:lnSpc>
+                <a:spcPct val="90000"/>
+              </a:lnSpc>
+              <a:spcBef>
+                <a:spcPts val="1200"/>
+              </a:spcBef>
+              <a:spcAft>
+                <a:spcPts val="200"/>
+              </a:spcAft>
+              <a:buClr>
+                <a:schemeClr val="accent1"/>
+              </a:buClr>
+              <a:buSzPct val="100000"/>
+              <a:buFont typeface="Calibri" panose="020F0502020204030204" pitchFamily="34" charset="0"/>
+              <a:buChar char=" "/>
+              <a:defRPr sz="2000" kern="1200">
+                <a:solidFill>
+                  <a:schemeClr val="tx1">
+                    <a:lumMod val="75000"/>
+                    <a:lumOff val="25000"/>
+                  </a:schemeClr>
+                </a:solidFill>
+                <a:latin typeface="+mn-lt"/>
+                <a:ea typeface="+mn-ea"/>
+                <a:cs typeface="+mn-cs"/>
+              </a:defRPr>
+            </a:lvl1pPr>
+            <a:lvl2pPr marL="384048" indent="-182880" algn="l" defTabSz="914400" rtl="0" eaLnBrk="1" latinLnBrk="0" hangingPunct="1">
+              <a:lnSpc>
+                <a:spcPct val="90000"/>
+              </a:lnSpc>
+              <a:spcBef>
+                <a:spcPts val="200"/>
+              </a:spcBef>
+              <a:spcAft>
+                <a:spcPts val="400"/>
+              </a:spcAft>
+              <a:buClr>
+                <a:schemeClr val="accent1"/>
+              </a:buClr>
+              <a:buFont typeface="Calibri" pitchFamily="34" charset="0"/>
+              <a:buChar char="◦"/>
+              <a:defRPr sz="1800" kern="1200">
+                <a:solidFill>
+                  <a:schemeClr val="tx1">
+                    <a:lumMod val="75000"/>
+                    <a:lumOff val="25000"/>
+                  </a:schemeClr>
+                </a:solidFill>
+                <a:latin typeface="+mn-lt"/>
+                <a:ea typeface="+mn-ea"/>
+                <a:cs typeface="+mn-cs"/>
+              </a:defRPr>
+            </a:lvl2pPr>
+            <a:lvl3pPr marL="566928" indent="-182880" algn="l" defTabSz="914400" rtl="0" eaLnBrk="1" latinLnBrk="0" hangingPunct="1">
+              <a:lnSpc>
+                <a:spcPct val="90000"/>
+              </a:lnSpc>
+              <a:spcBef>
+                <a:spcPts val="200"/>
+              </a:spcBef>
+              <a:spcAft>
+                <a:spcPts val="400"/>
+              </a:spcAft>
+              <a:buClr>
+                <a:schemeClr val="accent1"/>
+              </a:buClr>
+              <a:buFont typeface="Calibri" pitchFamily="34" charset="0"/>
+              <a:buChar char="◦"/>
+              <a:defRPr sz="1400" kern="1200">
+                <a:solidFill>
+                  <a:schemeClr val="tx1">
+                    <a:lumMod val="75000"/>
+                    <a:lumOff val="25000"/>
+                  </a:schemeClr>
+                </a:solidFill>
+                <a:latin typeface="+mn-lt"/>
+                <a:ea typeface="+mn-ea"/>
+                <a:cs typeface="+mn-cs"/>
+              </a:defRPr>
+            </a:lvl3pPr>
+            <a:lvl4pPr marL="749808" indent="-182880" algn="l" defTabSz="914400" rtl="0" eaLnBrk="1" latinLnBrk="0" hangingPunct="1">
+              <a:lnSpc>
+                <a:spcPct val="90000"/>
+              </a:lnSpc>
+              <a:spcBef>
+                <a:spcPts val="200"/>
+              </a:spcBef>
+              <a:spcAft>
+                <a:spcPts val="400"/>
+              </a:spcAft>
+              <a:buClr>
+                <a:schemeClr val="accent1"/>
+              </a:buClr>
+              <a:buFont typeface="Calibri" pitchFamily="34" charset="0"/>
+              <a:buChar char="◦"/>
+              <a:defRPr sz="1400" kern="1200">
+                <a:solidFill>
+                  <a:schemeClr val="tx1">
+                    <a:lumMod val="75000"/>
+                    <a:lumOff val="25000"/>
+                  </a:schemeClr>
+                </a:solidFill>
+                <a:latin typeface="+mn-lt"/>
+                <a:ea typeface="+mn-ea"/>
+                <a:cs typeface="+mn-cs"/>
+              </a:defRPr>
+            </a:lvl4pPr>
+            <a:lvl5pPr marL="932688" indent="-182880" algn="l" defTabSz="914400" rtl="0" eaLnBrk="1" latinLnBrk="0" hangingPunct="1">
+              <a:lnSpc>
+                <a:spcPct val="90000"/>
+              </a:lnSpc>
+              <a:spcBef>
+                <a:spcPts val="200"/>
+              </a:spcBef>
+              <a:spcAft>
+                <a:spcPts val="400"/>
+              </a:spcAft>
+              <a:buClr>
+                <a:schemeClr val="accent1"/>
+              </a:buClr>
+              <a:buFont typeface="Calibri" pitchFamily="34" charset="0"/>
+              <a:buChar char="◦"/>
+              <a:defRPr sz="1400" kern="1200">
+                <a:solidFill>
+                  <a:schemeClr val="tx1">
+                    <a:lumMod val="75000"/>
+                    <a:lumOff val="25000"/>
+                  </a:schemeClr>
+                </a:solidFill>
+                <a:latin typeface="+mn-lt"/>
+                <a:ea typeface="+mn-ea"/>
+                <a:cs typeface="+mn-cs"/>
+              </a:defRPr>
+            </a:lvl5pPr>
+            <a:lvl6pPr marL="1100000" indent="-228600" algn="l" defTabSz="914400" rtl="0" eaLnBrk="1" latinLnBrk="0" hangingPunct="1">
+              <a:lnSpc>
+                <a:spcPct val="90000"/>
+              </a:lnSpc>
+              <a:spcBef>
+                <a:spcPts val="200"/>
+              </a:spcBef>
+              <a:spcAft>
+                <a:spcPts val="400"/>
+              </a:spcAft>
+              <a:buClr>
+                <a:schemeClr val="accent1"/>
+              </a:buClr>
+              <a:buFont typeface="Calibri" pitchFamily="34" charset="0"/>
+              <a:buChar char="◦"/>
+              <a:defRPr sz="1400" kern="1200">
+                <a:solidFill>
+                  <a:schemeClr val="tx1">
+                    <a:lumMod val="75000"/>
+                    <a:lumOff val="25000"/>
+                  </a:schemeClr>
+                </a:solidFill>
+                <a:latin typeface="+mn-lt"/>
+                <a:ea typeface="+mn-ea"/>
+                <a:cs typeface="+mn-cs"/>
+              </a:defRPr>
+            </a:lvl6pPr>
+            <a:lvl7pPr marL="1300000" indent="-228600" algn="l" defTabSz="914400" rtl="0" eaLnBrk="1" latinLnBrk="0" hangingPunct="1">
+              <a:lnSpc>
+                <a:spcPct val="90000"/>
+              </a:lnSpc>
+              <a:spcBef>
+                <a:spcPts val="200"/>
+              </a:spcBef>
+              <a:spcAft>
+                <a:spcPts val="400"/>
+              </a:spcAft>
+              <a:buClr>
+                <a:schemeClr val="accent1"/>
+              </a:buClr>
+              <a:buFont typeface="Calibri" pitchFamily="34" charset="0"/>
+              <a:buChar char="◦"/>
+              <a:defRPr sz="1400" kern="1200">
+                <a:solidFill>
+                  <a:schemeClr val="tx1">
+                    <a:lumMod val="75000"/>
+                    <a:lumOff val="25000"/>
+                  </a:schemeClr>
+                </a:solidFill>
+                <a:latin typeface="+mn-lt"/>
+                <a:ea typeface="+mn-ea"/>
+                <a:cs typeface="+mn-cs"/>
+              </a:defRPr>
+            </a:lvl7pPr>
+            <a:lvl8pPr marL="1500000" indent="-228600" algn="l" defTabSz="914400" rtl="0" eaLnBrk="1" latinLnBrk="0" hangingPunct="1">
+              <a:lnSpc>
+                <a:spcPct val="90000"/>
+              </a:lnSpc>
+              <a:spcBef>
+                <a:spcPts val="200"/>
+              </a:spcBef>
+              <a:spcAft>
+                <a:spcPts val="400"/>
+              </a:spcAft>
+              <a:buClr>
+                <a:schemeClr val="accent1"/>
+              </a:buClr>
+              <a:buFont typeface="Calibri" pitchFamily="34" charset="0"/>
+              <a:buChar char="◦"/>
+              <a:defRPr sz="1400" kern="1200">
+                <a:solidFill>
+                  <a:schemeClr val="tx1">
+                    <a:lumMod val="75000"/>
+                    <a:lumOff val="25000"/>
+                  </a:schemeClr>
+                </a:solidFill>
+                <a:latin typeface="+mn-lt"/>
+                <a:ea typeface="+mn-ea"/>
+                <a:cs typeface="+mn-cs"/>
+              </a:defRPr>
+            </a:lvl8pPr>
+            <a:lvl9pPr marL="1700000" indent="-228600" algn="l" defTabSz="914400" rtl="0" eaLnBrk="1" latinLnBrk="0" hangingPunct="1">
+              <a:lnSpc>
+                <a:spcPct val="90000"/>
+              </a:lnSpc>
+              <a:spcBef>
+                <a:spcPts val="200"/>
+              </a:spcBef>
+              <a:spcAft>
+                <a:spcPts val="400"/>
+              </a:spcAft>
+              <a:buClr>
+                <a:schemeClr val="accent1"/>
+              </a:buClr>
+              <a:buFont typeface="Calibri" pitchFamily="34" charset="0"/>
+              <a:buChar char="◦"/>
+              <a:defRPr sz="1400" kern="1200">
+                <a:solidFill>
+                  <a:schemeClr val="tx1">
+                    <a:lumMod val="75000"/>
+                    <a:lumOff val="25000"/>
+                  </a:schemeClr>
+                </a:solidFill>
+                <a:latin typeface="+mn-lt"/>
+                <a:ea typeface="+mn-ea"/>
+                <a:cs typeface="+mn-cs"/>
+              </a:defRPr>
+            </a:lvl9pPr>
+          </a:lstStyle>
+          <a:p>
+            <a:pPr>
               <a:buFont typeface="Arial" panose="020B0604020202020204" pitchFamily="34" charset="0"/>
               <a:buChar char="•"/>
             </a:pPr>
             <a:r>
-              <a:rPr lang="en-US" dirty="0"/>
-              <a:t>The life, find, and family, have the top 3 occurrence</a:t>
-            </a:r>
+              <a:rPr lang="en-US" sz="2800" dirty="0"/>
+              <a:t> Data Exploration of related features (cont.): </a:t>
+            </a:r>
+            <a:r>
+              <a:rPr lang="en-US" altLang="zh-CN" sz="2800" dirty="0"/>
+              <a:t>description</a:t>
+            </a:r>
+            <a:endParaRPr lang="en-US" sz="2200" dirty="0"/>
+          </a:p>
+          <a:p>
+            <a:pPr lvl="1">
+              <a:buFont typeface="Courier New" panose="02070309020205020404" pitchFamily="49" charset="0"/>
+              <a:buChar char="o"/>
+            </a:pPr>
+            <a:endParaRPr lang="en-US" sz="2200" dirty="0"/>
           </a:p>
         </p:txBody>
       </p:sp>
@@ -4053,10 +5083,10 @@
       </p:grpSpPr>
       <p:sp>
         <p:nvSpPr>
-          <p:cNvPr id="2" name="Title 1">
+          <p:cNvPr id="7" name="Title 1">
             <a:extLst>
               <a:ext uri="{FF2B5EF4-FFF2-40B4-BE49-F238E27FC236}">
-                <a16:creationId xmlns:a16="http://schemas.microsoft.com/office/drawing/2014/main" id="{3EEABC5C-2CB9-46E0-9FCD-F3E594B602B9}"/>
+                <a16:creationId xmlns:a16="http://schemas.microsoft.com/office/drawing/2014/main" id="{B7DFA09D-0F65-FD05-B517-8C00D2AD55F7}"/>
               </a:ext>
             </a:extLst>
           </p:cNvPr>
@@ -4067,7 +5097,12 @@
             <p:ph type="title"/>
           </p:nvPr>
         </p:nvSpPr>
-        <p:spPr/>
+        <p:spPr>
+          <a:xfrm>
+            <a:off x="1097280" y="286603"/>
+            <a:ext cx="10058400" cy="1450757"/>
+          </a:xfrm>
+        </p:spPr>
         <p:txBody>
           <a:bodyPr>
             <a:normAutofit/>
@@ -4076,159 +5111,320 @@
           <a:p>
             <a:r>
               <a:rPr lang="en-US" dirty="0"/>
-              <a:t>Netflix Recommendation System</a:t>
-            </a:r>
-          </a:p>
-        </p:txBody>
-      </p:sp>
-      <p:sp>
-        <p:nvSpPr>
-          <p:cNvPr id="4" name="Content Placeholder 3">
+              <a:t>Netflix shows recommendation </a:t>
+            </a:r>
+          </a:p>
+        </p:txBody>
+      </p:sp>
+      <p:sp>
+        <p:nvSpPr>
+          <p:cNvPr id="9" name="Content Placeholder 2">
             <a:extLst>
               <a:ext uri="{FF2B5EF4-FFF2-40B4-BE49-F238E27FC236}">
-                <a16:creationId xmlns:a16="http://schemas.microsoft.com/office/drawing/2014/main" id="{DDAEE6F1-6865-44BE-A24E-2892910AE0D7}"/>
+                <a16:creationId xmlns:a16="http://schemas.microsoft.com/office/drawing/2014/main" id="{820AE9A2-EB51-80AA-B2C2-90A83F81A392}"/>
               </a:ext>
             </a:extLst>
           </p:cNvPr>
-          <p:cNvSpPr>
-            <a:spLocks noGrp="1"/>
-          </p:cNvSpPr>
-          <p:nvPr>
-            <p:ph idx="1"/>
-          </p:nvPr>
+          <p:cNvSpPr txBox="1">
+            <a:spLocks/>
+          </p:cNvSpPr>
+          <p:nvPr/>
         </p:nvSpPr>
         <p:spPr>
           <a:xfrm>
-            <a:off x="838200" y="1497150"/>
-            <a:ext cx="9974802" cy="2595455"/>
-          </a:xfrm>
-        </p:spPr>
-        <p:txBody>
-          <a:bodyPr>
+            <a:off x="819062" y="1755438"/>
+            <a:ext cx="9399135" cy="1049904"/>
+          </a:xfrm>
+          <a:prstGeom prst="rect">
+            <a:avLst/>
+          </a:prstGeom>
+        </p:spPr>
+        <p:txBody>
+          <a:bodyPr vert="horz" lIns="0" tIns="45720" rIns="0" bIns="45720" rtlCol="0">
             <a:normAutofit lnSpcReduction="10000"/>
           </a:bodyPr>
-          <a:lstStyle/>
-          <a:p>
-            <a:r>
-              <a:rPr lang="en-US" dirty="0"/>
-              <a:t>A content-based recommendation system</a:t>
-            </a:r>
-          </a:p>
-          <a:p>
-            <a:pPr lvl="1"/>
-            <a:r>
-              <a:rPr lang="en-US" dirty="0"/>
-              <a:t>Comparing five different combinations of features:</a:t>
-            </a:r>
-          </a:p>
-          <a:p>
-            <a:pPr lvl="2"/>
-            <a:r>
-              <a:rPr lang="en-US" sz="1300" dirty="0"/>
-              <a:t> 'comb_features0': ('director', 'cast', 'rating', '</a:t>
-            </a:r>
-            <a:r>
-              <a:rPr lang="en-US" sz="1300" dirty="0" err="1"/>
+          <a:lstStyle>
+            <a:lvl1pPr marL="91440" indent="-91440" algn="l" defTabSz="914400" rtl="0" eaLnBrk="1" latinLnBrk="0" hangingPunct="1">
+              <a:lnSpc>
+                <a:spcPct val="90000"/>
+              </a:lnSpc>
+              <a:spcBef>
+                <a:spcPts val="1200"/>
+              </a:spcBef>
+              <a:spcAft>
+                <a:spcPts val="200"/>
+              </a:spcAft>
+              <a:buClr>
+                <a:schemeClr val="accent1"/>
+              </a:buClr>
+              <a:buSzPct val="100000"/>
+              <a:buFont typeface="Calibri" panose="020F0502020204030204" pitchFamily="34" charset="0"/>
+              <a:buChar char=" "/>
+              <a:defRPr sz="2000" kern="1200">
+                <a:solidFill>
+                  <a:schemeClr val="tx1">
+                    <a:lumMod val="75000"/>
+                    <a:lumOff val="25000"/>
+                  </a:schemeClr>
+                </a:solidFill>
+                <a:latin typeface="+mn-lt"/>
+                <a:ea typeface="+mn-ea"/>
+                <a:cs typeface="+mn-cs"/>
+              </a:defRPr>
+            </a:lvl1pPr>
+            <a:lvl2pPr marL="384048" indent="-182880" algn="l" defTabSz="914400" rtl="0" eaLnBrk="1" latinLnBrk="0" hangingPunct="1">
+              <a:lnSpc>
+                <a:spcPct val="90000"/>
+              </a:lnSpc>
+              <a:spcBef>
+                <a:spcPts val="200"/>
+              </a:spcBef>
+              <a:spcAft>
+                <a:spcPts val="400"/>
+              </a:spcAft>
+              <a:buClr>
+                <a:schemeClr val="accent1"/>
+              </a:buClr>
+              <a:buFont typeface="Calibri" pitchFamily="34" charset="0"/>
+              <a:buChar char="◦"/>
+              <a:defRPr sz="1800" kern="1200">
+                <a:solidFill>
+                  <a:schemeClr val="tx1">
+                    <a:lumMod val="75000"/>
+                    <a:lumOff val="25000"/>
+                  </a:schemeClr>
+                </a:solidFill>
+                <a:latin typeface="+mn-lt"/>
+                <a:ea typeface="+mn-ea"/>
+                <a:cs typeface="+mn-cs"/>
+              </a:defRPr>
+            </a:lvl2pPr>
+            <a:lvl3pPr marL="566928" indent="-182880" algn="l" defTabSz="914400" rtl="0" eaLnBrk="1" latinLnBrk="0" hangingPunct="1">
+              <a:lnSpc>
+                <a:spcPct val="90000"/>
+              </a:lnSpc>
+              <a:spcBef>
+                <a:spcPts val="200"/>
+              </a:spcBef>
+              <a:spcAft>
+                <a:spcPts val="400"/>
+              </a:spcAft>
+              <a:buClr>
+                <a:schemeClr val="accent1"/>
+              </a:buClr>
+              <a:buFont typeface="Calibri" pitchFamily="34" charset="0"/>
+              <a:buChar char="◦"/>
+              <a:defRPr sz="1400" kern="1200">
+                <a:solidFill>
+                  <a:schemeClr val="tx1">
+                    <a:lumMod val="75000"/>
+                    <a:lumOff val="25000"/>
+                  </a:schemeClr>
+                </a:solidFill>
+                <a:latin typeface="+mn-lt"/>
+                <a:ea typeface="+mn-ea"/>
+                <a:cs typeface="+mn-cs"/>
+              </a:defRPr>
+            </a:lvl3pPr>
+            <a:lvl4pPr marL="749808" indent="-182880" algn="l" defTabSz="914400" rtl="0" eaLnBrk="1" latinLnBrk="0" hangingPunct="1">
+              <a:lnSpc>
+                <a:spcPct val="90000"/>
+              </a:lnSpc>
+              <a:spcBef>
+                <a:spcPts val="200"/>
+              </a:spcBef>
+              <a:spcAft>
+                <a:spcPts val="400"/>
+              </a:spcAft>
+              <a:buClr>
+                <a:schemeClr val="accent1"/>
+              </a:buClr>
+              <a:buFont typeface="Calibri" pitchFamily="34" charset="0"/>
+              <a:buChar char="◦"/>
+              <a:defRPr sz="1400" kern="1200">
+                <a:solidFill>
+                  <a:schemeClr val="tx1">
+                    <a:lumMod val="75000"/>
+                    <a:lumOff val="25000"/>
+                  </a:schemeClr>
+                </a:solidFill>
+                <a:latin typeface="+mn-lt"/>
+                <a:ea typeface="+mn-ea"/>
+                <a:cs typeface="+mn-cs"/>
+              </a:defRPr>
+            </a:lvl4pPr>
+            <a:lvl5pPr marL="932688" indent="-182880" algn="l" defTabSz="914400" rtl="0" eaLnBrk="1" latinLnBrk="0" hangingPunct="1">
+              <a:lnSpc>
+                <a:spcPct val="90000"/>
+              </a:lnSpc>
+              <a:spcBef>
+                <a:spcPts val="200"/>
+              </a:spcBef>
+              <a:spcAft>
+                <a:spcPts val="400"/>
+              </a:spcAft>
+              <a:buClr>
+                <a:schemeClr val="accent1"/>
+              </a:buClr>
+              <a:buFont typeface="Calibri" pitchFamily="34" charset="0"/>
+              <a:buChar char="◦"/>
+              <a:defRPr sz="1400" kern="1200">
+                <a:solidFill>
+                  <a:schemeClr val="tx1">
+                    <a:lumMod val="75000"/>
+                    <a:lumOff val="25000"/>
+                  </a:schemeClr>
+                </a:solidFill>
+                <a:latin typeface="+mn-lt"/>
+                <a:ea typeface="+mn-ea"/>
+                <a:cs typeface="+mn-cs"/>
+              </a:defRPr>
+            </a:lvl5pPr>
+            <a:lvl6pPr marL="1100000" indent="-228600" algn="l" defTabSz="914400" rtl="0" eaLnBrk="1" latinLnBrk="0" hangingPunct="1">
+              <a:lnSpc>
+                <a:spcPct val="90000"/>
+              </a:lnSpc>
+              <a:spcBef>
+                <a:spcPts val="200"/>
+              </a:spcBef>
+              <a:spcAft>
+                <a:spcPts val="400"/>
+              </a:spcAft>
+              <a:buClr>
+                <a:schemeClr val="accent1"/>
+              </a:buClr>
+              <a:buFont typeface="Calibri" pitchFamily="34" charset="0"/>
+              <a:buChar char="◦"/>
+              <a:defRPr sz="1400" kern="1200">
+                <a:solidFill>
+                  <a:schemeClr val="tx1">
+                    <a:lumMod val="75000"/>
+                    <a:lumOff val="25000"/>
+                  </a:schemeClr>
+                </a:solidFill>
+                <a:latin typeface="+mn-lt"/>
+                <a:ea typeface="+mn-ea"/>
+                <a:cs typeface="+mn-cs"/>
+              </a:defRPr>
+            </a:lvl6pPr>
+            <a:lvl7pPr marL="1300000" indent="-228600" algn="l" defTabSz="914400" rtl="0" eaLnBrk="1" latinLnBrk="0" hangingPunct="1">
+              <a:lnSpc>
+                <a:spcPct val="90000"/>
+              </a:lnSpc>
+              <a:spcBef>
+                <a:spcPts val="200"/>
+              </a:spcBef>
+              <a:spcAft>
+                <a:spcPts val="400"/>
+              </a:spcAft>
+              <a:buClr>
+                <a:schemeClr val="accent1"/>
+              </a:buClr>
+              <a:buFont typeface="Calibri" pitchFamily="34" charset="0"/>
+              <a:buChar char="◦"/>
+              <a:defRPr sz="1400" kern="1200">
+                <a:solidFill>
+                  <a:schemeClr val="tx1">
+                    <a:lumMod val="75000"/>
+                    <a:lumOff val="25000"/>
+                  </a:schemeClr>
+                </a:solidFill>
+                <a:latin typeface="+mn-lt"/>
+                <a:ea typeface="+mn-ea"/>
+                <a:cs typeface="+mn-cs"/>
+              </a:defRPr>
+            </a:lvl7pPr>
+            <a:lvl8pPr marL="1500000" indent="-228600" algn="l" defTabSz="914400" rtl="0" eaLnBrk="1" latinLnBrk="0" hangingPunct="1">
+              <a:lnSpc>
+                <a:spcPct val="90000"/>
+              </a:lnSpc>
+              <a:spcBef>
+                <a:spcPts val="200"/>
+              </a:spcBef>
+              <a:spcAft>
+                <a:spcPts val="400"/>
+              </a:spcAft>
+              <a:buClr>
+                <a:schemeClr val="accent1"/>
+              </a:buClr>
+              <a:buFont typeface="Calibri" pitchFamily="34" charset="0"/>
+              <a:buChar char="◦"/>
+              <a:defRPr sz="1400" kern="1200">
+                <a:solidFill>
+                  <a:schemeClr val="tx1">
+                    <a:lumMod val="75000"/>
+                    <a:lumOff val="25000"/>
+                  </a:schemeClr>
+                </a:solidFill>
+                <a:latin typeface="+mn-lt"/>
+                <a:ea typeface="+mn-ea"/>
+                <a:cs typeface="+mn-cs"/>
+              </a:defRPr>
+            </a:lvl8pPr>
+            <a:lvl9pPr marL="1700000" indent="-228600" algn="l" defTabSz="914400" rtl="0" eaLnBrk="1" latinLnBrk="0" hangingPunct="1">
+              <a:lnSpc>
+                <a:spcPct val="90000"/>
+              </a:lnSpc>
+              <a:spcBef>
+                <a:spcPts val="200"/>
+              </a:spcBef>
+              <a:spcAft>
+                <a:spcPts val="400"/>
+              </a:spcAft>
+              <a:buClr>
+                <a:schemeClr val="accent1"/>
+              </a:buClr>
+              <a:buFont typeface="Calibri" pitchFamily="34" charset="0"/>
+              <a:buChar char="◦"/>
+              <a:defRPr sz="1400" kern="1200">
+                <a:solidFill>
+                  <a:schemeClr val="tx1">
+                    <a:lumMod val="75000"/>
+                    <a:lumOff val="25000"/>
+                  </a:schemeClr>
+                </a:solidFill>
+                <a:latin typeface="+mn-lt"/>
+                <a:ea typeface="+mn-ea"/>
+                <a:cs typeface="+mn-cs"/>
+              </a:defRPr>
+            </a:lvl9pPr>
+          </a:lstStyle>
+          <a:p>
+            <a:pPr>
+              <a:buFont typeface="Arial" panose="020B0604020202020204" pitchFamily="34" charset="0"/>
+              <a:buChar char="•"/>
+            </a:pPr>
+            <a:r>
+              <a:rPr lang="en-US" sz="2800" dirty="0"/>
+              <a:t> Content-based recommendation system</a:t>
+            </a:r>
+          </a:p>
+          <a:p>
+            <a:pPr lvl="1">
+              <a:buFont typeface="Arial" panose="020B0604020202020204" pitchFamily="34" charset="0"/>
+              <a:buChar char="•"/>
+            </a:pPr>
+            <a:r>
+              <a:rPr lang="en-US" sz="2000" dirty="0"/>
+              <a:t>Recommended items for six different combinations of features: Director, cast, rating, </a:t>
+            </a:r>
+            <a:r>
+              <a:rPr lang="en-US" sz="2000" dirty="0" err="1"/>
               <a:t>listed_in</a:t>
             </a:r>
             <a:r>
-              <a:rPr lang="en-US" sz="1300" dirty="0"/>
-              <a:t>'),</a:t>
-            </a:r>
-          </a:p>
-          <a:p>
-            <a:pPr lvl="2"/>
-            <a:r>
-              <a:rPr lang="en-US" sz="1300" dirty="0"/>
-              <a:t> 'comb_features1': ('director', 'cast', 'rating', 'description'),</a:t>
-            </a:r>
-          </a:p>
-          <a:p>
-            <a:pPr lvl="2"/>
-            <a:r>
-              <a:rPr lang="en-US" sz="1300" dirty="0"/>
-              <a:t> 'comb_features2': ('director', 'cast', '</a:t>
-            </a:r>
-            <a:r>
-              <a:rPr lang="en-US" sz="1300" dirty="0" err="1"/>
-              <a:t>listed_in</a:t>
-            </a:r>
-            <a:r>
-              <a:rPr lang="en-US" sz="1300" dirty="0"/>
-              <a:t>', 'description'),</a:t>
-            </a:r>
-          </a:p>
-          <a:p>
-            <a:pPr lvl="2"/>
-            <a:r>
-              <a:rPr lang="en-US" sz="1300" dirty="0"/>
-              <a:t> 'comb_features3': ('director', 'rating', '</a:t>
-            </a:r>
-            <a:r>
-              <a:rPr lang="en-US" sz="1300" dirty="0" err="1"/>
-              <a:t>listed_in</a:t>
-            </a:r>
-            <a:r>
-              <a:rPr lang="en-US" sz="1300" dirty="0"/>
-              <a:t>', 'description'),</a:t>
-            </a:r>
-          </a:p>
-          <a:p>
-            <a:pPr lvl="2"/>
-            <a:r>
-              <a:rPr lang="en-US" sz="1300" dirty="0"/>
-              <a:t> 'comb_features4': ('cast', 'rating', '</a:t>
-            </a:r>
-            <a:r>
-              <a:rPr lang="en-US" sz="1300" dirty="0" err="1"/>
-              <a:t>listed_in</a:t>
-            </a:r>
-            <a:r>
-              <a:rPr lang="en-US" sz="1300" dirty="0"/>
-              <a:t>', 'description'),</a:t>
-            </a:r>
-          </a:p>
-          <a:p>
-            <a:pPr lvl="2"/>
-            <a:r>
-              <a:rPr lang="en-US" sz="1300" dirty="0"/>
-              <a:t> 'comb_features5': ('director', 'cast', 'rating', '</a:t>
-            </a:r>
-            <a:r>
-              <a:rPr lang="en-US" sz="1300" dirty="0" err="1"/>
-              <a:t>listed_in</a:t>
-            </a:r>
-            <a:r>
-              <a:rPr lang="en-US" sz="1300" dirty="0"/>
-              <a:t>', 'description’)</a:t>
-            </a:r>
-          </a:p>
-          <a:p>
-            <a:pPr lvl="1"/>
-            <a:r>
               <a:rPr lang="en-US" sz="2000" dirty="0"/>
-              <a:t>An example to recommend titles for: too hot to handle: </a:t>
-            </a:r>
-            <a:r>
-              <a:rPr lang="en-US" sz="2000" dirty="0" err="1"/>
-              <a:t>brazil</a:t>
-            </a:r>
-            <a:endParaRPr lang="en-US" sz="2000" dirty="0"/>
-          </a:p>
-          <a:p>
-            <a:pPr marL="457200" lvl="1" indent="0">
-              <a:buNone/>
-            </a:pPr>
-            <a:endParaRPr lang="en-US" dirty="0"/>
+              <a:t>, description</a:t>
+            </a:r>
           </a:p>
         </p:txBody>
       </p:sp>
       <p:pic>
         <p:nvPicPr>
-          <p:cNvPr id="9" name="Picture 8">
+          <p:cNvPr id="12" name="Picture 11" descr="Chart, bar chart&#10;&#10;Description automatically generated">
             <a:extLst>
               <a:ext uri="{FF2B5EF4-FFF2-40B4-BE49-F238E27FC236}">
-                <a16:creationId xmlns:a16="http://schemas.microsoft.com/office/drawing/2014/main" id="{6A59C99B-E247-169B-2501-3BDBEC29F076}"/>
+                <a16:creationId xmlns:a16="http://schemas.microsoft.com/office/drawing/2014/main" id="{31B740D0-C110-5DCE-45D0-48E879B5EB6F}"/>
               </a:ext>
             </a:extLst>
           </p:cNvPr>
@@ -4237,15 +5433,58 @@
           </p:cNvPicPr>
           <p:nvPr/>
         </p:nvPicPr>
-        <p:blipFill rotWithShape="1">
-          <a:blip r:embed="rId2"/>
-          <a:srcRect b="48587"/>
-          <a:stretch/>
+        <p:blipFill>
+          <a:blip r:embed="rId2">
+            <a:extLst>
+              <a:ext uri="{28A0092B-C50C-407E-A947-70E740481C1C}">
+                <a14:useLocalDpi xmlns:a14="http://schemas.microsoft.com/office/drawing/2010/main" val="0"/>
+              </a:ext>
+            </a:extLst>
+          </a:blip>
+          <a:stretch>
+            <a:fillRect/>
+          </a:stretch>
         </p:blipFill>
         <p:spPr>
           <a:xfrm>
-            <a:off x="1030231" y="4030461"/>
-            <a:ext cx="10752865" cy="2148397"/>
+            <a:off x="6096000" y="2852888"/>
+            <a:ext cx="4848227" cy="2651268"/>
+          </a:xfrm>
+          <a:prstGeom prst="rect">
+            <a:avLst/>
+          </a:prstGeom>
+        </p:spPr>
+      </p:pic>
+      <p:pic>
+        <p:nvPicPr>
+          <p:cNvPr id="14" name="Picture 13" descr="Chart, bar chart&#10;&#10;Description automatically generated">
+            <a:extLst>
+              <a:ext uri="{FF2B5EF4-FFF2-40B4-BE49-F238E27FC236}">
+                <a16:creationId xmlns:a16="http://schemas.microsoft.com/office/drawing/2014/main" id="{E96B894B-BCE5-F930-65D1-14FF1DA27BFE}"/>
+              </a:ext>
+            </a:extLst>
+          </p:cNvPr>
+          <p:cNvPicPr>
+            <a:picLocks noChangeAspect="1"/>
+          </p:cNvPicPr>
+          <p:nvPr/>
+        </p:nvPicPr>
+        <p:blipFill>
+          <a:blip r:embed="rId3">
+            <a:extLst>
+              <a:ext uri="{28A0092B-C50C-407E-A947-70E740481C1C}">
+                <a14:useLocalDpi xmlns:a14="http://schemas.microsoft.com/office/drawing/2010/main" val="0"/>
+              </a:ext>
+            </a:extLst>
+          </a:blip>
+          <a:stretch>
+            <a:fillRect/>
+          </a:stretch>
+        </p:blipFill>
+        <p:spPr>
+          <a:xfrm>
+            <a:off x="422950" y="2852888"/>
+            <a:ext cx="5566985" cy="2651268"/>
           </a:xfrm>
           <a:prstGeom prst="rect">
             <a:avLst/>
@@ -4255,7 +5494,7 @@
     </p:spTree>
     <p:extLst>
       <p:ext uri="{BB962C8B-B14F-4D97-AF65-F5344CB8AC3E}">
-        <p14:creationId xmlns:p14="http://schemas.microsoft.com/office/powerpoint/2010/main" val="588945897"/>
+        <p14:creationId xmlns:p14="http://schemas.microsoft.com/office/powerpoint/2010/main" val="137263198"/>
       </p:ext>
     </p:extLst>
   </p:cSld>
@@ -4282,70 +5521,17 @@
           <a:chExt cx="0" cy="0"/>
         </a:xfrm>
       </p:grpSpPr>
-      <p:sp>
-        <p:nvSpPr>
-          <p:cNvPr id="2" name="Title 1">
+      <p:pic>
+        <p:nvPicPr>
+          <p:cNvPr id="1032" name="Picture 8">
             <a:extLst>
               <a:ext uri="{FF2B5EF4-FFF2-40B4-BE49-F238E27FC236}">
-                <a16:creationId xmlns:a16="http://schemas.microsoft.com/office/drawing/2014/main" id="{7F5D1CC3-8C1A-4565-B014-50FDC5B876C7}"/>
-              </a:ext>
-            </a:extLst>
-          </p:cNvPr>
-          <p:cNvSpPr>
-            <a:spLocks noGrp="1"/>
-          </p:cNvSpPr>
-          <p:nvPr>
-            <p:ph type="title"/>
-          </p:nvPr>
-        </p:nvSpPr>
-        <p:spPr>
-          <a:xfrm>
-            <a:off x="838200" y="878889"/>
-            <a:ext cx="10515600" cy="811799"/>
-          </a:xfrm>
-        </p:spPr>
-        <p:txBody>
-          <a:bodyPr>
-            <a:normAutofit fontScale="90000"/>
-          </a:bodyPr>
-          <a:lstStyle/>
-          <a:p>
-            <a:pPr marL="457200" indent="-457200">
-              <a:buFont typeface="Arial" panose="020B0604020202020204" pitchFamily="34" charset="0"/>
-              <a:buChar char="•"/>
-            </a:pPr>
-            <a:r>
-              <a:rPr lang="en-US" sz="2800" dirty="0">
-                <a:latin typeface="+mn-lt"/>
-              </a:rPr>
-              <a:t>Representative example for a TV show based on com_feature5: 'director', 'cast', 'rating', '</a:t>
-            </a:r>
-            <a:r>
-              <a:rPr lang="en-US" sz="2800" dirty="0" err="1">
-                <a:latin typeface="+mn-lt"/>
-              </a:rPr>
-              <a:t>listed_in</a:t>
-            </a:r>
-            <a:r>
-              <a:rPr lang="en-US" sz="2800" dirty="0">
-                <a:latin typeface="+mn-lt"/>
-              </a:rPr>
-              <a:t>', 'description’</a:t>
-            </a:r>
-          </a:p>
-        </p:txBody>
-      </p:sp>
-      <p:pic>
-        <p:nvPicPr>
-          <p:cNvPr id="11" name="Picture 10" descr="Chart&#10;&#10;Description automatically generated">
-            <a:extLst>
-              <a:ext uri="{FF2B5EF4-FFF2-40B4-BE49-F238E27FC236}">
-                <a16:creationId xmlns:a16="http://schemas.microsoft.com/office/drawing/2014/main" id="{585798A2-954A-B5E7-A60F-0DA5A3BB5DCC}"/>
+                <a16:creationId xmlns:a16="http://schemas.microsoft.com/office/drawing/2014/main" id="{1FD64B85-6184-E7C8-8106-17A80CE90671}"/>
               </a:ext>
             </a:extLst>
           </p:cNvPr>
           <p:cNvPicPr>
-            <a:picLocks noChangeAspect="1"/>
+            <a:picLocks noChangeAspect="1" noChangeArrowheads="1"/>
           </p:cNvPicPr>
           <p:nvPr/>
         </p:nvPicPr>
@@ -4357,24 +5543,651 @@
               </a:ext>
             </a:extLst>
           </a:blip>
+          <a:srcRect/>
           <a:stretch>
             <a:fillRect/>
           </a:stretch>
         </p:blipFill>
-        <p:spPr>
-          <a:xfrm>
-            <a:off x="1240796" y="1823853"/>
-            <a:ext cx="9231013" cy="3724795"/>
+        <p:spPr bwMode="auto">
+          <a:xfrm>
+            <a:off x="284086" y="4427290"/>
+            <a:ext cx="4040862" cy="1737078"/>
           </a:xfrm>
           <a:prstGeom prst="rect">
             <a:avLst/>
           </a:prstGeom>
+          <a:noFill/>
+          <a:extLst>
+            <a:ext uri="{909E8E84-426E-40DD-AFC4-6F175D3DCCD1}">
+              <a14:hiddenFill xmlns:a14="http://schemas.microsoft.com/office/drawing/2010/main">
+                <a:solidFill>
+                  <a:srgbClr val="FFFFFF"/>
+                </a:solidFill>
+              </a14:hiddenFill>
+            </a:ext>
+          </a:extLst>
         </p:spPr>
       </p:pic>
+      <p:pic>
+        <p:nvPicPr>
+          <p:cNvPr id="1034" name="Picture 10">
+            <a:extLst>
+              <a:ext uri="{FF2B5EF4-FFF2-40B4-BE49-F238E27FC236}">
+                <a16:creationId xmlns:a16="http://schemas.microsoft.com/office/drawing/2014/main" id="{38023D75-F287-8A76-237A-3BB9271EF507}"/>
+              </a:ext>
+            </a:extLst>
+          </p:cNvPr>
+          <p:cNvPicPr>
+            <a:picLocks noChangeAspect="1" noChangeArrowheads="1"/>
+          </p:cNvPicPr>
+          <p:nvPr/>
+        </p:nvPicPr>
+        <p:blipFill>
+          <a:blip r:embed="rId3">
+            <a:extLst>
+              <a:ext uri="{28A0092B-C50C-407E-A947-70E740481C1C}">
+                <a14:useLocalDpi xmlns:a14="http://schemas.microsoft.com/office/drawing/2010/main" val="0"/>
+              </a:ext>
+            </a:extLst>
+          </a:blip>
+          <a:srcRect/>
+          <a:stretch>
+            <a:fillRect/>
+          </a:stretch>
+        </p:blipFill>
+        <p:spPr bwMode="auto">
+          <a:xfrm>
+            <a:off x="3881771" y="4554050"/>
+            <a:ext cx="3933265" cy="1685685"/>
+          </a:xfrm>
+          <a:prstGeom prst="rect">
+            <a:avLst/>
+          </a:prstGeom>
+          <a:noFill/>
+          <a:extLst>
+            <a:ext uri="{909E8E84-426E-40DD-AFC4-6F175D3DCCD1}">
+              <a14:hiddenFill xmlns:a14="http://schemas.microsoft.com/office/drawing/2010/main">
+                <a:solidFill>
+                  <a:srgbClr val="FFFFFF"/>
+                </a:solidFill>
+              </a14:hiddenFill>
+            </a:ext>
+          </a:extLst>
+        </p:spPr>
+      </p:pic>
+      <p:sp>
+        <p:nvSpPr>
+          <p:cNvPr id="7" name="Title 1">
+            <a:extLst>
+              <a:ext uri="{FF2B5EF4-FFF2-40B4-BE49-F238E27FC236}">
+                <a16:creationId xmlns:a16="http://schemas.microsoft.com/office/drawing/2014/main" id="{B7DFA09D-0F65-FD05-B517-8C00D2AD55F7}"/>
+              </a:ext>
+            </a:extLst>
+          </p:cNvPr>
+          <p:cNvSpPr>
+            <a:spLocks noGrp="1"/>
+          </p:cNvSpPr>
+          <p:nvPr>
+            <p:ph type="title"/>
+          </p:nvPr>
+        </p:nvSpPr>
+        <p:spPr>
+          <a:xfrm>
+            <a:off x="1097280" y="286603"/>
+            <a:ext cx="10058400" cy="1450757"/>
+          </a:xfrm>
+        </p:spPr>
+        <p:txBody>
+          <a:bodyPr>
+            <a:normAutofit/>
+          </a:bodyPr>
+          <a:lstStyle/>
+          <a:p>
+            <a:r>
+              <a:rPr lang="en-US" dirty="0"/>
+              <a:t>Netflix shows recommendation </a:t>
+            </a:r>
+          </a:p>
+        </p:txBody>
+      </p:sp>
+      <p:sp>
+        <p:nvSpPr>
+          <p:cNvPr id="9" name="Content Placeholder 2">
+            <a:extLst>
+              <a:ext uri="{FF2B5EF4-FFF2-40B4-BE49-F238E27FC236}">
+                <a16:creationId xmlns:a16="http://schemas.microsoft.com/office/drawing/2014/main" id="{820AE9A2-EB51-80AA-B2C2-90A83F81A392}"/>
+              </a:ext>
+            </a:extLst>
+          </p:cNvPr>
+          <p:cNvSpPr txBox="1">
+            <a:spLocks/>
+          </p:cNvSpPr>
+          <p:nvPr/>
+        </p:nvSpPr>
+        <p:spPr>
+          <a:xfrm>
+            <a:off x="819062" y="1755438"/>
+            <a:ext cx="9399135" cy="1049904"/>
+          </a:xfrm>
+          <a:prstGeom prst="rect">
+            <a:avLst/>
+          </a:prstGeom>
+        </p:spPr>
+        <p:txBody>
+          <a:bodyPr vert="horz" lIns="0" tIns="45720" rIns="0" bIns="45720" rtlCol="0">
+            <a:normAutofit lnSpcReduction="10000"/>
+          </a:bodyPr>
+          <a:lstStyle>
+            <a:lvl1pPr marL="91440" indent="-91440" algn="l" defTabSz="914400" rtl="0" eaLnBrk="1" latinLnBrk="0" hangingPunct="1">
+              <a:lnSpc>
+                <a:spcPct val="90000"/>
+              </a:lnSpc>
+              <a:spcBef>
+                <a:spcPts val="1200"/>
+              </a:spcBef>
+              <a:spcAft>
+                <a:spcPts val="200"/>
+              </a:spcAft>
+              <a:buClr>
+                <a:schemeClr val="accent1"/>
+              </a:buClr>
+              <a:buSzPct val="100000"/>
+              <a:buFont typeface="Calibri" panose="020F0502020204030204" pitchFamily="34" charset="0"/>
+              <a:buChar char=" "/>
+              <a:defRPr sz="2000" kern="1200">
+                <a:solidFill>
+                  <a:schemeClr val="tx1">
+                    <a:lumMod val="75000"/>
+                    <a:lumOff val="25000"/>
+                  </a:schemeClr>
+                </a:solidFill>
+                <a:latin typeface="+mn-lt"/>
+                <a:ea typeface="+mn-ea"/>
+                <a:cs typeface="+mn-cs"/>
+              </a:defRPr>
+            </a:lvl1pPr>
+            <a:lvl2pPr marL="384048" indent="-182880" algn="l" defTabSz="914400" rtl="0" eaLnBrk="1" latinLnBrk="0" hangingPunct="1">
+              <a:lnSpc>
+                <a:spcPct val="90000"/>
+              </a:lnSpc>
+              <a:spcBef>
+                <a:spcPts val="200"/>
+              </a:spcBef>
+              <a:spcAft>
+                <a:spcPts val="400"/>
+              </a:spcAft>
+              <a:buClr>
+                <a:schemeClr val="accent1"/>
+              </a:buClr>
+              <a:buFont typeface="Calibri" pitchFamily="34" charset="0"/>
+              <a:buChar char="◦"/>
+              <a:defRPr sz="1800" kern="1200">
+                <a:solidFill>
+                  <a:schemeClr val="tx1">
+                    <a:lumMod val="75000"/>
+                    <a:lumOff val="25000"/>
+                  </a:schemeClr>
+                </a:solidFill>
+                <a:latin typeface="+mn-lt"/>
+                <a:ea typeface="+mn-ea"/>
+                <a:cs typeface="+mn-cs"/>
+              </a:defRPr>
+            </a:lvl2pPr>
+            <a:lvl3pPr marL="566928" indent="-182880" algn="l" defTabSz="914400" rtl="0" eaLnBrk="1" latinLnBrk="0" hangingPunct="1">
+              <a:lnSpc>
+                <a:spcPct val="90000"/>
+              </a:lnSpc>
+              <a:spcBef>
+                <a:spcPts val="200"/>
+              </a:spcBef>
+              <a:spcAft>
+                <a:spcPts val="400"/>
+              </a:spcAft>
+              <a:buClr>
+                <a:schemeClr val="accent1"/>
+              </a:buClr>
+              <a:buFont typeface="Calibri" pitchFamily="34" charset="0"/>
+              <a:buChar char="◦"/>
+              <a:defRPr sz="1400" kern="1200">
+                <a:solidFill>
+                  <a:schemeClr val="tx1">
+                    <a:lumMod val="75000"/>
+                    <a:lumOff val="25000"/>
+                  </a:schemeClr>
+                </a:solidFill>
+                <a:latin typeface="+mn-lt"/>
+                <a:ea typeface="+mn-ea"/>
+                <a:cs typeface="+mn-cs"/>
+              </a:defRPr>
+            </a:lvl3pPr>
+            <a:lvl4pPr marL="749808" indent="-182880" algn="l" defTabSz="914400" rtl="0" eaLnBrk="1" latinLnBrk="0" hangingPunct="1">
+              <a:lnSpc>
+                <a:spcPct val="90000"/>
+              </a:lnSpc>
+              <a:spcBef>
+                <a:spcPts val="200"/>
+              </a:spcBef>
+              <a:spcAft>
+                <a:spcPts val="400"/>
+              </a:spcAft>
+              <a:buClr>
+                <a:schemeClr val="accent1"/>
+              </a:buClr>
+              <a:buFont typeface="Calibri" pitchFamily="34" charset="0"/>
+              <a:buChar char="◦"/>
+              <a:defRPr sz="1400" kern="1200">
+                <a:solidFill>
+                  <a:schemeClr val="tx1">
+                    <a:lumMod val="75000"/>
+                    <a:lumOff val="25000"/>
+                  </a:schemeClr>
+                </a:solidFill>
+                <a:latin typeface="+mn-lt"/>
+                <a:ea typeface="+mn-ea"/>
+                <a:cs typeface="+mn-cs"/>
+              </a:defRPr>
+            </a:lvl4pPr>
+            <a:lvl5pPr marL="932688" indent="-182880" algn="l" defTabSz="914400" rtl="0" eaLnBrk="1" latinLnBrk="0" hangingPunct="1">
+              <a:lnSpc>
+                <a:spcPct val="90000"/>
+              </a:lnSpc>
+              <a:spcBef>
+                <a:spcPts val="200"/>
+              </a:spcBef>
+              <a:spcAft>
+                <a:spcPts val="400"/>
+              </a:spcAft>
+              <a:buClr>
+                <a:schemeClr val="accent1"/>
+              </a:buClr>
+              <a:buFont typeface="Calibri" pitchFamily="34" charset="0"/>
+              <a:buChar char="◦"/>
+              <a:defRPr sz="1400" kern="1200">
+                <a:solidFill>
+                  <a:schemeClr val="tx1">
+                    <a:lumMod val="75000"/>
+                    <a:lumOff val="25000"/>
+                  </a:schemeClr>
+                </a:solidFill>
+                <a:latin typeface="+mn-lt"/>
+                <a:ea typeface="+mn-ea"/>
+                <a:cs typeface="+mn-cs"/>
+              </a:defRPr>
+            </a:lvl5pPr>
+            <a:lvl6pPr marL="1100000" indent="-228600" algn="l" defTabSz="914400" rtl="0" eaLnBrk="1" latinLnBrk="0" hangingPunct="1">
+              <a:lnSpc>
+                <a:spcPct val="90000"/>
+              </a:lnSpc>
+              <a:spcBef>
+                <a:spcPts val="200"/>
+              </a:spcBef>
+              <a:spcAft>
+                <a:spcPts val="400"/>
+              </a:spcAft>
+              <a:buClr>
+                <a:schemeClr val="accent1"/>
+              </a:buClr>
+              <a:buFont typeface="Calibri" pitchFamily="34" charset="0"/>
+              <a:buChar char="◦"/>
+              <a:defRPr sz="1400" kern="1200">
+                <a:solidFill>
+                  <a:schemeClr val="tx1">
+                    <a:lumMod val="75000"/>
+                    <a:lumOff val="25000"/>
+                  </a:schemeClr>
+                </a:solidFill>
+                <a:latin typeface="+mn-lt"/>
+                <a:ea typeface="+mn-ea"/>
+                <a:cs typeface="+mn-cs"/>
+              </a:defRPr>
+            </a:lvl6pPr>
+            <a:lvl7pPr marL="1300000" indent="-228600" algn="l" defTabSz="914400" rtl="0" eaLnBrk="1" latinLnBrk="0" hangingPunct="1">
+              <a:lnSpc>
+                <a:spcPct val="90000"/>
+              </a:lnSpc>
+              <a:spcBef>
+                <a:spcPts val="200"/>
+              </a:spcBef>
+              <a:spcAft>
+                <a:spcPts val="400"/>
+              </a:spcAft>
+              <a:buClr>
+                <a:schemeClr val="accent1"/>
+              </a:buClr>
+              <a:buFont typeface="Calibri" pitchFamily="34" charset="0"/>
+              <a:buChar char="◦"/>
+              <a:defRPr sz="1400" kern="1200">
+                <a:solidFill>
+                  <a:schemeClr val="tx1">
+                    <a:lumMod val="75000"/>
+                    <a:lumOff val="25000"/>
+                  </a:schemeClr>
+                </a:solidFill>
+                <a:latin typeface="+mn-lt"/>
+                <a:ea typeface="+mn-ea"/>
+                <a:cs typeface="+mn-cs"/>
+              </a:defRPr>
+            </a:lvl7pPr>
+            <a:lvl8pPr marL="1500000" indent="-228600" algn="l" defTabSz="914400" rtl="0" eaLnBrk="1" latinLnBrk="0" hangingPunct="1">
+              <a:lnSpc>
+                <a:spcPct val="90000"/>
+              </a:lnSpc>
+              <a:spcBef>
+                <a:spcPts val="200"/>
+              </a:spcBef>
+              <a:spcAft>
+                <a:spcPts val="400"/>
+              </a:spcAft>
+              <a:buClr>
+                <a:schemeClr val="accent1"/>
+              </a:buClr>
+              <a:buFont typeface="Calibri" pitchFamily="34" charset="0"/>
+              <a:buChar char="◦"/>
+              <a:defRPr sz="1400" kern="1200">
+                <a:solidFill>
+                  <a:schemeClr val="tx1">
+                    <a:lumMod val="75000"/>
+                    <a:lumOff val="25000"/>
+                  </a:schemeClr>
+                </a:solidFill>
+                <a:latin typeface="+mn-lt"/>
+                <a:ea typeface="+mn-ea"/>
+                <a:cs typeface="+mn-cs"/>
+              </a:defRPr>
+            </a:lvl8pPr>
+            <a:lvl9pPr marL="1700000" indent="-228600" algn="l" defTabSz="914400" rtl="0" eaLnBrk="1" latinLnBrk="0" hangingPunct="1">
+              <a:lnSpc>
+                <a:spcPct val="90000"/>
+              </a:lnSpc>
+              <a:spcBef>
+                <a:spcPts val="200"/>
+              </a:spcBef>
+              <a:spcAft>
+                <a:spcPts val="400"/>
+              </a:spcAft>
+              <a:buClr>
+                <a:schemeClr val="accent1"/>
+              </a:buClr>
+              <a:buFont typeface="Calibri" pitchFamily="34" charset="0"/>
+              <a:buChar char="◦"/>
+              <a:defRPr sz="1400" kern="1200">
+                <a:solidFill>
+                  <a:schemeClr val="tx1">
+                    <a:lumMod val="75000"/>
+                    <a:lumOff val="25000"/>
+                  </a:schemeClr>
+                </a:solidFill>
+                <a:latin typeface="+mn-lt"/>
+                <a:ea typeface="+mn-ea"/>
+                <a:cs typeface="+mn-cs"/>
+              </a:defRPr>
+            </a:lvl9pPr>
+          </a:lstStyle>
+          <a:p>
+            <a:pPr>
+              <a:buFont typeface="Arial" panose="020B0604020202020204" pitchFamily="34" charset="0"/>
+              <a:buChar char="•"/>
+            </a:pPr>
+            <a:r>
+              <a:rPr lang="en-US" sz="2800" dirty="0"/>
+              <a:t> Content-based recommendation system</a:t>
+            </a:r>
+          </a:p>
+          <a:p>
+            <a:pPr lvl="1">
+              <a:buFont typeface="Arial" panose="020B0604020202020204" pitchFamily="34" charset="0"/>
+              <a:buChar char="•"/>
+            </a:pPr>
+            <a:r>
+              <a:rPr lang="en-US" sz="2000" dirty="0"/>
+              <a:t>Recommended items for six different combinations of features: Director, cast, rating, </a:t>
+            </a:r>
+            <a:r>
+              <a:rPr lang="en-US" sz="2000" dirty="0" err="1"/>
+              <a:t>listed_in</a:t>
+            </a:r>
+            <a:r>
+              <a:rPr lang="en-US" sz="2000" dirty="0"/>
+              <a:t>, description</a:t>
+            </a:r>
+          </a:p>
+        </p:txBody>
+      </p:sp>
+      <p:pic>
+        <p:nvPicPr>
+          <p:cNvPr id="1026" name="Picture 2">
+            <a:extLst>
+              <a:ext uri="{FF2B5EF4-FFF2-40B4-BE49-F238E27FC236}">
+                <a16:creationId xmlns:a16="http://schemas.microsoft.com/office/drawing/2014/main" id="{94C0587D-8942-489C-8DFA-261B7F5E3A15}"/>
+              </a:ext>
+            </a:extLst>
+          </p:cNvPr>
+          <p:cNvPicPr>
+            <a:picLocks noChangeAspect="1" noChangeArrowheads="1"/>
+          </p:cNvPicPr>
+          <p:nvPr/>
+        </p:nvPicPr>
+        <p:blipFill>
+          <a:blip r:embed="rId4">
+            <a:extLst>
+              <a:ext uri="{28A0092B-C50C-407E-A947-70E740481C1C}">
+                <a14:useLocalDpi xmlns:a14="http://schemas.microsoft.com/office/drawing/2010/main" val="0"/>
+              </a:ext>
+            </a:extLst>
+          </a:blip>
+          <a:srcRect/>
+          <a:stretch>
+            <a:fillRect/>
+          </a:stretch>
+        </p:blipFill>
+        <p:spPr bwMode="auto">
+          <a:xfrm>
+            <a:off x="392991" y="2821048"/>
+            <a:ext cx="3661151" cy="1598211"/>
+          </a:xfrm>
+          <a:prstGeom prst="rect">
+            <a:avLst/>
+          </a:prstGeom>
+          <a:noFill/>
+          <a:extLst>
+            <a:ext uri="{909E8E84-426E-40DD-AFC4-6F175D3DCCD1}">
+              <a14:hiddenFill xmlns:a14="http://schemas.microsoft.com/office/drawing/2010/main">
+                <a:solidFill>
+                  <a:srgbClr val="FFFFFF"/>
+                </a:solidFill>
+              </a14:hiddenFill>
+            </a:ext>
+          </a:extLst>
+        </p:spPr>
+      </p:pic>
+      <p:pic>
+        <p:nvPicPr>
+          <p:cNvPr id="1028" name="Picture 4">
+            <a:extLst>
+              <a:ext uri="{FF2B5EF4-FFF2-40B4-BE49-F238E27FC236}">
+                <a16:creationId xmlns:a16="http://schemas.microsoft.com/office/drawing/2014/main" id="{7CF93BDB-C74C-A4FD-B560-42713672A431}"/>
+              </a:ext>
+            </a:extLst>
+          </p:cNvPr>
+          <p:cNvPicPr>
+            <a:picLocks noChangeAspect="1" noChangeArrowheads="1"/>
+          </p:cNvPicPr>
+          <p:nvPr/>
+        </p:nvPicPr>
+        <p:blipFill>
+          <a:blip r:embed="rId5">
+            <a:extLst>
+              <a:ext uri="{28A0092B-C50C-407E-A947-70E740481C1C}">
+                <a14:useLocalDpi xmlns:a14="http://schemas.microsoft.com/office/drawing/2010/main" val="0"/>
+              </a:ext>
+            </a:extLst>
+          </a:blip>
+          <a:srcRect/>
+          <a:stretch>
+            <a:fillRect/>
+          </a:stretch>
+        </p:blipFill>
+        <p:spPr bwMode="auto">
+          <a:xfrm>
+            <a:off x="4077524" y="2826052"/>
+            <a:ext cx="3541757" cy="1613531"/>
+          </a:xfrm>
+          <a:prstGeom prst="rect">
+            <a:avLst/>
+          </a:prstGeom>
+          <a:noFill/>
+          <a:extLst>
+            <a:ext uri="{909E8E84-426E-40DD-AFC4-6F175D3DCCD1}">
+              <a14:hiddenFill xmlns:a14="http://schemas.microsoft.com/office/drawing/2010/main">
+                <a:solidFill>
+                  <a:srgbClr val="FFFFFF"/>
+                </a:solidFill>
+              </a14:hiddenFill>
+            </a:ext>
+          </a:extLst>
+        </p:spPr>
+      </p:pic>
+      <p:pic>
+        <p:nvPicPr>
+          <p:cNvPr id="1030" name="Picture 6">
+            <a:extLst>
+              <a:ext uri="{FF2B5EF4-FFF2-40B4-BE49-F238E27FC236}">
+                <a16:creationId xmlns:a16="http://schemas.microsoft.com/office/drawing/2014/main" id="{46606A77-A5AE-4379-3C78-866BD2C79EB9}"/>
+              </a:ext>
+            </a:extLst>
+          </p:cNvPr>
+          <p:cNvPicPr>
+            <a:picLocks noChangeAspect="1" noChangeArrowheads="1"/>
+          </p:cNvPicPr>
+          <p:nvPr/>
+        </p:nvPicPr>
+        <p:blipFill>
+          <a:blip r:embed="rId6">
+            <a:extLst>
+              <a:ext uri="{28A0092B-C50C-407E-A947-70E740481C1C}">
+                <a14:useLocalDpi xmlns:a14="http://schemas.microsoft.com/office/drawing/2010/main" val="0"/>
+              </a:ext>
+            </a:extLst>
+          </a:blip>
+          <a:srcRect/>
+          <a:stretch>
+            <a:fillRect/>
+          </a:stretch>
+        </p:blipFill>
+        <p:spPr bwMode="auto">
+          <a:xfrm>
+            <a:off x="7613644" y="2838343"/>
+            <a:ext cx="3887848" cy="1588947"/>
+          </a:xfrm>
+          <a:prstGeom prst="rect">
+            <a:avLst/>
+          </a:prstGeom>
+          <a:noFill/>
+          <a:extLst>
+            <a:ext uri="{909E8E84-426E-40DD-AFC4-6F175D3DCCD1}">
+              <a14:hiddenFill xmlns:a14="http://schemas.microsoft.com/office/drawing/2010/main">
+                <a:solidFill>
+                  <a:srgbClr val="FFFFFF"/>
+                </a:solidFill>
+              </a14:hiddenFill>
+            </a:ext>
+          </a:extLst>
+        </p:spPr>
+      </p:pic>
+      <p:pic>
+        <p:nvPicPr>
+          <p:cNvPr id="1036" name="Picture 12">
+            <a:extLst>
+              <a:ext uri="{FF2B5EF4-FFF2-40B4-BE49-F238E27FC236}">
+                <a16:creationId xmlns:a16="http://schemas.microsoft.com/office/drawing/2014/main" id="{056F51A7-45A2-8BBC-F9BE-E9871CA4307C}"/>
+              </a:ext>
+            </a:extLst>
+          </p:cNvPr>
+          <p:cNvPicPr>
+            <a:picLocks noChangeAspect="1" noChangeArrowheads="1"/>
+          </p:cNvPicPr>
+          <p:nvPr/>
+        </p:nvPicPr>
+        <p:blipFill>
+          <a:blip r:embed="rId7">
+            <a:extLst>
+              <a:ext uri="{28A0092B-C50C-407E-A947-70E740481C1C}">
+                <a14:useLocalDpi xmlns:a14="http://schemas.microsoft.com/office/drawing/2010/main" val="0"/>
+              </a:ext>
+            </a:extLst>
+          </a:blip>
+          <a:srcRect/>
+          <a:stretch>
+            <a:fillRect/>
+          </a:stretch>
+        </p:blipFill>
+        <p:spPr bwMode="auto">
+          <a:xfrm>
+            <a:off x="7761766" y="4491904"/>
+            <a:ext cx="4040862" cy="1685685"/>
+          </a:xfrm>
+          <a:prstGeom prst="rect">
+            <a:avLst/>
+          </a:prstGeom>
+          <a:noFill/>
+          <a:extLst>
+            <a:ext uri="{909E8E84-426E-40DD-AFC4-6F175D3DCCD1}">
+              <a14:hiddenFill xmlns:a14="http://schemas.microsoft.com/office/drawing/2010/main">
+                <a:solidFill>
+                  <a:srgbClr val="FFFFFF"/>
+                </a:solidFill>
+              </a14:hiddenFill>
+            </a:ext>
+          </a:extLst>
+        </p:spPr>
+      </p:pic>
+      <p:sp>
+        <p:nvSpPr>
+          <p:cNvPr id="13" name="TextBox 12">
+            <a:extLst>
+              <a:ext uri="{FF2B5EF4-FFF2-40B4-BE49-F238E27FC236}">
+                <a16:creationId xmlns:a16="http://schemas.microsoft.com/office/drawing/2014/main" id="{AD753392-B649-ED41-3544-81A10D603872}"/>
+              </a:ext>
+            </a:extLst>
+          </p:cNvPr>
+          <p:cNvSpPr txBox="1"/>
+          <p:nvPr/>
+        </p:nvSpPr>
+        <p:spPr>
+          <a:xfrm>
+            <a:off x="4421229" y="2452511"/>
+            <a:ext cx="2591393" cy="369332"/>
+          </a:xfrm>
+          <a:prstGeom prst="rect">
+            <a:avLst/>
+          </a:prstGeom>
+          <a:noFill/>
+        </p:spPr>
+        <p:txBody>
+          <a:bodyPr wrap="square">
+            <a:spAutoFit/>
+          </a:bodyPr>
+          <a:lstStyle/>
+          <a:p>
+            <a:r>
+              <a:rPr lang="en-US" dirty="0"/>
+              <a:t>'too hot to handle: </a:t>
+            </a:r>
+            <a:r>
+              <a:rPr lang="en-US" dirty="0" err="1"/>
+              <a:t>brazil</a:t>
+            </a:r>
+            <a:r>
+              <a:rPr lang="en-US" dirty="0"/>
+              <a:t>'</a:t>
+            </a:r>
+          </a:p>
+        </p:txBody>
+      </p:sp>
     </p:spTree>
     <p:extLst>
       <p:ext uri="{BB962C8B-B14F-4D97-AF65-F5344CB8AC3E}">
-        <p14:creationId xmlns:p14="http://schemas.microsoft.com/office/powerpoint/2010/main" val="574897119"/>
+        <p14:creationId xmlns:p14="http://schemas.microsoft.com/office/powerpoint/2010/main" val="1284021902"/>
       </p:ext>
     </p:extLst>
   </p:cSld>
@@ -4401,65 +6214,12 @@
           <a:chExt cx="0" cy="0"/>
         </a:xfrm>
       </p:grpSpPr>
-      <p:sp>
-        <p:nvSpPr>
-          <p:cNvPr id="2" name="Title 1">
+      <p:pic>
+        <p:nvPicPr>
+          <p:cNvPr id="6" name="Picture 5" descr="Chart&#10;&#10;Description automatically generated">
             <a:extLst>
               <a:ext uri="{FF2B5EF4-FFF2-40B4-BE49-F238E27FC236}">
-                <a16:creationId xmlns:a16="http://schemas.microsoft.com/office/drawing/2014/main" id="{CE019EEA-7698-4279-B967-A88F8498B618}"/>
-              </a:ext>
-            </a:extLst>
-          </p:cNvPr>
-          <p:cNvSpPr>
-            <a:spLocks noGrp="1"/>
-          </p:cNvSpPr>
-          <p:nvPr>
-            <p:ph type="title"/>
-          </p:nvPr>
-        </p:nvSpPr>
-        <p:spPr>
-          <a:xfrm>
-            <a:off x="838200" y="807868"/>
-            <a:ext cx="10515600" cy="882820"/>
-          </a:xfrm>
-        </p:spPr>
-        <p:txBody>
-          <a:bodyPr>
-            <a:normAutofit/>
-          </a:bodyPr>
-          <a:lstStyle/>
-          <a:p>
-            <a:pPr marL="571500" indent="-571500">
-              <a:buFont typeface="Arial" panose="020B0604020202020204" pitchFamily="34" charset="0"/>
-              <a:buChar char="•"/>
-            </a:pPr>
-            <a:r>
-              <a:rPr lang="en-US" sz="2800" dirty="0">
-                <a:latin typeface="+mn-lt"/>
-              </a:rPr>
-              <a:t>Representative example for a Movie based on com_feature5: 'director', 'cast', 'rating', '</a:t>
-            </a:r>
-            <a:r>
-              <a:rPr lang="en-US" sz="2800" dirty="0" err="1">
-                <a:latin typeface="+mn-lt"/>
-              </a:rPr>
-              <a:t>listed_in</a:t>
-            </a:r>
-            <a:r>
-              <a:rPr lang="en-US" sz="2800" dirty="0">
-                <a:latin typeface="+mn-lt"/>
-              </a:rPr>
-              <a:t>', 'description’</a:t>
-            </a:r>
-          </a:p>
-        </p:txBody>
-      </p:sp>
-      <p:pic>
-        <p:nvPicPr>
-          <p:cNvPr id="9" name="Picture 8" descr="Chart&#10;&#10;Description automatically generated">
-            <a:extLst>
-              <a:ext uri="{FF2B5EF4-FFF2-40B4-BE49-F238E27FC236}">
-                <a16:creationId xmlns:a16="http://schemas.microsoft.com/office/drawing/2014/main" id="{74B28F19-7831-536A-32B4-0B3AAC3D41CE}"/>
+                <a16:creationId xmlns:a16="http://schemas.microsoft.com/office/drawing/2014/main" id="{61044953-936A-1C02-64F1-D76F7D10CA04}"/>
               </a:ext>
             </a:extLst>
           </p:cNvPr>
@@ -4468,7 +6228,7 @@
           </p:cNvPicPr>
           <p:nvPr/>
         </p:nvPicPr>
-        <p:blipFill>
+        <p:blipFill rotWithShape="1">
           <a:blip r:embed="rId2">
             <a:extLst>
               <a:ext uri="{28A0092B-C50C-407E-A947-70E740481C1C}">
@@ -4476,24 +6236,401 @@
               </a:ext>
             </a:extLst>
           </a:blip>
-          <a:stretch>
-            <a:fillRect/>
-          </a:stretch>
+          <a:srcRect b="4840"/>
+          <a:stretch/>
         </p:blipFill>
         <p:spPr>
           <a:xfrm>
-            <a:off x="2167000" y="1855451"/>
-            <a:ext cx="7059010" cy="3715268"/>
+            <a:off x="1533760" y="2686806"/>
+            <a:ext cx="8169534" cy="3136946"/>
           </a:xfrm>
           <a:prstGeom prst="rect">
             <a:avLst/>
           </a:prstGeom>
         </p:spPr>
       </p:pic>
+      <p:sp>
+        <p:nvSpPr>
+          <p:cNvPr id="7" name="Title 1">
+            <a:extLst>
+              <a:ext uri="{FF2B5EF4-FFF2-40B4-BE49-F238E27FC236}">
+                <a16:creationId xmlns:a16="http://schemas.microsoft.com/office/drawing/2014/main" id="{B7DFA09D-0F65-FD05-B517-8C00D2AD55F7}"/>
+              </a:ext>
+            </a:extLst>
+          </p:cNvPr>
+          <p:cNvSpPr>
+            <a:spLocks noGrp="1"/>
+          </p:cNvSpPr>
+          <p:nvPr>
+            <p:ph type="title"/>
+          </p:nvPr>
+        </p:nvSpPr>
+        <p:spPr>
+          <a:xfrm>
+            <a:off x="1097280" y="286603"/>
+            <a:ext cx="10058400" cy="1450757"/>
+          </a:xfrm>
+        </p:spPr>
+        <p:txBody>
+          <a:bodyPr>
+            <a:normAutofit/>
+          </a:bodyPr>
+          <a:lstStyle/>
+          <a:p>
+            <a:r>
+              <a:rPr lang="en-US" dirty="0"/>
+              <a:t>Netflix shows recommendation </a:t>
+            </a:r>
+          </a:p>
+        </p:txBody>
+      </p:sp>
+      <p:sp>
+        <p:nvSpPr>
+          <p:cNvPr id="9" name="Content Placeholder 2">
+            <a:extLst>
+              <a:ext uri="{FF2B5EF4-FFF2-40B4-BE49-F238E27FC236}">
+                <a16:creationId xmlns:a16="http://schemas.microsoft.com/office/drawing/2014/main" id="{820AE9A2-EB51-80AA-B2C2-90A83F81A392}"/>
+              </a:ext>
+            </a:extLst>
+          </p:cNvPr>
+          <p:cNvSpPr txBox="1">
+            <a:spLocks/>
+          </p:cNvSpPr>
+          <p:nvPr/>
+        </p:nvSpPr>
+        <p:spPr>
+          <a:xfrm>
+            <a:off x="819062" y="1755438"/>
+            <a:ext cx="10215882" cy="1254092"/>
+          </a:xfrm>
+          <a:prstGeom prst="rect">
+            <a:avLst/>
+          </a:prstGeom>
+        </p:spPr>
+        <p:txBody>
+          <a:bodyPr vert="horz" lIns="0" tIns="45720" rIns="0" bIns="45720" rtlCol="0">
+            <a:normAutofit/>
+          </a:bodyPr>
+          <a:lstStyle>
+            <a:lvl1pPr marL="91440" indent="-91440" algn="l" defTabSz="914400" rtl="0" eaLnBrk="1" latinLnBrk="0" hangingPunct="1">
+              <a:lnSpc>
+                <a:spcPct val="90000"/>
+              </a:lnSpc>
+              <a:spcBef>
+                <a:spcPts val="1200"/>
+              </a:spcBef>
+              <a:spcAft>
+                <a:spcPts val="200"/>
+              </a:spcAft>
+              <a:buClr>
+                <a:schemeClr val="accent1"/>
+              </a:buClr>
+              <a:buSzPct val="100000"/>
+              <a:buFont typeface="Calibri" panose="020F0502020204030204" pitchFamily="34" charset="0"/>
+              <a:buChar char=" "/>
+              <a:defRPr sz="2000" kern="1200">
+                <a:solidFill>
+                  <a:schemeClr val="tx1">
+                    <a:lumMod val="75000"/>
+                    <a:lumOff val="25000"/>
+                  </a:schemeClr>
+                </a:solidFill>
+                <a:latin typeface="+mn-lt"/>
+                <a:ea typeface="+mn-ea"/>
+                <a:cs typeface="+mn-cs"/>
+              </a:defRPr>
+            </a:lvl1pPr>
+            <a:lvl2pPr marL="384048" indent="-182880" algn="l" defTabSz="914400" rtl="0" eaLnBrk="1" latinLnBrk="0" hangingPunct="1">
+              <a:lnSpc>
+                <a:spcPct val="90000"/>
+              </a:lnSpc>
+              <a:spcBef>
+                <a:spcPts val="200"/>
+              </a:spcBef>
+              <a:spcAft>
+                <a:spcPts val="400"/>
+              </a:spcAft>
+              <a:buClr>
+                <a:schemeClr val="accent1"/>
+              </a:buClr>
+              <a:buFont typeface="Calibri" pitchFamily="34" charset="0"/>
+              <a:buChar char="◦"/>
+              <a:defRPr sz="1800" kern="1200">
+                <a:solidFill>
+                  <a:schemeClr val="tx1">
+                    <a:lumMod val="75000"/>
+                    <a:lumOff val="25000"/>
+                  </a:schemeClr>
+                </a:solidFill>
+                <a:latin typeface="+mn-lt"/>
+                <a:ea typeface="+mn-ea"/>
+                <a:cs typeface="+mn-cs"/>
+              </a:defRPr>
+            </a:lvl2pPr>
+            <a:lvl3pPr marL="566928" indent="-182880" algn="l" defTabSz="914400" rtl="0" eaLnBrk="1" latinLnBrk="0" hangingPunct="1">
+              <a:lnSpc>
+                <a:spcPct val="90000"/>
+              </a:lnSpc>
+              <a:spcBef>
+                <a:spcPts val="200"/>
+              </a:spcBef>
+              <a:spcAft>
+                <a:spcPts val="400"/>
+              </a:spcAft>
+              <a:buClr>
+                <a:schemeClr val="accent1"/>
+              </a:buClr>
+              <a:buFont typeface="Calibri" pitchFamily="34" charset="0"/>
+              <a:buChar char="◦"/>
+              <a:defRPr sz="1400" kern="1200">
+                <a:solidFill>
+                  <a:schemeClr val="tx1">
+                    <a:lumMod val="75000"/>
+                    <a:lumOff val="25000"/>
+                  </a:schemeClr>
+                </a:solidFill>
+                <a:latin typeface="+mn-lt"/>
+                <a:ea typeface="+mn-ea"/>
+                <a:cs typeface="+mn-cs"/>
+              </a:defRPr>
+            </a:lvl3pPr>
+            <a:lvl4pPr marL="749808" indent="-182880" algn="l" defTabSz="914400" rtl="0" eaLnBrk="1" latinLnBrk="0" hangingPunct="1">
+              <a:lnSpc>
+                <a:spcPct val="90000"/>
+              </a:lnSpc>
+              <a:spcBef>
+                <a:spcPts val="200"/>
+              </a:spcBef>
+              <a:spcAft>
+                <a:spcPts val="400"/>
+              </a:spcAft>
+              <a:buClr>
+                <a:schemeClr val="accent1"/>
+              </a:buClr>
+              <a:buFont typeface="Calibri" pitchFamily="34" charset="0"/>
+              <a:buChar char="◦"/>
+              <a:defRPr sz="1400" kern="1200">
+                <a:solidFill>
+                  <a:schemeClr val="tx1">
+                    <a:lumMod val="75000"/>
+                    <a:lumOff val="25000"/>
+                  </a:schemeClr>
+                </a:solidFill>
+                <a:latin typeface="+mn-lt"/>
+                <a:ea typeface="+mn-ea"/>
+                <a:cs typeface="+mn-cs"/>
+              </a:defRPr>
+            </a:lvl4pPr>
+            <a:lvl5pPr marL="932688" indent="-182880" algn="l" defTabSz="914400" rtl="0" eaLnBrk="1" latinLnBrk="0" hangingPunct="1">
+              <a:lnSpc>
+                <a:spcPct val="90000"/>
+              </a:lnSpc>
+              <a:spcBef>
+                <a:spcPts val="200"/>
+              </a:spcBef>
+              <a:spcAft>
+                <a:spcPts val="400"/>
+              </a:spcAft>
+              <a:buClr>
+                <a:schemeClr val="accent1"/>
+              </a:buClr>
+              <a:buFont typeface="Calibri" pitchFamily="34" charset="0"/>
+              <a:buChar char="◦"/>
+              <a:defRPr sz="1400" kern="1200">
+                <a:solidFill>
+                  <a:schemeClr val="tx1">
+                    <a:lumMod val="75000"/>
+                    <a:lumOff val="25000"/>
+                  </a:schemeClr>
+                </a:solidFill>
+                <a:latin typeface="+mn-lt"/>
+                <a:ea typeface="+mn-ea"/>
+                <a:cs typeface="+mn-cs"/>
+              </a:defRPr>
+            </a:lvl5pPr>
+            <a:lvl6pPr marL="1100000" indent="-228600" algn="l" defTabSz="914400" rtl="0" eaLnBrk="1" latinLnBrk="0" hangingPunct="1">
+              <a:lnSpc>
+                <a:spcPct val="90000"/>
+              </a:lnSpc>
+              <a:spcBef>
+                <a:spcPts val="200"/>
+              </a:spcBef>
+              <a:spcAft>
+                <a:spcPts val="400"/>
+              </a:spcAft>
+              <a:buClr>
+                <a:schemeClr val="accent1"/>
+              </a:buClr>
+              <a:buFont typeface="Calibri" pitchFamily="34" charset="0"/>
+              <a:buChar char="◦"/>
+              <a:defRPr sz="1400" kern="1200">
+                <a:solidFill>
+                  <a:schemeClr val="tx1">
+                    <a:lumMod val="75000"/>
+                    <a:lumOff val="25000"/>
+                  </a:schemeClr>
+                </a:solidFill>
+                <a:latin typeface="+mn-lt"/>
+                <a:ea typeface="+mn-ea"/>
+                <a:cs typeface="+mn-cs"/>
+              </a:defRPr>
+            </a:lvl6pPr>
+            <a:lvl7pPr marL="1300000" indent="-228600" algn="l" defTabSz="914400" rtl="0" eaLnBrk="1" latinLnBrk="0" hangingPunct="1">
+              <a:lnSpc>
+                <a:spcPct val="90000"/>
+              </a:lnSpc>
+              <a:spcBef>
+                <a:spcPts val="200"/>
+              </a:spcBef>
+              <a:spcAft>
+                <a:spcPts val="400"/>
+              </a:spcAft>
+              <a:buClr>
+                <a:schemeClr val="accent1"/>
+              </a:buClr>
+              <a:buFont typeface="Calibri" pitchFamily="34" charset="0"/>
+              <a:buChar char="◦"/>
+              <a:defRPr sz="1400" kern="1200">
+                <a:solidFill>
+                  <a:schemeClr val="tx1">
+                    <a:lumMod val="75000"/>
+                    <a:lumOff val="25000"/>
+                  </a:schemeClr>
+                </a:solidFill>
+                <a:latin typeface="+mn-lt"/>
+                <a:ea typeface="+mn-ea"/>
+                <a:cs typeface="+mn-cs"/>
+              </a:defRPr>
+            </a:lvl7pPr>
+            <a:lvl8pPr marL="1500000" indent="-228600" algn="l" defTabSz="914400" rtl="0" eaLnBrk="1" latinLnBrk="0" hangingPunct="1">
+              <a:lnSpc>
+                <a:spcPct val="90000"/>
+              </a:lnSpc>
+              <a:spcBef>
+                <a:spcPts val="200"/>
+              </a:spcBef>
+              <a:spcAft>
+                <a:spcPts val="400"/>
+              </a:spcAft>
+              <a:buClr>
+                <a:schemeClr val="accent1"/>
+              </a:buClr>
+              <a:buFont typeface="Calibri" pitchFamily="34" charset="0"/>
+              <a:buChar char="◦"/>
+              <a:defRPr sz="1400" kern="1200">
+                <a:solidFill>
+                  <a:schemeClr val="tx1">
+                    <a:lumMod val="75000"/>
+                    <a:lumOff val="25000"/>
+                  </a:schemeClr>
+                </a:solidFill>
+                <a:latin typeface="+mn-lt"/>
+                <a:ea typeface="+mn-ea"/>
+                <a:cs typeface="+mn-cs"/>
+              </a:defRPr>
+            </a:lvl8pPr>
+            <a:lvl9pPr marL="1700000" indent="-228600" algn="l" defTabSz="914400" rtl="0" eaLnBrk="1" latinLnBrk="0" hangingPunct="1">
+              <a:lnSpc>
+                <a:spcPct val="90000"/>
+              </a:lnSpc>
+              <a:spcBef>
+                <a:spcPts val="200"/>
+              </a:spcBef>
+              <a:spcAft>
+                <a:spcPts val="400"/>
+              </a:spcAft>
+              <a:buClr>
+                <a:schemeClr val="accent1"/>
+              </a:buClr>
+              <a:buFont typeface="Calibri" pitchFamily="34" charset="0"/>
+              <a:buChar char="◦"/>
+              <a:defRPr sz="1400" kern="1200">
+                <a:solidFill>
+                  <a:schemeClr val="tx1">
+                    <a:lumMod val="75000"/>
+                    <a:lumOff val="25000"/>
+                  </a:schemeClr>
+                </a:solidFill>
+                <a:latin typeface="+mn-lt"/>
+                <a:ea typeface="+mn-ea"/>
+                <a:cs typeface="+mn-cs"/>
+              </a:defRPr>
+            </a:lvl9pPr>
+          </a:lstStyle>
+          <a:p>
+            <a:pPr>
+              <a:buFont typeface="Arial" panose="020B0604020202020204" pitchFamily="34" charset="0"/>
+              <a:buChar char="•"/>
+            </a:pPr>
+            <a:r>
+              <a:rPr lang="en-US" sz="2800" dirty="0"/>
+              <a:t> Content-based recommendation system</a:t>
+            </a:r>
+          </a:p>
+          <a:p>
+            <a:pPr lvl="1">
+              <a:buFont typeface="Arial" panose="020B0604020202020204" pitchFamily="34" charset="0"/>
+              <a:buChar char="•"/>
+            </a:pPr>
+            <a:r>
+              <a:rPr lang="en-US" sz="2000" dirty="0"/>
+              <a:t>Representative example for a TV show </a:t>
+            </a:r>
+            <a:r>
+              <a:rPr lang="en-US" altLang="zh-CN" sz="2000" dirty="0"/>
+              <a:t>based on features: Director, cast, rating, </a:t>
+            </a:r>
+            <a:r>
+              <a:rPr lang="en-US" altLang="zh-CN" sz="2000" dirty="0" err="1"/>
+              <a:t>listed_in</a:t>
+            </a:r>
+            <a:r>
+              <a:rPr lang="en-US" altLang="zh-CN" sz="2000" dirty="0"/>
+              <a:t>, description</a:t>
+            </a:r>
+            <a:endParaRPr lang="en-US" sz="2000" dirty="0"/>
+          </a:p>
+        </p:txBody>
+      </p:sp>
+      <p:sp>
+        <p:nvSpPr>
+          <p:cNvPr id="2" name="TextBox 1">
+            <a:extLst>
+              <a:ext uri="{FF2B5EF4-FFF2-40B4-BE49-F238E27FC236}">
+                <a16:creationId xmlns:a16="http://schemas.microsoft.com/office/drawing/2014/main" id="{15C1BD34-12F7-C867-3811-F4FCC293D511}"/>
+              </a:ext>
+            </a:extLst>
+          </p:cNvPr>
+          <p:cNvSpPr txBox="1"/>
+          <p:nvPr/>
+        </p:nvSpPr>
+        <p:spPr>
+          <a:xfrm>
+            <a:off x="5605343" y="5823752"/>
+            <a:ext cx="856325" cy="307777"/>
+          </a:xfrm>
+          <a:prstGeom prst="rect">
+            <a:avLst/>
+          </a:prstGeom>
+          <a:noFill/>
+        </p:spPr>
+        <p:txBody>
+          <a:bodyPr wrap="none" rtlCol="0">
+            <a:spAutoFit/>
+          </a:bodyPr>
+          <a:lstStyle/>
+          <a:p>
+            <a:r>
+              <a:rPr lang="en-US" sz="1400" dirty="0"/>
+              <a:t>similarity</a:t>
+            </a:r>
+          </a:p>
+        </p:txBody>
+      </p:sp>
     </p:spTree>
     <p:extLst>
       <p:ext uri="{BB962C8B-B14F-4D97-AF65-F5344CB8AC3E}">
-        <p14:creationId xmlns:p14="http://schemas.microsoft.com/office/powerpoint/2010/main" val="3733999983"/>
+        <p14:creationId xmlns:p14="http://schemas.microsoft.com/office/powerpoint/2010/main" val="1608867710"/>
       </p:ext>
     </p:extLst>
   </p:cSld>
@@ -4522,10 +6659,10 @@
       </p:grpSpPr>
       <p:sp>
         <p:nvSpPr>
-          <p:cNvPr id="2" name="Title 1">
+          <p:cNvPr id="7" name="Title 1">
             <a:extLst>
               <a:ext uri="{FF2B5EF4-FFF2-40B4-BE49-F238E27FC236}">
-                <a16:creationId xmlns:a16="http://schemas.microsoft.com/office/drawing/2014/main" id="{695A89CF-45D1-44AF-BCFB-92DE6CFE1F2C}"/>
+                <a16:creationId xmlns:a16="http://schemas.microsoft.com/office/drawing/2014/main" id="{B7DFA09D-0F65-FD05-B517-8C00D2AD55F7}"/>
               </a:ext>
             </a:extLst>
           </p:cNvPr>
@@ -4538,41 +6675,8 @@
         </p:nvSpPr>
         <p:spPr>
           <a:xfrm>
-            <a:off x="749424" y="365125"/>
-            <a:ext cx="10515600" cy="1325563"/>
-          </a:xfrm>
-        </p:spPr>
-        <p:txBody>
-          <a:bodyPr/>
-          <a:lstStyle/>
-          <a:p>
-            <a:r>
-              <a:rPr lang="en-US" dirty="0"/>
-              <a:t>Conclusion</a:t>
-            </a:r>
-          </a:p>
-        </p:txBody>
-      </p:sp>
-      <p:sp>
-        <p:nvSpPr>
-          <p:cNvPr id="3" name="Content Placeholder 2">
-            <a:extLst>
-              <a:ext uri="{FF2B5EF4-FFF2-40B4-BE49-F238E27FC236}">
-                <a16:creationId xmlns:a16="http://schemas.microsoft.com/office/drawing/2014/main" id="{0CC1F179-A32A-47D5-AD5E-8A6C69EA004D}"/>
-              </a:ext>
-            </a:extLst>
-          </p:cNvPr>
-          <p:cNvSpPr>
-            <a:spLocks noGrp="1"/>
-          </p:cNvSpPr>
-          <p:nvPr>
-            <p:ph idx="1"/>
-          </p:nvPr>
-        </p:nvSpPr>
-        <p:spPr>
-          <a:xfrm>
-            <a:off x="838201" y="1825625"/>
-            <a:ext cx="9122546" cy="3403323"/>
+            <a:off x="1097280" y="286603"/>
+            <a:ext cx="10058400" cy="1450757"/>
           </a:xfrm>
         </p:spPr>
         <p:txBody>
@@ -4582,30 +6686,394 @@
           <a:lstStyle/>
           <a:p>
             <a:r>
-              <a:rPr lang="en-US" sz="3200" dirty="0"/>
-              <a:t>A content-based recommendation system based on the input title was successfully developed</a:t>
-            </a:r>
-          </a:p>
-          <a:p>
-            <a:pPr lvl="1"/>
+              <a:rPr lang="en-US" dirty="0"/>
+              <a:t>Netflix shows recommendation </a:t>
+            </a:r>
+          </a:p>
+        </p:txBody>
+      </p:sp>
+      <p:sp>
+        <p:nvSpPr>
+          <p:cNvPr id="9" name="Content Placeholder 2">
+            <a:extLst>
+              <a:ext uri="{FF2B5EF4-FFF2-40B4-BE49-F238E27FC236}">
+                <a16:creationId xmlns:a16="http://schemas.microsoft.com/office/drawing/2014/main" id="{820AE9A2-EB51-80AA-B2C2-90A83F81A392}"/>
+              </a:ext>
+            </a:extLst>
+          </p:cNvPr>
+          <p:cNvSpPr txBox="1">
+            <a:spLocks/>
+          </p:cNvSpPr>
+          <p:nvPr/>
+        </p:nvSpPr>
+        <p:spPr>
+          <a:xfrm>
+            <a:off x="819062" y="1755438"/>
+            <a:ext cx="10215882" cy="1254092"/>
+          </a:xfrm>
+          <a:prstGeom prst="rect">
+            <a:avLst/>
+          </a:prstGeom>
+        </p:spPr>
+        <p:txBody>
+          <a:bodyPr vert="horz" lIns="0" tIns="45720" rIns="0" bIns="45720" rtlCol="0">
+            <a:normAutofit/>
+          </a:bodyPr>
+          <a:lstStyle>
+            <a:lvl1pPr marL="91440" indent="-91440" algn="l" defTabSz="914400" rtl="0" eaLnBrk="1" latinLnBrk="0" hangingPunct="1">
+              <a:lnSpc>
+                <a:spcPct val="90000"/>
+              </a:lnSpc>
+              <a:spcBef>
+                <a:spcPts val="1200"/>
+              </a:spcBef>
+              <a:spcAft>
+                <a:spcPts val="200"/>
+              </a:spcAft>
+              <a:buClr>
+                <a:schemeClr val="accent1"/>
+              </a:buClr>
+              <a:buSzPct val="100000"/>
+              <a:buFont typeface="Calibri" panose="020F0502020204030204" pitchFamily="34" charset="0"/>
+              <a:buChar char=" "/>
+              <a:defRPr sz="2000" kern="1200">
+                <a:solidFill>
+                  <a:schemeClr val="tx1">
+                    <a:lumMod val="75000"/>
+                    <a:lumOff val="25000"/>
+                  </a:schemeClr>
+                </a:solidFill>
+                <a:latin typeface="+mn-lt"/>
+                <a:ea typeface="+mn-ea"/>
+                <a:cs typeface="+mn-cs"/>
+              </a:defRPr>
+            </a:lvl1pPr>
+            <a:lvl2pPr marL="384048" indent="-182880" algn="l" defTabSz="914400" rtl="0" eaLnBrk="1" latinLnBrk="0" hangingPunct="1">
+              <a:lnSpc>
+                <a:spcPct val="90000"/>
+              </a:lnSpc>
+              <a:spcBef>
+                <a:spcPts val="200"/>
+              </a:spcBef>
+              <a:spcAft>
+                <a:spcPts val="400"/>
+              </a:spcAft>
+              <a:buClr>
+                <a:schemeClr val="accent1"/>
+              </a:buClr>
+              <a:buFont typeface="Calibri" pitchFamily="34" charset="0"/>
+              <a:buChar char="◦"/>
+              <a:defRPr sz="1800" kern="1200">
+                <a:solidFill>
+                  <a:schemeClr val="tx1">
+                    <a:lumMod val="75000"/>
+                    <a:lumOff val="25000"/>
+                  </a:schemeClr>
+                </a:solidFill>
+                <a:latin typeface="+mn-lt"/>
+                <a:ea typeface="+mn-ea"/>
+                <a:cs typeface="+mn-cs"/>
+              </a:defRPr>
+            </a:lvl2pPr>
+            <a:lvl3pPr marL="566928" indent="-182880" algn="l" defTabSz="914400" rtl="0" eaLnBrk="1" latinLnBrk="0" hangingPunct="1">
+              <a:lnSpc>
+                <a:spcPct val="90000"/>
+              </a:lnSpc>
+              <a:spcBef>
+                <a:spcPts val="200"/>
+              </a:spcBef>
+              <a:spcAft>
+                <a:spcPts val="400"/>
+              </a:spcAft>
+              <a:buClr>
+                <a:schemeClr val="accent1"/>
+              </a:buClr>
+              <a:buFont typeface="Calibri" pitchFamily="34" charset="0"/>
+              <a:buChar char="◦"/>
+              <a:defRPr sz="1400" kern="1200">
+                <a:solidFill>
+                  <a:schemeClr val="tx1">
+                    <a:lumMod val="75000"/>
+                    <a:lumOff val="25000"/>
+                  </a:schemeClr>
+                </a:solidFill>
+                <a:latin typeface="+mn-lt"/>
+                <a:ea typeface="+mn-ea"/>
+                <a:cs typeface="+mn-cs"/>
+              </a:defRPr>
+            </a:lvl3pPr>
+            <a:lvl4pPr marL="749808" indent="-182880" algn="l" defTabSz="914400" rtl="0" eaLnBrk="1" latinLnBrk="0" hangingPunct="1">
+              <a:lnSpc>
+                <a:spcPct val="90000"/>
+              </a:lnSpc>
+              <a:spcBef>
+                <a:spcPts val="200"/>
+              </a:spcBef>
+              <a:spcAft>
+                <a:spcPts val="400"/>
+              </a:spcAft>
+              <a:buClr>
+                <a:schemeClr val="accent1"/>
+              </a:buClr>
+              <a:buFont typeface="Calibri" pitchFamily="34" charset="0"/>
+              <a:buChar char="◦"/>
+              <a:defRPr sz="1400" kern="1200">
+                <a:solidFill>
+                  <a:schemeClr val="tx1">
+                    <a:lumMod val="75000"/>
+                    <a:lumOff val="25000"/>
+                  </a:schemeClr>
+                </a:solidFill>
+                <a:latin typeface="+mn-lt"/>
+                <a:ea typeface="+mn-ea"/>
+                <a:cs typeface="+mn-cs"/>
+              </a:defRPr>
+            </a:lvl4pPr>
+            <a:lvl5pPr marL="932688" indent="-182880" algn="l" defTabSz="914400" rtl="0" eaLnBrk="1" latinLnBrk="0" hangingPunct="1">
+              <a:lnSpc>
+                <a:spcPct val="90000"/>
+              </a:lnSpc>
+              <a:spcBef>
+                <a:spcPts val="200"/>
+              </a:spcBef>
+              <a:spcAft>
+                <a:spcPts val="400"/>
+              </a:spcAft>
+              <a:buClr>
+                <a:schemeClr val="accent1"/>
+              </a:buClr>
+              <a:buFont typeface="Calibri" pitchFamily="34" charset="0"/>
+              <a:buChar char="◦"/>
+              <a:defRPr sz="1400" kern="1200">
+                <a:solidFill>
+                  <a:schemeClr val="tx1">
+                    <a:lumMod val="75000"/>
+                    <a:lumOff val="25000"/>
+                  </a:schemeClr>
+                </a:solidFill>
+                <a:latin typeface="+mn-lt"/>
+                <a:ea typeface="+mn-ea"/>
+                <a:cs typeface="+mn-cs"/>
+              </a:defRPr>
+            </a:lvl5pPr>
+            <a:lvl6pPr marL="1100000" indent="-228600" algn="l" defTabSz="914400" rtl="0" eaLnBrk="1" latinLnBrk="0" hangingPunct="1">
+              <a:lnSpc>
+                <a:spcPct val="90000"/>
+              </a:lnSpc>
+              <a:spcBef>
+                <a:spcPts val="200"/>
+              </a:spcBef>
+              <a:spcAft>
+                <a:spcPts val="400"/>
+              </a:spcAft>
+              <a:buClr>
+                <a:schemeClr val="accent1"/>
+              </a:buClr>
+              <a:buFont typeface="Calibri" pitchFamily="34" charset="0"/>
+              <a:buChar char="◦"/>
+              <a:defRPr sz="1400" kern="1200">
+                <a:solidFill>
+                  <a:schemeClr val="tx1">
+                    <a:lumMod val="75000"/>
+                    <a:lumOff val="25000"/>
+                  </a:schemeClr>
+                </a:solidFill>
+                <a:latin typeface="+mn-lt"/>
+                <a:ea typeface="+mn-ea"/>
+                <a:cs typeface="+mn-cs"/>
+              </a:defRPr>
+            </a:lvl6pPr>
+            <a:lvl7pPr marL="1300000" indent="-228600" algn="l" defTabSz="914400" rtl="0" eaLnBrk="1" latinLnBrk="0" hangingPunct="1">
+              <a:lnSpc>
+                <a:spcPct val="90000"/>
+              </a:lnSpc>
+              <a:spcBef>
+                <a:spcPts val="200"/>
+              </a:spcBef>
+              <a:spcAft>
+                <a:spcPts val="400"/>
+              </a:spcAft>
+              <a:buClr>
+                <a:schemeClr val="accent1"/>
+              </a:buClr>
+              <a:buFont typeface="Calibri" pitchFamily="34" charset="0"/>
+              <a:buChar char="◦"/>
+              <a:defRPr sz="1400" kern="1200">
+                <a:solidFill>
+                  <a:schemeClr val="tx1">
+                    <a:lumMod val="75000"/>
+                    <a:lumOff val="25000"/>
+                  </a:schemeClr>
+                </a:solidFill>
+                <a:latin typeface="+mn-lt"/>
+                <a:ea typeface="+mn-ea"/>
+                <a:cs typeface="+mn-cs"/>
+              </a:defRPr>
+            </a:lvl7pPr>
+            <a:lvl8pPr marL="1500000" indent="-228600" algn="l" defTabSz="914400" rtl="0" eaLnBrk="1" latinLnBrk="0" hangingPunct="1">
+              <a:lnSpc>
+                <a:spcPct val="90000"/>
+              </a:lnSpc>
+              <a:spcBef>
+                <a:spcPts val="200"/>
+              </a:spcBef>
+              <a:spcAft>
+                <a:spcPts val="400"/>
+              </a:spcAft>
+              <a:buClr>
+                <a:schemeClr val="accent1"/>
+              </a:buClr>
+              <a:buFont typeface="Calibri" pitchFamily="34" charset="0"/>
+              <a:buChar char="◦"/>
+              <a:defRPr sz="1400" kern="1200">
+                <a:solidFill>
+                  <a:schemeClr val="tx1">
+                    <a:lumMod val="75000"/>
+                    <a:lumOff val="25000"/>
+                  </a:schemeClr>
+                </a:solidFill>
+                <a:latin typeface="+mn-lt"/>
+                <a:ea typeface="+mn-ea"/>
+                <a:cs typeface="+mn-cs"/>
+              </a:defRPr>
+            </a:lvl8pPr>
+            <a:lvl9pPr marL="1700000" indent="-228600" algn="l" defTabSz="914400" rtl="0" eaLnBrk="1" latinLnBrk="0" hangingPunct="1">
+              <a:lnSpc>
+                <a:spcPct val="90000"/>
+              </a:lnSpc>
+              <a:spcBef>
+                <a:spcPts val="200"/>
+              </a:spcBef>
+              <a:spcAft>
+                <a:spcPts val="400"/>
+              </a:spcAft>
+              <a:buClr>
+                <a:schemeClr val="accent1"/>
+              </a:buClr>
+              <a:buFont typeface="Calibri" pitchFamily="34" charset="0"/>
+              <a:buChar char="◦"/>
+              <a:defRPr sz="1400" kern="1200">
+                <a:solidFill>
+                  <a:schemeClr val="tx1">
+                    <a:lumMod val="75000"/>
+                    <a:lumOff val="25000"/>
+                  </a:schemeClr>
+                </a:solidFill>
+                <a:latin typeface="+mn-lt"/>
+                <a:ea typeface="+mn-ea"/>
+                <a:cs typeface="+mn-cs"/>
+              </a:defRPr>
+            </a:lvl9pPr>
+          </a:lstStyle>
+          <a:p>
+            <a:pPr>
+              <a:buFont typeface="Arial" panose="020B0604020202020204" pitchFamily="34" charset="0"/>
+              <a:buChar char="•"/>
+            </a:pPr>
             <a:r>
               <a:rPr lang="en-US" sz="2800" dirty="0"/>
-              <a:t>It could suggest existed titles if the input title is not existed</a:t>
-            </a:r>
-          </a:p>
-          <a:p>
-            <a:pPr lvl="1"/>
-            <a:r>
-              <a:rPr lang="en-US" sz="2800" dirty="0"/>
-              <a:t>The recommended titles are usually in the same type of the input title</a:t>
-            </a:r>
-          </a:p>
-        </p:txBody>
-      </p:sp>
+              <a:t> Content-based recommendation system</a:t>
+            </a:r>
+          </a:p>
+          <a:p>
+            <a:pPr lvl="1">
+              <a:buFont typeface="Arial" panose="020B0604020202020204" pitchFamily="34" charset="0"/>
+              <a:buChar char="•"/>
+            </a:pPr>
+            <a:r>
+              <a:rPr lang="en-US" sz="2000" dirty="0"/>
+              <a:t>Representative example for a movie </a:t>
+            </a:r>
+            <a:r>
+              <a:rPr lang="en-US" altLang="zh-CN" sz="2000" dirty="0"/>
+              <a:t>based on features: Director, cast, rating, </a:t>
+            </a:r>
+            <a:r>
+              <a:rPr lang="en-US" altLang="zh-CN" sz="2000" dirty="0" err="1"/>
+              <a:t>listed_in</a:t>
+            </a:r>
+            <a:r>
+              <a:rPr lang="en-US" altLang="zh-CN" sz="2000" dirty="0"/>
+              <a:t>, description</a:t>
+            </a:r>
+            <a:endParaRPr lang="en-US" sz="2000" dirty="0"/>
+          </a:p>
+        </p:txBody>
+      </p:sp>
+      <p:sp>
+        <p:nvSpPr>
+          <p:cNvPr id="2" name="TextBox 1">
+            <a:extLst>
+              <a:ext uri="{FF2B5EF4-FFF2-40B4-BE49-F238E27FC236}">
+                <a16:creationId xmlns:a16="http://schemas.microsoft.com/office/drawing/2014/main" id="{15C1BD34-12F7-C867-3811-F4FCC293D511}"/>
+              </a:ext>
+            </a:extLst>
+          </p:cNvPr>
+          <p:cNvSpPr txBox="1"/>
+          <p:nvPr/>
+        </p:nvSpPr>
+        <p:spPr>
+          <a:xfrm>
+            <a:off x="5667837" y="5903651"/>
+            <a:ext cx="856325" cy="307777"/>
+          </a:xfrm>
+          <a:prstGeom prst="rect">
+            <a:avLst/>
+          </a:prstGeom>
+          <a:noFill/>
+        </p:spPr>
+        <p:txBody>
+          <a:bodyPr wrap="none" rtlCol="0">
+            <a:spAutoFit/>
+          </a:bodyPr>
+          <a:lstStyle/>
+          <a:p>
+            <a:r>
+              <a:rPr lang="en-US" sz="1400" dirty="0"/>
+              <a:t>similarity</a:t>
+            </a:r>
+          </a:p>
+        </p:txBody>
+      </p:sp>
+      <p:pic>
+        <p:nvPicPr>
+          <p:cNvPr id="8" name="Picture 7" descr="Chart&#10;&#10;Description automatically generated">
+            <a:extLst>
+              <a:ext uri="{FF2B5EF4-FFF2-40B4-BE49-F238E27FC236}">
+                <a16:creationId xmlns:a16="http://schemas.microsoft.com/office/drawing/2014/main" id="{7DA35514-2433-CAD4-00B1-AD237EC831AE}"/>
+              </a:ext>
+            </a:extLst>
+          </p:cNvPr>
+          <p:cNvPicPr>
+            <a:picLocks noChangeAspect="1"/>
+          </p:cNvPicPr>
+          <p:nvPr/>
+        </p:nvPicPr>
+        <p:blipFill rotWithShape="1">
+          <a:blip r:embed="rId2">
+            <a:extLst>
+              <a:ext uri="{28A0092B-C50C-407E-A947-70E740481C1C}">
+                <a14:useLocalDpi xmlns:a14="http://schemas.microsoft.com/office/drawing/2010/main" val="0"/>
+              </a:ext>
+            </a:extLst>
+          </a:blip>
+          <a:srcRect b="5914"/>
+          <a:stretch/>
+        </p:blipFill>
+        <p:spPr>
+          <a:xfrm>
+            <a:off x="2539541" y="2646365"/>
+            <a:ext cx="6577826" cy="3257286"/>
+          </a:xfrm>
+          <a:prstGeom prst="rect">
+            <a:avLst/>
+          </a:prstGeom>
+        </p:spPr>
+      </p:pic>
     </p:spTree>
     <p:extLst>
       <p:ext uri="{BB962C8B-B14F-4D97-AF65-F5344CB8AC3E}">
-        <p14:creationId xmlns:p14="http://schemas.microsoft.com/office/powerpoint/2010/main" val="1919244734"/>
+        <p14:creationId xmlns:p14="http://schemas.microsoft.com/office/powerpoint/2010/main" val="2307732664"/>
       </p:ext>
     </p:extLst>
   </p:cSld>
@@ -4616,54 +7084,54 @@
 </file>
 
 <file path=ppt/theme/theme1.xml><?xml version="1.0" encoding="utf-8"?>
-<a:theme xmlns:a="http://schemas.openxmlformats.org/drawingml/2006/main" name="Office Theme">
+<a:theme xmlns:a="http://schemas.openxmlformats.org/drawingml/2006/main" name="Retrospect">
   <a:themeElements>
-    <a:clrScheme name="Office">
+    <a:clrScheme name="Retrospect">
       <a:dk1>
-        <a:sysClr val="windowText" lastClr="000000"/>
+        <a:srgbClr val="000000"/>
       </a:dk1>
       <a:lt1>
         <a:sysClr val="window" lastClr="FFFFFF"/>
       </a:lt1>
       <a:dk2>
-        <a:srgbClr val="44546A"/>
+        <a:srgbClr val="637052"/>
       </a:dk2>
       <a:lt2>
-        <a:srgbClr val="E7E6E6"/>
+        <a:srgbClr val="CCDDEA"/>
       </a:lt2>
       <a:accent1>
-        <a:srgbClr val="4472C4"/>
+        <a:srgbClr val="E48312"/>
       </a:accent1>
       <a:accent2>
-        <a:srgbClr val="ED7D31"/>
+        <a:srgbClr val="BD582C"/>
       </a:accent2>
       <a:accent3>
-        <a:srgbClr val="A5A5A5"/>
+        <a:srgbClr val="865640"/>
       </a:accent3>
       <a:accent4>
-        <a:srgbClr val="FFC000"/>
+        <a:srgbClr val="9B8357"/>
       </a:accent4>
       <a:accent5>
-        <a:srgbClr val="5B9BD5"/>
+        <a:srgbClr val="C2BC80"/>
       </a:accent5>
       <a:accent6>
-        <a:srgbClr val="70AD47"/>
+        <a:srgbClr val="94A088"/>
       </a:accent6>
       <a:hlink>
-        <a:srgbClr val="0563C1"/>
+        <a:srgbClr val="2998E3"/>
       </a:hlink>
       <a:folHlink>
-        <a:srgbClr val="954F72"/>
+        <a:srgbClr val="8C8C8C"/>
       </a:folHlink>
     </a:clrScheme>
-    <a:fontScheme name="Office">
+    <a:fontScheme name="Retrospect">
       <a:majorFont>
         <a:latin typeface="Calibri Light" panose="020F0302020204030204"/>
         <a:ea typeface=""/>
         <a:cs typeface=""/>
-        <a:font script="Jpan" typeface="游ゴシック Light"/>
+        <a:font script="Jpan" typeface="ＭＳ Ｐゴシック"/>
         <a:font script="Hang" typeface="맑은 고딕"/>
-        <a:font script="Hans" typeface="等线 Light"/>
+        <a:font script="Hans" typeface="宋体"/>
         <a:font script="Hant" typeface="新細明體"/>
         <a:font script="Arab" typeface="Times New Roman"/>
         <a:font script="Hebr" typeface="Times New Roman"/>
@@ -4691,31 +7159,14 @@
         <a:font script="Viet" typeface="Times New Roman"/>
         <a:font script="Uigh" typeface="Microsoft Uighur"/>
         <a:font script="Geor" typeface="Sylfaen"/>
-        <a:font script="Armn" typeface="Arial"/>
-        <a:font script="Bugi" typeface="Leelawadee UI"/>
-        <a:font script="Bopo" typeface="Microsoft JhengHei"/>
-        <a:font script="Java" typeface="Javanese Text"/>
-        <a:font script="Lisu" typeface="Segoe UI"/>
-        <a:font script="Mymr" typeface="Myanmar Text"/>
-        <a:font script="Nkoo" typeface="Ebrima"/>
-        <a:font script="Olck" typeface="Nirmala UI"/>
-        <a:font script="Osma" typeface="Ebrima"/>
-        <a:font script="Phag" typeface="Phagspa"/>
-        <a:font script="Syrn" typeface="Estrangelo Edessa"/>
-        <a:font script="Syrj" typeface="Estrangelo Edessa"/>
-        <a:font script="Syre" typeface="Estrangelo Edessa"/>
-        <a:font script="Sora" typeface="Nirmala UI"/>
-        <a:font script="Tale" typeface="Microsoft Tai Le"/>
-        <a:font script="Talu" typeface="Microsoft New Tai Lue"/>
-        <a:font script="Tfng" typeface="Ebrima"/>
       </a:majorFont>
       <a:minorFont>
         <a:latin typeface="Calibri" panose="020F0502020204030204"/>
         <a:ea typeface=""/>
         <a:cs typeface=""/>
-        <a:font script="Jpan" typeface="游ゴシック"/>
+        <a:font script="Jpan" typeface="ＭＳ Ｐゴシック"/>
         <a:font script="Hang" typeface="맑은 고딕"/>
-        <a:font script="Hans" typeface="等线"/>
+        <a:font script="Hans" typeface="宋体"/>
         <a:font script="Hant" typeface="新細明體"/>
         <a:font script="Arab" typeface="Arial"/>
         <a:font script="Hebr" typeface="Arial"/>
@@ -4743,26 +7194,9 @@
         <a:font script="Viet" typeface="Arial"/>
         <a:font script="Uigh" typeface="Microsoft Uighur"/>
         <a:font script="Geor" typeface="Sylfaen"/>
-        <a:font script="Armn" typeface="Arial"/>
-        <a:font script="Bugi" typeface="Leelawadee UI"/>
-        <a:font script="Bopo" typeface="Microsoft JhengHei"/>
-        <a:font script="Java" typeface="Javanese Text"/>
-        <a:font script="Lisu" typeface="Segoe UI"/>
-        <a:font script="Mymr" typeface="Myanmar Text"/>
-        <a:font script="Nkoo" typeface="Ebrima"/>
-        <a:font script="Olck" typeface="Nirmala UI"/>
-        <a:font script="Osma" typeface="Ebrima"/>
-        <a:font script="Phag" typeface="Phagspa"/>
-        <a:font script="Syrn" typeface="Estrangelo Edessa"/>
-        <a:font script="Syrj" typeface="Estrangelo Edessa"/>
-        <a:font script="Syre" typeface="Estrangelo Edessa"/>
-        <a:font script="Sora" typeface="Nirmala UI"/>
-        <a:font script="Tale" typeface="Microsoft Tai Le"/>
-        <a:font script="Talu" typeface="Microsoft New Tai Lue"/>
-        <a:font script="Tfng" typeface="Ebrima"/>
       </a:minorFont>
     </a:fontScheme>
-    <a:fmtScheme name="Office">
+    <a:fmtScheme name="Retrospect">
       <a:fillStyleLst>
         <a:solidFill>
           <a:schemeClr val="phClr"/>
@@ -4771,76 +7205,81 @@
           <a:gsLst>
             <a:gs pos="0">
               <a:schemeClr val="phClr">
-                <a:lumMod val="110000"/>
-                <a:satMod val="105000"/>
-                <a:tint val="67000"/>
+                <a:tint val="65000"/>
+                <a:shade val="92000"/>
+                <a:satMod val="130000"/>
               </a:schemeClr>
             </a:gs>
-            <a:gs pos="50000">
+            <a:gs pos="45000">
               <a:schemeClr val="phClr">
-                <a:lumMod val="105000"/>
-                <a:satMod val="103000"/>
-                <a:tint val="73000"/>
+                <a:tint val="60000"/>
+                <a:shade val="99000"/>
+                <a:satMod val="120000"/>
               </a:schemeClr>
             </a:gs>
             <a:gs pos="100000">
               <a:schemeClr val="phClr">
-                <a:lumMod val="105000"/>
-                <a:satMod val="109000"/>
-                <a:tint val="81000"/>
+                <a:tint val="55000"/>
+                <a:satMod val="140000"/>
               </a:schemeClr>
             </a:gs>
           </a:gsLst>
-          <a:lin ang="5400000" scaled="0"/>
+          <a:path path="circle">
+            <a:fillToRect l="100000" t="100000" r="100000" b="100000"/>
+          </a:path>
         </a:gradFill>
         <a:gradFill rotWithShape="1">
           <a:gsLst>
             <a:gs pos="0">
               <a:schemeClr val="phClr">
-                <a:satMod val="103000"/>
-                <a:lumMod val="102000"/>
-                <a:tint val="94000"/>
+                <a:shade val="85000"/>
+                <a:satMod val="130000"/>
               </a:schemeClr>
             </a:gs>
-            <a:gs pos="50000">
+            <a:gs pos="34000">
               <a:schemeClr val="phClr">
-                <a:satMod val="110000"/>
-                <a:lumMod val="100000"/>
-                <a:shade val="100000"/>
+                <a:shade val="87000"/>
+                <a:satMod val="125000"/>
+              </a:schemeClr>
+            </a:gs>
+            <a:gs pos="70000">
+              <a:schemeClr val="phClr">
+                <a:tint val="100000"/>
+                <a:shade val="90000"/>
+                <a:satMod val="130000"/>
               </a:schemeClr>
             </a:gs>
             <a:gs pos="100000">
               <a:schemeClr val="phClr">
-                <a:lumMod val="99000"/>
-                <a:satMod val="120000"/>
-                <a:shade val="78000"/>
+                <a:tint val="100000"/>
+                <a:shade val="100000"/>
+                <a:satMod val="110000"/>
               </a:schemeClr>
             </a:gs>
           </a:gsLst>
-          <a:lin ang="5400000" scaled="0"/>
+          <a:path path="circle">
+            <a:fillToRect l="100000" t="100000" r="100000" b="100000"/>
+          </a:path>
         </a:gradFill>
       </a:fillStyleLst>
       <a:lnStyleLst>
-        <a:ln w="6350" cap="flat" cmpd="sng" algn="ctr">
-          <a:solidFill>
-            <a:schemeClr val="phClr"/>
-          </a:solidFill>
-          <a:prstDash val="solid"/>
-          <a:miter lim="800000"/>
-        </a:ln>
         <a:ln w="12700" cap="flat" cmpd="sng" algn="ctr">
           <a:solidFill>
             <a:schemeClr val="phClr"/>
           </a:solidFill>
           <a:prstDash val="solid"/>
-          <a:miter lim="800000"/>
         </a:ln>
-        <a:ln w="19050" cap="flat" cmpd="sng" algn="ctr">
+        <a:ln w="15875" cap="flat" cmpd="sng" algn="ctr">
           <a:solidFill>
             <a:schemeClr val="phClr"/>
           </a:solidFill>
           <a:prstDash val="solid"/>
-          <a:miter lim="800000"/>
+        </a:ln>
+        <a:ln w="25400" cap="flat" cmpd="sng" algn="ctr">
+          <a:solidFill>
+            <a:schemeClr val="phClr"/>
+          </a:solidFill>
+          <a:prstDash val="solid"/>
         </a:ln>
       </a:lnStyleLst>
       <a:effectStyleLst>
@@ -4848,16 +7287,33 @@
           <a:effectLst/>
         </a:effectStyle>
         <a:effectStyle>
-          <a:effectLst/>
+          <a:effectLst>
+            <a:outerShdw blurRad="38100" dist="25400" dir="2700000" algn="br" rotWithShape="0">
+              <a:srgbClr val="000000">
+                <a:alpha val="60000"/>
+              </a:srgbClr>
+            </a:outerShdw>
+          </a:effectLst>
         </a:effectStyle>
         <a:effectStyle>
           <a:effectLst>
-            <a:outerShdw blurRad="57150" dist="19050" dir="5400000" algn="ctr" rotWithShape="0">
+            <a:outerShdw blurRad="44450" dist="25400" dir="2700000" algn="br" rotWithShape="0">
               <a:srgbClr val="000000">
-                <a:alpha val="63000"/>
+                <a:alpha val="60000"/>
               </a:srgbClr>
             </a:outerShdw>
           </a:effectLst>
+          <a:scene3d>
+            <a:camera prst="orthographicFront">
+              <a:rot lat="0" lon="0" rev="0"/>
+            </a:camera>
+            <a:lightRig rig="threePt" dir="t">
+              <a:rot lat="0" lon="0" rev="19800000"/>
+            </a:lightRig>
+          </a:scene3d>
+          <a:sp3d prstMaterial="flat">
+            <a:bevelT w="25400" h="31750"/>
+          </a:sp3d>
         </a:effectStyle>
       </a:effectStyleLst>
       <a:bgFillStyleLst>
@@ -4866,36 +7322,36 @@
         </a:solidFill>
         <a:solidFill>
           <a:schemeClr val="phClr">
-            <a:tint val="95000"/>
-            <a:satMod val="170000"/>
+            <a:tint val="90000"/>
+            <a:shade val="97000"/>
+            <a:satMod val="130000"/>
           </a:schemeClr>
         </a:solidFill>
         <a:gradFill rotWithShape="1">
           <a:gsLst>
             <a:gs pos="0">
               <a:schemeClr val="phClr">
-                <a:tint val="93000"/>
-                <a:satMod val="150000"/>
-                <a:shade val="98000"/>
-                <a:lumMod val="102000"/>
+                <a:tint val="96000"/>
+                <a:shade val="99000"/>
+                <a:satMod val="140000"/>
               </a:schemeClr>
             </a:gs>
-            <a:gs pos="50000">
+            <a:gs pos="65000">
               <a:schemeClr val="phClr">
-                <a:tint val="98000"/>
+                <a:tint val="100000"/>
+                <a:shade val="80000"/>
                 <a:satMod val="130000"/>
-                <a:shade val="90000"/>
-                <a:lumMod val="103000"/>
               </a:schemeClr>
             </a:gs>
             <a:gs pos="100000">
               <a:schemeClr val="phClr">
-                <a:shade val="63000"/>
+                <a:tint val="100000"/>
+                <a:shade val="48000"/>
                 <a:satMod val="120000"/>
               </a:schemeClr>
             </a:gs>
           </a:gsLst>
-          <a:lin ang="5400000" scaled="0"/>
+          <a:lin ang="16200000" scaled="0"/>
         </a:gradFill>
       </a:bgFillStyleLst>
     </a:fmtScheme>
@@ -4904,7 +7360,7 @@
   <a:extraClrSchemeLst/>
   <a:extLst>
     <a:ext uri="{05A4C25C-085E-4340-85A3-A5531E510DB2}">
-      <thm15:themeFamily xmlns:thm15="http://schemas.microsoft.com/office/thememl/2012/main" name="Office Theme" id="{62F939B6-93AF-4DB8-9C6B-D6C7DFDC589F}" vid="{4A3C46E8-61CC-4603-A589-7422A47A8E4A}"/>
+      <thm15:themeFamily xmlns:thm15="http://schemas.microsoft.com/office/thememl/2012/main" name="Retrospect" id="{5F128B03-DCCA-4EEB-AB3B-CF2899314A46}" vid="{3F1AAB62-24C6-49D2-8E01-B56FAC9A3DCD}"/>
     </a:ext>
   </a:extLst>
 </a:theme>

--- a/Presentation_project5.pptx
+++ b/Presentation_project5.pptx
@@ -10,12 +10,11 @@
     <p:sldId id="258" r:id="rId4"/>
     <p:sldId id="289" r:id="rId5"/>
     <p:sldId id="288" r:id="rId6"/>
-    <p:sldId id="290" r:id="rId7"/>
-    <p:sldId id="291" r:id="rId8"/>
-    <p:sldId id="292" r:id="rId9"/>
-    <p:sldId id="293" r:id="rId10"/>
-    <p:sldId id="282" r:id="rId11"/>
-    <p:sldId id="285" r:id="rId12"/>
+    <p:sldId id="291" r:id="rId7"/>
+    <p:sldId id="292" r:id="rId8"/>
+    <p:sldId id="293" r:id="rId9"/>
+    <p:sldId id="282" r:id="rId10"/>
+    <p:sldId id="285" r:id="rId11"/>
   </p:sldIdLst>
   <p:sldSz cx="12192000" cy="6858000"/>
   <p:notesSz cx="6858000" cy="9144000"/>
@@ -348,7 +347,7 @@
           <a:p>
             <a:fld id="{5ADCAF40-A17B-4AB4-99A9-34899C3DDED5}" type="datetimeFigureOut">
               <a:rPr lang="en-US" smtClean="0"/>
-              <a:t>6/7/2022</a:t>
+              <a:t>6/8/2022</a:t>
             </a:fld>
             <a:endParaRPr lang="en-US"/>
           </a:p>
@@ -556,7 +555,7 @@
           <a:p>
             <a:fld id="{5ADCAF40-A17B-4AB4-99A9-34899C3DDED5}" type="datetimeFigureOut">
               <a:rPr lang="en-US" smtClean="0"/>
-              <a:t>6/7/2022</a:t>
+              <a:t>6/8/2022</a:t>
             </a:fld>
             <a:endParaRPr lang="en-US"/>
           </a:p>
@@ -812,7 +811,7 @@
           <a:p>
             <a:fld id="{5ADCAF40-A17B-4AB4-99A9-34899C3DDED5}" type="datetimeFigureOut">
               <a:rPr lang="en-US" smtClean="0"/>
-              <a:t>6/7/2022</a:t>
+              <a:t>6/8/2022</a:t>
             </a:fld>
             <a:endParaRPr lang="en-US"/>
           </a:p>
@@ -986,7 +985,7 @@
           <a:p>
             <a:fld id="{5ADCAF40-A17B-4AB4-99A9-34899C3DDED5}" type="datetimeFigureOut">
               <a:rPr lang="en-US" smtClean="0"/>
-              <a:t>6/7/2022</a:t>
+              <a:t>6/8/2022</a:t>
             </a:fld>
             <a:endParaRPr lang="en-US"/>
           </a:p>
@@ -1329,7 +1328,7 @@
           <a:p>
             <a:fld id="{5ADCAF40-A17B-4AB4-99A9-34899C3DDED5}" type="datetimeFigureOut">
               <a:rPr lang="en-US" smtClean="0"/>
-              <a:t>6/7/2022</a:t>
+              <a:t>6/8/2022</a:t>
             </a:fld>
             <a:endParaRPr lang="en-US"/>
           </a:p>
@@ -1604,7 +1603,7 @@
           <a:p>
             <a:fld id="{5ADCAF40-A17B-4AB4-99A9-34899C3DDED5}" type="datetimeFigureOut">
               <a:rPr lang="en-US" smtClean="0"/>
-              <a:t>6/7/2022</a:t>
+              <a:t>6/8/2022</a:t>
             </a:fld>
             <a:endParaRPr lang="en-US"/>
           </a:p>
@@ -1983,7 +1982,7 @@
           <a:p>
             <a:fld id="{5ADCAF40-A17B-4AB4-99A9-34899C3DDED5}" type="datetimeFigureOut">
               <a:rPr lang="en-US" smtClean="0"/>
-              <a:t>6/7/2022</a:t>
+              <a:t>6/8/2022</a:t>
             </a:fld>
             <a:endParaRPr lang="en-US"/>
           </a:p>
@@ -2101,7 +2100,7 @@
           <a:p>
             <a:fld id="{5ADCAF40-A17B-4AB4-99A9-34899C3DDED5}" type="datetimeFigureOut">
               <a:rPr lang="en-US" smtClean="0"/>
-              <a:t>6/7/2022</a:t>
+              <a:t>6/8/2022</a:t>
             </a:fld>
             <a:endParaRPr lang="en-US"/>
           </a:p>
@@ -2272,7 +2271,7 @@
           <a:p>
             <a:fld id="{5ADCAF40-A17B-4AB4-99A9-34899C3DDED5}" type="datetimeFigureOut">
               <a:rPr lang="en-US" smtClean="0"/>
-              <a:t>6/7/2022</a:t>
+              <a:t>6/8/2022</a:t>
             </a:fld>
             <a:endParaRPr lang="en-US"/>
           </a:p>
@@ -2626,7 +2625,7 @@
           <a:p>
             <a:fld id="{5ADCAF40-A17B-4AB4-99A9-34899C3DDED5}" type="datetimeFigureOut">
               <a:rPr lang="en-US" smtClean="0"/>
-              <a:t>6/7/2022</a:t>
+              <a:t>6/8/2022</a:t>
             </a:fld>
             <a:endParaRPr lang="en-US"/>
           </a:p>
@@ -3008,7 +3007,7 @@
           <a:p>
             <a:fld id="{5ADCAF40-A17B-4AB4-99A9-34899C3DDED5}" type="datetimeFigureOut">
               <a:rPr lang="en-US" smtClean="0"/>
-              <a:t>6/7/2022</a:t>
+              <a:t>6/8/2022</a:t>
             </a:fld>
             <a:endParaRPr lang="en-US"/>
           </a:p>
@@ -3295,7 +3294,7 @@
           <a:p>
             <a:fld id="{5ADCAF40-A17B-4AB4-99A9-34899C3DDED5}" type="datetimeFigureOut">
               <a:rPr lang="en-US" smtClean="0"/>
-              <a:t>6/7/2022</a:t>
+              <a:t>6/8/2022</a:t>
             </a:fld>
             <a:endParaRPr lang="en-US"/>
           </a:p>
@@ -3916,152 +3915,6 @@
       </p:grpSpPr>
       <p:sp>
         <p:nvSpPr>
-          <p:cNvPr id="2" name="Title 1">
-            <a:extLst>
-              <a:ext uri="{FF2B5EF4-FFF2-40B4-BE49-F238E27FC236}">
-                <a16:creationId xmlns:a16="http://schemas.microsoft.com/office/drawing/2014/main" id="{695A89CF-45D1-44AF-BCFB-92DE6CFE1F2C}"/>
-              </a:ext>
-            </a:extLst>
-          </p:cNvPr>
-          <p:cNvSpPr>
-            <a:spLocks noGrp="1"/>
-          </p:cNvSpPr>
-          <p:nvPr>
-            <p:ph type="title"/>
-          </p:nvPr>
-        </p:nvSpPr>
-        <p:spPr>
-          <a:xfrm>
-            <a:off x="749424" y="365125"/>
-            <a:ext cx="10515600" cy="1325563"/>
-          </a:xfrm>
-        </p:spPr>
-        <p:txBody>
-          <a:bodyPr/>
-          <a:lstStyle/>
-          <a:p>
-            <a:r>
-              <a:rPr lang="en-US" dirty="0"/>
-              <a:t>Conclusion &amp; future work</a:t>
-            </a:r>
-          </a:p>
-        </p:txBody>
-      </p:sp>
-      <p:sp>
-        <p:nvSpPr>
-          <p:cNvPr id="3" name="Content Placeholder 2">
-            <a:extLst>
-              <a:ext uri="{FF2B5EF4-FFF2-40B4-BE49-F238E27FC236}">
-                <a16:creationId xmlns:a16="http://schemas.microsoft.com/office/drawing/2014/main" id="{0CC1F179-A32A-47D5-AD5E-8A6C69EA004D}"/>
-              </a:ext>
-            </a:extLst>
-          </p:cNvPr>
-          <p:cNvSpPr>
-            <a:spLocks noGrp="1"/>
-          </p:cNvSpPr>
-          <p:nvPr>
-            <p:ph idx="1"/>
-          </p:nvPr>
-        </p:nvSpPr>
-        <p:spPr>
-          <a:xfrm>
-            <a:off x="838200" y="1825625"/>
-            <a:ext cx="10426823" cy="4007004"/>
-          </a:xfrm>
-        </p:spPr>
-        <p:txBody>
-          <a:bodyPr>
-            <a:normAutofit/>
-          </a:bodyPr>
-          <a:lstStyle/>
-          <a:p>
-            <a:pPr>
-              <a:buFont typeface="Arial" panose="020B0604020202020204" pitchFamily="34" charset="0"/>
-              <a:buChar char="•"/>
-            </a:pPr>
-            <a:r>
-              <a:rPr lang="en-US" sz="3200" dirty="0"/>
-              <a:t> A content-based recommendation system was successfully developed</a:t>
-            </a:r>
-          </a:p>
-          <a:p>
-            <a:pPr lvl="1">
-              <a:buFont typeface="Arial" panose="020B0604020202020204" pitchFamily="34" charset="0"/>
-              <a:buChar char="•"/>
-            </a:pPr>
-            <a:r>
-              <a:rPr lang="en-US" sz="3000" dirty="0"/>
-              <a:t> </a:t>
-            </a:r>
-            <a:r>
-              <a:rPr lang="en-US" sz="2800" dirty="0"/>
-              <a:t>It could suggest existed titles if the input title is not existed</a:t>
-            </a:r>
-          </a:p>
-          <a:p>
-            <a:pPr lvl="1">
-              <a:buFont typeface="Arial" panose="020B0604020202020204" pitchFamily="34" charset="0"/>
-              <a:buChar char="•"/>
-            </a:pPr>
-            <a:r>
-              <a:rPr lang="en-US" sz="2800" dirty="0"/>
-              <a:t> It could suggest different numbers of titles in the rank of similarity</a:t>
-            </a:r>
-          </a:p>
-          <a:p>
-            <a:pPr>
-              <a:buFont typeface="Arial" panose="020B0604020202020204" pitchFamily="34" charset="0"/>
-              <a:buChar char="•"/>
-            </a:pPr>
-            <a:r>
-              <a:rPr lang="en-US" sz="3000" dirty="0"/>
-              <a:t> Future work</a:t>
-            </a:r>
-          </a:p>
-          <a:p>
-            <a:pPr lvl="1">
-              <a:buFont typeface="Arial" panose="020B0604020202020204" pitchFamily="34" charset="0"/>
-              <a:buChar char="•"/>
-            </a:pPr>
-            <a:r>
-              <a:rPr lang="en-US" sz="2800" dirty="0"/>
-              <a:t> With the accumulated records of user selection of shows, a collaborative filtering recommendation system could be developed with more accuracy</a:t>
-            </a:r>
-          </a:p>
-        </p:txBody>
-      </p:sp>
-    </p:spTree>
-    <p:extLst>
-      <p:ext uri="{BB962C8B-B14F-4D97-AF65-F5344CB8AC3E}">
-        <p14:creationId xmlns:p14="http://schemas.microsoft.com/office/powerpoint/2010/main" val="1919244734"/>
-      </p:ext>
-    </p:extLst>
-  </p:cSld>
-  <p:clrMapOvr>
-    <a:masterClrMapping/>
-  </p:clrMapOvr>
-</p:sld>
-</file>
-
-<file path=ppt/slides/slide11.xml><?xml version="1.0" encoding="utf-8"?>
-<p:sld xmlns:a="http://schemas.openxmlformats.org/drawingml/2006/main" xmlns:r="http://schemas.openxmlformats.org/officeDocument/2006/relationships" xmlns:p="http://schemas.openxmlformats.org/presentationml/2006/main">
-  <p:cSld>
-    <p:spTree>
-      <p:nvGrpSpPr>
-        <p:cNvPr id="1" name=""/>
-        <p:cNvGrpSpPr/>
-        <p:nvPr/>
-      </p:nvGrpSpPr>
-      <p:grpSpPr>
-        <a:xfrm>
-          <a:off x="0" y="0"/>
-          <a:ext cx="0" cy="0"/>
-          <a:chOff x="0" y="0"/>
-          <a:chExt cx="0" cy="0"/>
-        </a:xfrm>
-      </p:grpSpPr>
-      <p:sp>
-        <p:nvSpPr>
           <p:cNvPr id="4" name="TextBox 3">
             <a:extLst>
               <a:ext uri="{FF2B5EF4-FFF2-40B4-BE49-F238E27FC236}">
@@ -4208,7 +4061,15 @@
             </a:pPr>
             <a:r>
               <a:rPr lang="en-US" sz="2800" dirty="0"/>
-              <a:t>Data exploration of individual features</a:t>
+              <a:t>Data exploration of </a:t>
+            </a:r>
+            <a:r>
+              <a:rPr lang="en-US" altLang="zh-CN" sz="2800" dirty="0"/>
+              <a:t>representative</a:t>
+            </a:r>
+            <a:r>
+              <a:rPr lang="en-US" sz="2800" dirty="0"/>
+              <a:t> features</a:t>
             </a:r>
           </a:p>
           <a:p>
@@ -4333,7 +4194,7 @@
             </a:pPr>
             <a:r>
               <a:rPr lang="en-US" sz="2800" dirty="0"/>
-              <a:t> Data Source </a:t>
+              <a:t> Dataset </a:t>
             </a:r>
           </a:p>
           <a:p>
@@ -4349,7 +4210,7 @@
             </a:pPr>
             <a:r>
               <a:rPr lang="en-US" sz="2600" dirty="0"/>
-              <a:t>Downloaded from Kaggle.com</a:t>
+              <a:t>Source: Kaggle.com</a:t>
             </a:r>
           </a:p>
           <a:p>
@@ -4365,7 +4226,7 @@
             </a:pPr>
             <a:r>
               <a:rPr lang="en-US" sz="2600" dirty="0"/>
-              <a:t>Data Summary</a:t>
+              <a:t>Summary</a:t>
             </a:r>
           </a:p>
           <a:p>
@@ -4381,23 +4242,7 @@
             </a:pPr>
             <a:r>
               <a:rPr lang="en-US" sz="2400" dirty="0"/>
-              <a:t>8807 records of shows</a:t>
-            </a:r>
-          </a:p>
-          <a:p>
-            <a:pPr lvl="3">
-              <a:spcBef>
-                <a:spcPts val="0"/>
-              </a:spcBef>
-              <a:spcAft>
-                <a:spcPts val="0"/>
-              </a:spcAft>
-              <a:buFont typeface="Arial" panose="020B0604020202020204" pitchFamily="34" charset="0"/>
-              <a:buChar char="•"/>
-            </a:pPr>
-            <a:r>
-              <a:rPr lang="en-US" sz="2400" dirty="0"/>
-              <a:t>Related features for recommendation:</a:t>
+              <a:t>8807 shows &amp; 12 features:</a:t>
             </a:r>
           </a:p>
           <a:p>
@@ -4469,8 +4314,8 @@
         </p:blipFill>
         <p:spPr>
           <a:xfrm>
-            <a:off x="2205339" y="4533561"/>
-            <a:ext cx="2565646" cy="1713849"/>
+            <a:off x="1912375" y="4087627"/>
+            <a:ext cx="3092859" cy="2066027"/>
           </a:xfrm>
           <a:prstGeom prst="rect">
             <a:avLst/>
@@ -4504,8 +4349,8 @@
         </p:blipFill>
         <p:spPr>
           <a:xfrm>
-            <a:off x="5283252" y="4459565"/>
-            <a:ext cx="4230972" cy="1861842"/>
+            <a:off x="5283251" y="3957413"/>
+            <a:ext cx="5286791" cy="2326456"/>
           </a:xfrm>
           <a:prstGeom prst="rect">
             <a:avLst/>
@@ -4606,7 +4451,7 @@
             </a:pPr>
             <a:r>
               <a:rPr lang="en-US" sz="2800" dirty="0"/>
-              <a:t> Data Exploration of related features: ratings</a:t>
+              <a:t> Data exploration of representative feature I: ratings</a:t>
             </a:r>
             <a:endParaRPr lang="en-US" sz="2200" dirty="0"/>
           </a:p>
@@ -5034,7 +4879,7 @@
             </a:pPr>
             <a:r>
               <a:rPr lang="en-US" sz="2800" dirty="0"/>
-              <a:t> Data Exploration of related features (cont.): </a:t>
+              <a:t> Data exploration of representative feature II: </a:t>
             </a:r>
             <a:r>
               <a:rPr lang="en-US" altLang="zh-CN" sz="2800" dirty="0"/>
@@ -5081,6 +4926,100 @@
           <a:chExt cx="0" cy="0"/>
         </a:xfrm>
       </p:grpSpPr>
+      <p:pic>
+        <p:nvPicPr>
+          <p:cNvPr id="1032" name="Picture 8">
+            <a:extLst>
+              <a:ext uri="{FF2B5EF4-FFF2-40B4-BE49-F238E27FC236}">
+                <a16:creationId xmlns:a16="http://schemas.microsoft.com/office/drawing/2014/main" id="{1FD64B85-6184-E7C8-8106-17A80CE90671}"/>
+              </a:ext>
+            </a:extLst>
+          </p:cNvPr>
+          <p:cNvPicPr>
+            <a:picLocks noChangeAspect="1" noChangeArrowheads="1"/>
+          </p:cNvPicPr>
+          <p:nvPr/>
+        </p:nvPicPr>
+        <p:blipFill>
+          <a:blip r:embed="rId2">
+            <a:extLst>
+              <a:ext uri="{28A0092B-C50C-407E-A947-70E740481C1C}">
+                <a14:useLocalDpi xmlns:a14="http://schemas.microsoft.com/office/drawing/2010/main" val="0"/>
+              </a:ext>
+            </a:extLst>
+          </a:blip>
+          <a:srcRect/>
+          <a:stretch>
+            <a:fillRect/>
+          </a:stretch>
+        </p:blipFill>
+        <p:spPr bwMode="auto">
+          <a:xfrm>
+            <a:off x="337352" y="4578210"/>
+            <a:ext cx="4040862" cy="1737078"/>
+          </a:xfrm>
+          <a:prstGeom prst="rect">
+            <a:avLst/>
+          </a:prstGeom>
+          <a:noFill/>
+          <a:extLst>
+            <a:ext uri="{909E8E84-426E-40DD-AFC4-6F175D3DCCD1}">
+              <a14:hiddenFill xmlns:a14="http://schemas.microsoft.com/office/drawing/2010/main">
+                <a:solidFill>
+                  <a:srgbClr val="FFFFFF"/>
+                </a:solidFill>
+              </a14:hiddenFill>
+            </a:ext>
+          </a:extLst>
+        </p:spPr>
+      </p:pic>
+      <p:pic>
+        <p:nvPicPr>
+          <p:cNvPr id="1034" name="Picture 10">
+            <a:extLst>
+              <a:ext uri="{FF2B5EF4-FFF2-40B4-BE49-F238E27FC236}">
+                <a16:creationId xmlns:a16="http://schemas.microsoft.com/office/drawing/2014/main" id="{38023D75-F287-8A76-237A-3BB9271EF507}"/>
+              </a:ext>
+            </a:extLst>
+          </p:cNvPr>
+          <p:cNvPicPr>
+            <a:picLocks noChangeAspect="1" noChangeArrowheads="1"/>
+          </p:cNvPicPr>
+          <p:nvPr/>
+        </p:nvPicPr>
+        <p:blipFill>
+          <a:blip r:embed="rId3">
+            <a:extLst>
+              <a:ext uri="{28A0092B-C50C-407E-A947-70E740481C1C}">
+                <a14:useLocalDpi xmlns:a14="http://schemas.microsoft.com/office/drawing/2010/main" val="0"/>
+              </a:ext>
+            </a:extLst>
+          </a:blip>
+          <a:srcRect/>
+          <a:stretch>
+            <a:fillRect/>
+          </a:stretch>
+        </p:blipFill>
+        <p:spPr bwMode="auto">
+          <a:xfrm>
+            <a:off x="3935037" y="4704970"/>
+            <a:ext cx="3933265" cy="1685685"/>
+          </a:xfrm>
+          <a:prstGeom prst="rect">
+            <a:avLst/>
+          </a:prstGeom>
+          <a:noFill/>
+          <a:extLst>
+            <a:ext uri="{909E8E84-426E-40DD-AFC4-6F175D3DCCD1}">
+              <a14:hiddenFill xmlns:a14="http://schemas.microsoft.com/office/drawing/2010/main">
+                <a:solidFill>
+                  <a:srgbClr val="FFFFFF"/>
+                </a:solidFill>
+              </a14:hiddenFill>
+            </a:ext>
+          </a:extLst>
+        </p:spPr>
+      </p:pic>
       <p:sp>
         <p:nvSpPr>
           <p:cNvPr id="7" name="Title 1">
@@ -5133,7 +5072,7 @@
         <p:spPr>
           <a:xfrm>
             <a:off x="819062" y="1755438"/>
-            <a:ext cx="9399135" cy="1049904"/>
+            <a:ext cx="10682430" cy="1049904"/>
           </a:xfrm>
           <a:prstGeom prst="rect">
             <a:avLst/>
@@ -5406,541 +5345,7 @@
             </a:pPr>
             <a:r>
               <a:rPr lang="en-US" sz="2000" dirty="0"/>
-              <a:t>Recommended items for six different combinations of features: Director, cast, rating, </a:t>
-            </a:r>
-            <a:r>
-              <a:rPr lang="en-US" sz="2000" dirty="0" err="1"/>
-              <a:t>listed_in</a:t>
-            </a:r>
-            <a:r>
-              <a:rPr lang="en-US" sz="2000" dirty="0"/>
-              <a:t>, description</a:t>
-            </a:r>
-          </a:p>
-        </p:txBody>
-      </p:sp>
-      <p:pic>
-        <p:nvPicPr>
-          <p:cNvPr id="12" name="Picture 11" descr="Chart, bar chart&#10;&#10;Description automatically generated">
-            <a:extLst>
-              <a:ext uri="{FF2B5EF4-FFF2-40B4-BE49-F238E27FC236}">
-                <a16:creationId xmlns:a16="http://schemas.microsoft.com/office/drawing/2014/main" id="{31B740D0-C110-5DCE-45D0-48E879B5EB6F}"/>
-              </a:ext>
-            </a:extLst>
-          </p:cNvPr>
-          <p:cNvPicPr>
-            <a:picLocks noChangeAspect="1"/>
-          </p:cNvPicPr>
-          <p:nvPr/>
-        </p:nvPicPr>
-        <p:blipFill>
-          <a:blip r:embed="rId2">
-            <a:extLst>
-              <a:ext uri="{28A0092B-C50C-407E-A947-70E740481C1C}">
-                <a14:useLocalDpi xmlns:a14="http://schemas.microsoft.com/office/drawing/2010/main" val="0"/>
-              </a:ext>
-            </a:extLst>
-          </a:blip>
-          <a:stretch>
-            <a:fillRect/>
-          </a:stretch>
-        </p:blipFill>
-        <p:spPr>
-          <a:xfrm>
-            <a:off x="6096000" y="2852888"/>
-            <a:ext cx="4848227" cy="2651268"/>
-          </a:xfrm>
-          <a:prstGeom prst="rect">
-            <a:avLst/>
-          </a:prstGeom>
-        </p:spPr>
-      </p:pic>
-      <p:pic>
-        <p:nvPicPr>
-          <p:cNvPr id="14" name="Picture 13" descr="Chart, bar chart&#10;&#10;Description automatically generated">
-            <a:extLst>
-              <a:ext uri="{FF2B5EF4-FFF2-40B4-BE49-F238E27FC236}">
-                <a16:creationId xmlns:a16="http://schemas.microsoft.com/office/drawing/2014/main" id="{E96B894B-BCE5-F930-65D1-14FF1DA27BFE}"/>
-              </a:ext>
-            </a:extLst>
-          </p:cNvPr>
-          <p:cNvPicPr>
-            <a:picLocks noChangeAspect="1"/>
-          </p:cNvPicPr>
-          <p:nvPr/>
-        </p:nvPicPr>
-        <p:blipFill>
-          <a:blip r:embed="rId3">
-            <a:extLst>
-              <a:ext uri="{28A0092B-C50C-407E-A947-70E740481C1C}">
-                <a14:useLocalDpi xmlns:a14="http://schemas.microsoft.com/office/drawing/2010/main" val="0"/>
-              </a:ext>
-            </a:extLst>
-          </a:blip>
-          <a:stretch>
-            <a:fillRect/>
-          </a:stretch>
-        </p:blipFill>
-        <p:spPr>
-          <a:xfrm>
-            <a:off x="422950" y="2852888"/>
-            <a:ext cx="5566985" cy="2651268"/>
-          </a:xfrm>
-          <a:prstGeom prst="rect">
-            <a:avLst/>
-          </a:prstGeom>
-        </p:spPr>
-      </p:pic>
-    </p:spTree>
-    <p:extLst>
-      <p:ext uri="{BB962C8B-B14F-4D97-AF65-F5344CB8AC3E}">
-        <p14:creationId xmlns:p14="http://schemas.microsoft.com/office/powerpoint/2010/main" val="137263198"/>
-      </p:ext>
-    </p:extLst>
-  </p:cSld>
-  <p:clrMapOvr>
-    <a:masterClrMapping/>
-  </p:clrMapOvr>
-</p:sld>
-</file>
-
-<file path=ppt/slides/slide7.xml><?xml version="1.0" encoding="utf-8"?>
-<p:sld xmlns:a="http://schemas.openxmlformats.org/drawingml/2006/main" xmlns:r="http://schemas.openxmlformats.org/officeDocument/2006/relationships" xmlns:p="http://schemas.openxmlformats.org/presentationml/2006/main">
-  <p:cSld>
-    <p:spTree>
-      <p:nvGrpSpPr>
-        <p:cNvPr id="1" name=""/>
-        <p:cNvGrpSpPr/>
-        <p:nvPr/>
-      </p:nvGrpSpPr>
-      <p:grpSpPr>
-        <a:xfrm>
-          <a:off x="0" y="0"/>
-          <a:ext cx="0" cy="0"/>
-          <a:chOff x="0" y="0"/>
-          <a:chExt cx="0" cy="0"/>
-        </a:xfrm>
-      </p:grpSpPr>
-      <p:pic>
-        <p:nvPicPr>
-          <p:cNvPr id="1032" name="Picture 8">
-            <a:extLst>
-              <a:ext uri="{FF2B5EF4-FFF2-40B4-BE49-F238E27FC236}">
-                <a16:creationId xmlns:a16="http://schemas.microsoft.com/office/drawing/2014/main" id="{1FD64B85-6184-E7C8-8106-17A80CE90671}"/>
-              </a:ext>
-            </a:extLst>
-          </p:cNvPr>
-          <p:cNvPicPr>
-            <a:picLocks noChangeAspect="1" noChangeArrowheads="1"/>
-          </p:cNvPicPr>
-          <p:nvPr/>
-        </p:nvPicPr>
-        <p:blipFill>
-          <a:blip r:embed="rId2">
-            <a:extLst>
-              <a:ext uri="{28A0092B-C50C-407E-A947-70E740481C1C}">
-                <a14:useLocalDpi xmlns:a14="http://schemas.microsoft.com/office/drawing/2010/main" val="0"/>
-              </a:ext>
-            </a:extLst>
-          </a:blip>
-          <a:srcRect/>
-          <a:stretch>
-            <a:fillRect/>
-          </a:stretch>
-        </p:blipFill>
-        <p:spPr bwMode="auto">
-          <a:xfrm>
-            <a:off x="284086" y="4427290"/>
-            <a:ext cx="4040862" cy="1737078"/>
-          </a:xfrm>
-          <a:prstGeom prst="rect">
-            <a:avLst/>
-          </a:prstGeom>
-          <a:noFill/>
-          <a:extLst>
-            <a:ext uri="{909E8E84-426E-40DD-AFC4-6F175D3DCCD1}">
-              <a14:hiddenFill xmlns:a14="http://schemas.microsoft.com/office/drawing/2010/main">
-                <a:solidFill>
-                  <a:srgbClr val="FFFFFF"/>
-                </a:solidFill>
-              </a14:hiddenFill>
-            </a:ext>
-          </a:extLst>
-        </p:spPr>
-      </p:pic>
-      <p:pic>
-        <p:nvPicPr>
-          <p:cNvPr id="1034" name="Picture 10">
-            <a:extLst>
-              <a:ext uri="{FF2B5EF4-FFF2-40B4-BE49-F238E27FC236}">
-                <a16:creationId xmlns:a16="http://schemas.microsoft.com/office/drawing/2014/main" id="{38023D75-F287-8A76-237A-3BB9271EF507}"/>
-              </a:ext>
-            </a:extLst>
-          </p:cNvPr>
-          <p:cNvPicPr>
-            <a:picLocks noChangeAspect="1" noChangeArrowheads="1"/>
-          </p:cNvPicPr>
-          <p:nvPr/>
-        </p:nvPicPr>
-        <p:blipFill>
-          <a:blip r:embed="rId3">
-            <a:extLst>
-              <a:ext uri="{28A0092B-C50C-407E-A947-70E740481C1C}">
-                <a14:useLocalDpi xmlns:a14="http://schemas.microsoft.com/office/drawing/2010/main" val="0"/>
-              </a:ext>
-            </a:extLst>
-          </a:blip>
-          <a:srcRect/>
-          <a:stretch>
-            <a:fillRect/>
-          </a:stretch>
-        </p:blipFill>
-        <p:spPr bwMode="auto">
-          <a:xfrm>
-            <a:off x="3881771" y="4554050"/>
-            <a:ext cx="3933265" cy="1685685"/>
-          </a:xfrm>
-          <a:prstGeom prst="rect">
-            <a:avLst/>
-          </a:prstGeom>
-          <a:noFill/>
-          <a:extLst>
-            <a:ext uri="{909E8E84-426E-40DD-AFC4-6F175D3DCCD1}">
-              <a14:hiddenFill xmlns:a14="http://schemas.microsoft.com/office/drawing/2010/main">
-                <a:solidFill>
-                  <a:srgbClr val="FFFFFF"/>
-                </a:solidFill>
-              </a14:hiddenFill>
-            </a:ext>
-          </a:extLst>
-        </p:spPr>
-      </p:pic>
-      <p:sp>
-        <p:nvSpPr>
-          <p:cNvPr id="7" name="Title 1">
-            <a:extLst>
-              <a:ext uri="{FF2B5EF4-FFF2-40B4-BE49-F238E27FC236}">
-                <a16:creationId xmlns:a16="http://schemas.microsoft.com/office/drawing/2014/main" id="{B7DFA09D-0F65-FD05-B517-8C00D2AD55F7}"/>
-              </a:ext>
-            </a:extLst>
-          </p:cNvPr>
-          <p:cNvSpPr>
-            <a:spLocks noGrp="1"/>
-          </p:cNvSpPr>
-          <p:nvPr>
-            <p:ph type="title"/>
-          </p:nvPr>
-        </p:nvSpPr>
-        <p:spPr>
-          <a:xfrm>
-            <a:off x="1097280" y="286603"/>
-            <a:ext cx="10058400" cy="1450757"/>
-          </a:xfrm>
-        </p:spPr>
-        <p:txBody>
-          <a:bodyPr>
-            <a:normAutofit/>
-          </a:bodyPr>
-          <a:lstStyle/>
-          <a:p>
-            <a:r>
-              <a:rPr lang="en-US" dirty="0"/>
-              <a:t>Netflix shows recommendation </a:t>
-            </a:r>
-          </a:p>
-        </p:txBody>
-      </p:sp>
-      <p:sp>
-        <p:nvSpPr>
-          <p:cNvPr id="9" name="Content Placeholder 2">
-            <a:extLst>
-              <a:ext uri="{FF2B5EF4-FFF2-40B4-BE49-F238E27FC236}">
-                <a16:creationId xmlns:a16="http://schemas.microsoft.com/office/drawing/2014/main" id="{820AE9A2-EB51-80AA-B2C2-90A83F81A392}"/>
-              </a:ext>
-            </a:extLst>
-          </p:cNvPr>
-          <p:cNvSpPr txBox="1">
-            <a:spLocks/>
-          </p:cNvSpPr>
-          <p:nvPr/>
-        </p:nvSpPr>
-        <p:spPr>
-          <a:xfrm>
-            <a:off x="819062" y="1755438"/>
-            <a:ext cx="9399135" cy="1049904"/>
-          </a:xfrm>
-          <a:prstGeom prst="rect">
-            <a:avLst/>
-          </a:prstGeom>
-        </p:spPr>
-        <p:txBody>
-          <a:bodyPr vert="horz" lIns="0" tIns="45720" rIns="0" bIns="45720" rtlCol="0">
-            <a:normAutofit lnSpcReduction="10000"/>
-          </a:bodyPr>
-          <a:lstStyle>
-            <a:lvl1pPr marL="91440" indent="-91440" algn="l" defTabSz="914400" rtl="0" eaLnBrk="1" latinLnBrk="0" hangingPunct="1">
-              <a:lnSpc>
-                <a:spcPct val="90000"/>
-              </a:lnSpc>
-              <a:spcBef>
-                <a:spcPts val="1200"/>
-              </a:spcBef>
-              <a:spcAft>
-                <a:spcPts val="200"/>
-              </a:spcAft>
-              <a:buClr>
-                <a:schemeClr val="accent1"/>
-              </a:buClr>
-              <a:buSzPct val="100000"/>
-              <a:buFont typeface="Calibri" panose="020F0502020204030204" pitchFamily="34" charset="0"/>
-              <a:buChar char=" "/>
-              <a:defRPr sz="2000" kern="1200">
-                <a:solidFill>
-                  <a:schemeClr val="tx1">
-                    <a:lumMod val="75000"/>
-                    <a:lumOff val="25000"/>
-                  </a:schemeClr>
-                </a:solidFill>
-                <a:latin typeface="+mn-lt"/>
-                <a:ea typeface="+mn-ea"/>
-                <a:cs typeface="+mn-cs"/>
-              </a:defRPr>
-            </a:lvl1pPr>
-            <a:lvl2pPr marL="384048" indent="-182880" algn="l" defTabSz="914400" rtl="0" eaLnBrk="1" latinLnBrk="0" hangingPunct="1">
-              <a:lnSpc>
-                <a:spcPct val="90000"/>
-              </a:lnSpc>
-              <a:spcBef>
-                <a:spcPts val="200"/>
-              </a:spcBef>
-              <a:spcAft>
-                <a:spcPts val="400"/>
-              </a:spcAft>
-              <a:buClr>
-                <a:schemeClr val="accent1"/>
-              </a:buClr>
-              <a:buFont typeface="Calibri" pitchFamily="34" charset="0"/>
-              <a:buChar char="◦"/>
-              <a:defRPr sz="1800" kern="1200">
-                <a:solidFill>
-                  <a:schemeClr val="tx1">
-                    <a:lumMod val="75000"/>
-                    <a:lumOff val="25000"/>
-                  </a:schemeClr>
-                </a:solidFill>
-                <a:latin typeface="+mn-lt"/>
-                <a:ea typeface="+mn-ea"/>
-                <a:cs typeface="+mn-cs"/>
-              </a:defRPr>
-            </a:lvl2pPr>
-            <a:lvl3pPr marL="566928" indent="-182880" algn="l" defTabSz="914400" rtl="0" eaLnBrk="1" latinLnBrk="0" hangingPunct="1">
-              <a:lnSpc>
-                <a:spcPct val="90000"/>
-              </a:lnSpc>
-              <a:spcBef>
-                <a:spcPts val="200"/>
-              </a:spcBef>
-              <a:spcAft>
-                <a:spcPts val="400"/>
-              </a:spcAft>
-              <a:buClr>
-                <a:schemeClr val="accent1"/>
-              </a:buClr>
-              <a:buFont typeface="Calibri" pitchFamily="34" charset="0"/>
-              <a:buChar char="◦"/>
-              <a:defRPr sz="1400" kern="1200">
-                <a:solidFill>
-                  <a:schemeClr val="tx1">
-                    <a:lumMod val="75000"/>
-                    <a:lumOff val="25000"/>
-                  </a:schemeClr>
-                </a:solidFill>
-                <a:latin typeface="+mn-lt"/>
-                <a:ea typeface="+mn-ea"/>
-                <a:cs typeface="+mn-cs"/>
-              </a:defRPr>
-            </a:lvl3pPr>
-            <a:lvl4pPr marL="749808" indent="-182880" algn="l" defTabSz="914400" rtl="0" eaLnBrk="1" latinLnBrk="0" hangingPunct="1">
-              <a:lnSpc>
-                <a:spcPct val="90000"/>
-              </a:lnSpc>
-              <a:spcBef>
-                <a:spcPts val="200"/>
-              </a:spcBef>
-              <a:spcAft>
-                <a:spcPts val="400"/>
-              </a:spcAft>
-              <a:buClr>
-                <a:schemeClr val="accent1"/>
-              </a:buClr>
-              <a:buFont typeface="Calibri" pitchFamily="34" charset="0"/>
-              <a:buChar char="◦"/>
-              <a:defRPr sz="1400" kern="1200">
-                <a:solidFill>
-                  <a:schemeClr val="tx1">
-                    <a:lumMod val="75000"/>
-                    <a:lumOff val="25000"/>
-                  </a:schemeClr>
-                </a:solidFill>
-                <a:latin typeface="+mn-lt"/>
-                <a:ea typeface="+mn-ea"/>
-                <a:cs typeface="+mn-cs"/>
-              </a:defRPr>
-            </a:lvl4pPr>
-            <a:lvl5pPr marL="932688" indent="-182880" algn="l" defTabSz="914400" rtl="0" eaLnBrk="1" latinLnBrk="0" hangingPunct="1">
-              <a:lnSpc>
-                <a:spcPct val="90000"/>
-              </a:lnSpc>
-              <a:spcBef>
-                <a:spcPts val="200"/>
-              </a:spcBef>
-              <a:spcAft>
-                <a:spcPts val="400"/>
-              </a:spcAft>
-              <a:buClr>
-                <a:schemeClr val="accent1"/>
-              </a:buClr>
-              <a:buFont typeface="Calibri" pitchFamily="34" charset="0"/>
-              <a:buChar char="◦"/>
-              <a:defRPr sz="1400" kern="1200">
-                <a:solidFill>
-                  <a:schemeClr val="tx1">
-                    <a:lumMod val="75000"/>
-                    <a:lumOff val="25000"/>
-                  </a:schemeClr>
-                </a:solidFill>
-                <a:latin typeface="+mn-lt"/>
-                <a:ea typeface="+mn-ea"/>
-                <a:cs typeface="+mn-cs"/>
-              </a:defRPr>
-            </a:lvl5pPr>
-            <a:lvl6pPr marL="1100000" indent="-228600" algn="l" defTabSz="914400" rtl="0" eaLnBrk="1" latinLnBrk="0" hangingPunct="1">
-              <a:lnSpc>
-                <a:spcPct val="90000"/>
-              </a:lnSpc>
-              <a:spcBef>
-                <a:spcPts val="200"/>
-              </a:spcBef>
-              <a:spcAft>
-                <a:spcPts val="400"/>
-              </a:spcAft>
-              <a:buClr>
-                <a:schemeClr val="accent1"/>
-              </a:buClr>
-              <a:buFont typeface="Calibri" pitchFamily="34" charset="0"/>
-              <a:buChar char="◦"/>
-              <a:defRPr sz="1400" kern="1200">
-                <a:solidFill>
-                  <a:schemeClr val="tx1">
-                    <a:lumMod val="75000"/>
-                    <a:lumOff val="25000"/>
-                  </a:schemeClr>
-                </a:solidFill>
-                <a:latin typeface="+mn-lt"/>
-                <a:ea typeface="+mn-ea"/>
-                <a:cs typeface="+mn-cs"/>
-              </a:defRPr>
-            </a:lvl6pPr>
-            <a:lvl7pPr marL="1300000" indent="-228600" algn="l" defTabSz="914400" rtl="0" eaLnBrk="1" latinLnBrk="0" hangingPunct="1">
-              <a:lnSpc>
-                <a:spcPct val="90000"/>
-              </a:lnSpc>
-              <a:spcBef>
-                <a:spcPts val="200"/>
-              </a:spcBef>
-              <a:spcAft>
-                <a:spcPts val="400"/>
-              </a:spcAft>
-              <a:buClr>
-                <a:schemeClr val="accent1"/>
-              </a:buClr>
-              <a:buFont typeface="Calibri" pitchFamily="34" charset="0"/>
-              <a:buChar char="◦"/>
-              <a:defRPr sz="1400" kern="1200">
-                <a:solidFill>
-                  <a:schemeClr val="tx1">
-                    <a:lumMod val="75000"/>
-                    <a:lumOff val="25000"/>
-                  </a:schemeClr>
-                </a:solidFill>
-                <a:latin typeface="+mn-lt"/>
-                <a:ea typeface="+mn-ea"/>
-                <a:cs typeface="+mn-cs"/>
-              </a:defRPr>
-            </a:lvl7pPr>
-            <a:lvl8pPr marL="1500000" indent="-228600" algn="l" defTabSz="914400" rtl="0" eaLnBrk="1" latinLnBrk="0" hangingPunct="1">
-              <a:lnSpc>
-                <a:spcPct val="90000"/>
-              </a:lnSpc>
-              <a:spcBef>
-                <a:spcPts val="200"/>
-              </a:spcBef>
-              <a:spcAft>
-                <a:spcPts val="400"/>
-              </a:spcAft>
-              <a:buClr>
-                <a:schemeClr val="accent1"/>
-              </a:buClr>
-              <a:buFont typeface="Calibri" pitchFamily="34" charset="0"/>
-              <a:buChar char="◦"/>
-              <a:defRPr sz="1400" kern="1200">
-                <a:solidFill>
-                  <a:schemeClr val="tx1">
-                    <a:lumMod val="75000"/>
-                    <a:lumOff val="25000"/>
-                  </a:schemeClr>
-                </a:solidFill>
-                <a:latin typeface="+mn-lt"/>
-                <a:ea typeface="+mn-ea"/>
-                <a:cs typeface="+mn-cs"/>
-              </a:defRPr>
-            </a:lvl8pPr>
-            <a:lvl9pPr marL="1700000" indent="-228600" algn="l" defTabSz="914400" rtl="0" eaLnBrk="1" latinLnBrk="0" hangingPunct="1">
-              <a:lnSpc>
-                <a:spcPct val="90000"/>
-              </a:lnSpc>
-              <a:spcBef>
-                <a:spcPts val="200"/>
-              </a:spcBef>
-              <a:spcAft>
-                <a:spcPts val="400"/>
-              </a:spcAft>
-              <a:buClr>
-                <a:schemeClr val="accent1"/>
-              </a:buClr>
-              <a:buFont typeface="Calibri" pitchFamily="34" charset="0"/>
-              <a:buChar char="◦"/>
-              <a:defRPr sz="1400" kern="1200">
-                <a:solidFill>
-                  <a:schemeClr val="tx1">
-                    <a:lumMod val="75000"/>
-                    <a:lumOff val="25000"/>
-                  </a:schemeClr>
-                </a:solidFill>
-                <a:latin typeface="+mn-lt"/>
-                <a:ea typeface="+mn-ea"/>
-                <a:cs typeface="+mn-cs"/>
-              </a:defRPr>
-            </a:lvl9pPr>
-          </a:lstStyle>
-          <a:p>
-            <a:pPr>
-              <a:buFont typeface="Arial" panose="020B0604020202020204" pitchFamily="34" charset="0"/>
-              <a:buChar char="•"/>
-            </a:pPr>
-            <a:r>
-              <a:rPr lang="en-US" sz="2800" dirty="0"/>
-              <a:t> Content-based recommendation system</a:t>
-            </a:r>
-          </a:p>
-          <a:p>
-            <a:pPr lvl="1">
-              <a:buFont typeface="Arial" panose="020B0604020202020204" pitchFamily="34" charset="0"/>
-              <a:buChar char="•"/>
-            </a:pPr>
-            <a:r>
-              <a:rPr lang="en-US" sz="2000" dirty="0"/>
-              <a:t>Recommended items for six different combinations of features: Director, cast, rating, </a:t>
+              <a:t>Recommended shows: comparisons of six different combinations of features from director, cast, rating, </a:t>
             </a:r>
             <a:r>
               <a:rPr lang="en-US" sz="2000" dirty="0" err="1"/>
@@ -5982,7 +5387,7 @@
         </p:blipFill>
         <p:spPr bwMode="auto">
           <a:xfrm>
-            <a:off x="392991" y="2821048"/>
+            <a:off x="446257" y="2971968"/>
             <a:ext cx="3661151" cy="1598211"/>
           </a:xfrm>
           <a:prstGeom prst="rect">
@@ -6029,7 +5434,7 @@
         </p:blipFill>
         <p:spPr bwMode="auto">
           <a:xfrm>
-            <a:off x="4077524" y="2826052"/>
+            <a:off x="4130790" y="2976972"/>
             <a:ext cx="3541757" cy="1613531"/>
           </a:xfrm>
           <a:prstGeom prst="rect">
@@ -6076,7 +5481,7 @@
         </p:blipFill>
         <p:spPr bwMode="auto">
           <a:xfrm>
-            <a:off x="7613644" y="2838343"/>
+            <a:off x="7666910" y="2989263"/>
             <a:ext cx="3887848" cy="1588947"/>
           </a:xfrm>
           <a:prstGeom prst="rect">
@@ -6123,8 +5528,8 @@
         </p:blipFill>
         <p:spPr bwMode="auto">
           <a:xfrm>
-            <a:off x="7761766" y="4491904"/>
-            <a:ext cx="4040862" cy="1685685"/>
+            <a:off x="7815032" y="4642825"/>
+            <a:ext cx="3887848" cy="1621854"/>
           </a:xfrm>
           <a:prstGeom prst="rect">
             <a:avLst/>
@@ -6155,7 +5560,7 @@
         </p:nvSpPr>
         <p:spPr>
           <a:xfrm>
-            <a:off x="4421229" y="2452511"/>
+            <a:off x="4474495" y="2603431"/>
             <a:ext cx="2591393" cy="369332"/>
           </a:xfrm>
           <a:prstGeom prst="rect">
@@ -6197,7 +5602,7 @@
 </p:sld>
 </file>
 
-<file path=ppt/slides/slide8.xml><?xml version="1.0" encoding="utf-8"?>
+<file path=ppt/slides/slide7.xml><?xml version="1.0" encoding="utf-8"?>
 <p:sld xmlns:a="http://schemas.openxmlformats.org/drawingml/2006/main" xmlns:r="http://schemas.openxmlformats.org/officeDocument/2006/relationships" xmlns:p="http://schemas.openxmlformats.org/presentationml/2006/main">
   <p:cSld>
     <p:spTree>
@@ -6578,7 +5983,7 @@
             </a:r>
             <a:r>
               <a:rPr lang="en-US" altLang="zh-CN" sz="2000" dirty="0"/>
-              <a:t>based on features: Director, cast, rating, </a:t>
+              <a:t>based on combined features of director, cast, rating, </a:t>
             </a:r>
             <a:r>
               <a:rPr lang="en-US" altLang="zh-CN" sz="2000" dirty="0" err="1"/>
@@ -6640,7 +6045,7 @@
 </p:sld>
 </file>
 
-<file path=ppt/slides/slide9.xml><?xml version="1.0" encoding="utf-8"?>
+<file path=ppt/slides/slide8.xml><?xml version="1.0" encoding="utf-8"?>
 <p:sld xmlns:a="http://schemas.openxmlformats.org/drawingml/2006/main" xmlns:r="http://schemas.openxmlformats.org/officeDocument/2006/relationships" xmlns:p="http://schemas.openxmlformats.org/presentationml/2006/main">
   <p:cSld>
     <p:spTree>
@@ -6986,7 +6391,7 @@
             </a:r>
             <a:r>
               <a:rPr lang="en-US" altLang="zh-CN" sz="2000" dirty="0"/>
-              <a:t>based on features: Director, cast, rating, </a:t>
+              <a:t>based on combined features of director, cast, rating, </a:t>
             </a:r>
             <a:r>
               <a:rPr lang="en-US" altLang="zh-CN" sz="2000" dirty="0" err="1"/>
@@ -7014,7 +6419,7 @@
         </p:nvSpPr>
         <p:spPr>
           <a:xfrm>
-            <a:off x="5667837" y="5903651"/>
+            <a:off x="5667837" y="6057539"/>
             <a:ext cx="856325" cy="307777"/>
           </a:xfrm>
           <a:prstGeom prst="rect">
@@ -7062,7 +6467,7 @@
         </p:blipFill>
         <p:spPr>
           <a:xfrm>
-            <a:off x="2539541" y="2646365"/>
+            <a:off x="2539541" y="2800253"/>
             <a:ext cx="6577826" cy="3257286"/>
           </a:xfrm>
           <a:prstGeom prst="rect">
@@ -7074,6 +6479,157 @@
     <p:extLst>
       <p:ext uri="{BB962C8B-B14F-4D97-AF65-F5344CB8AC3E}">
         <p14:creationId xmlns:p14="http://schemas.microsoft.com/office/powerpoint/2010/main" val="2307732664"/>
+      </p:ext>
+    </p:extLst>
+  </p:cSld>
+  <p:clrMapOvr>
+    <a:masterClrMapping/>
+  </p:clrMapOvr>
+</p:sld>
+</file>
+
+<file path=ppt/slides/slide9.xml><?xml version="1.0" encoding="utf-8"?>
+<p:sld xmlns:a="http://schemas.openxmlformats.org/drawingml/2006/main" xmlns:r="http://schemas.openxmlformats.org/officeDocument/2006/relationships" xmlns:p="http://schemas.openxmlformats.org/presentationml/2006/main">
+  <p:cSld>
+    <p:spTree>
+      <p:nvGrpSpPr>
+        <p:cNvPr id="1" name=""/>
+        <p:cNvGrpSpPr/>
+        <p:nvPr/>
+      </p:nvGrpSpPr>
+      <p:grpSpPr>
+        <a:xfrm>
+          <a:off x="0" y="0"/>
+          <a:ext cx="0" cy="0"/>
+          <a:chOff x="0" y="0"/>
+          <a:chExt cx="0" cy="0"/>
+        </a:xfrm>
+      </p:grpSpPr>
+      <p:sp>
+        <p:nvSpPr>
+          <p:cNvPr id="2" name="Title 1">
+            <a:extLst>
+              <a:ext uri="{FF2B5EF4-FFF2-40B4-BE49-F238E27FC236}">
+                <a16:creationId xmlns:a16="http://schemas.microsoft.com/office/drawing/2014/main" id="{695A89CF-45D1-44AF-BCFB-92DE6CFE1F2C}"/>
+              </a:ext>
+            </a:extLst>
+          </p:cNvPr>
+          <p:cNvSpPr>
+            <a:spLocks noGrp="1"/>
+          </p:cNvSpPr>
+          <p:nvPr>
+            <p:ph type="title"/>
+          </p:nvPr>
+        </p:nvSpPr>
+        <p:spPr>
+          <a:xfrm>
+            <a:off x="749424" y="365125"/>
+            <a:ext cx="10515600" cy="1325563"/>
+          </a:xfrm>
+        </p:spPr>
+        <p:txBody>
+          <a:bodyPr/>
+          <a:lstStyle/>
+          <a:p>
+            <a:r>
+              <a:rPr lang="en-US" dirty="0"/>
+              <a:t>Conclusion &amp; future work</a:t>
+            </a:r>
+          </a:p>
+        </p:txBody>
+      </p:sp>
+      <p:sp>
+        <p:nvSpPr>
+          <p:cNvPr id="3" name="Content Placeholder 2">
+            <a:extLst>
+              <a:ext uri="{FF2B5EF4-FFF2-40B4-BE49-F238E27FC236}">
+                <a16:creationId xmlns:a16="http://schemas.microsoft.com/office/drawing/2014/main" id="{0CC1F179-A32A-47D5-AD5E-8A6C69EA004D}"/>
+              </a:ext>
+            </a:extLst>
+          </p:cNvPr>
+          <p:cNvSpPr>
+            <a:spLocks noGrp="1"/>
+          </p:cNvSpPr>
+          <p:nvPr>
+            <p:ph idx="1"/>
+          </p:nvPr>
+        </p:nvSpPr>
+        <p:spPr>
+          <a:xfrm>
+            <a:off x="838200" y="1825625"/>
+            <a:ext cx="10426823" cy="4007004"/>
+          </a:xfrm>
+        </p:spPr>
+        <p:txBody>
+          <a:bodyPr>
+            <a:normAutofit/>
+          </a:bodyPr>
+          <a:lstStyle/>
+          <a:p>
+            <a:pPr>
+              <a:buFont typeface="Arial" panose="020B0604020202020204" pitchFamily="34" charset="0"/>
+              <a:buChar char="•"/>
+            </a:pPr>
+            <a:r>
+              <a:rPr lang="en-US" sz="3200" dirty="0"/>
+              <a:t> A content-based recommendation system was successfully developed</a:t>
+            </a:r>
+          </a:p>
+          <a:p>
+            <a:pPr lvl="1">
+              <a:buFont typeface="Arial" panose="020B0604020202020204" pitchFamily="34" charset="0"/>
+              <a:buChar char="•"/>
+            </a:pPr>
+            <a:r>
+              <a:rPr lang="en-US" sz="3000" dirty="0"/>
+              <a:t> </a:t>
+            </a:r>
+            <a:r>
+              <a:rPr lang="en-US" sz="2800" dirty="0"/>
+              <a:t>It could suggest existed related shows if the input show is not existed</a:t>
+            </a:r>
+          </a:p>
+          <a:p>
+            <a:pPr lvl="1">
+              <a:buFont typeface="Arial" panose="020B0604020202020204" pitchFamily="34" charset="0"/>
+              <a:buChar char="•"/>
+            </a:pPr>
+            <a:r>
+              <a:rPr lang="en-US" sz="2800" dirty="0"/>
+              <a:t> It could suggest different numbers of shows in the rank of similarity</a:t>
+            </a:r>
+          </a:p>
+          <a:p>
+            <a:pPr>
+              <a:buFont typeface="Arial" panose="020B0604020202020204" pitchFamily="34" charset="0"/>
+              <a:buChar char="•"/>
+            </a:pPr>
+            <a:r>
+              <a:rPr lang="en-US" sz="3000" dirty="0"/>
+              <a:t> Future work</a:t>
+            </a:r>
+          </a:p>
+          <a:p>
+            <a:pPr lvl="1">
+              <a:buFont typeface="Arial" panose="020B0604020202020204" pitchFamily="34" charset="0"/>
+              <a:buChar char="•"/>
+            </a:pPr>
+            <a:r>
+              <a:rPr lang="en-US" sz="2800" dirty="0"/>
+              <a:t> With the accumulated records of user selection of shows, a collaborative filtering recommendation system could be further developed with </a:t>
+            </a:r>
+            <a:r>
+              <a:rPr lang="en-US" sz="2800"/>
+              <a:t>better recommendation</a:t>
+            </a:r>
+            <a:endParaRPr lang="en-US" sz="2800" dirty="0"/>
+          </a:p>
+        </p:txBody>
+      </p:sp>
+    </p:spTree>
+    <p:extLst>
+      <p:ext uri="{BB962C8B-B14F-4D97-AF65-F5344CB8AC3E}">
+        <p14:creationId xmlns:p14="http://schemas.microsoft.com/office/powerpoint/2010/main" val="1919244734"/>
       </p:ext>
     </p:extLst>
   </p:cSld>
